--- a/超能力脱出劇_仕様書.pptx
+++ b/超能力脱出劇_仕様書.pptx
@@ -7,10 +7,15 @@
   <p:sldIdLst>
     <p:sldId id="256" r:id="rId2"/>
     <p:sldId id="261" r:id="rId3"/>
-    <p:sldId id="263" r:id="rId4"/>
-    <p:sldId id="265" r:id="rId5"/>
-    <p:sldId id="266" r:id="rId6"/>
+    <p:sldId id="265" r:id="rId4"/>
+    <p:sldId id="266" r:id="rId5"/>
+    <p:sldId id="263" r:id="rId6"/>
     <p:sldId id="259" r:id="rId7"/>
+    <p:sldId id="267" r:id="rId8"/>
+    <p:sldId id="268" r:id="rId9"/>
+    <p:sldId id="269" r:id="rId10"/>
+    <p:sldId id="270" r:id="rId11"/>
+    <p:sldId id="271" r:id="rId12"/>
   </p:sldIdLst>
   <p:sldSz cx="12192000" cy="6858000"/>
   <p:notesSz cx="6858000" cy="9144000"/>
@@ -115,2835 +120,6 @@
     </p:ext>
   </p:extLst>
 </p:presentation>
-</file>
-
-<file path=ppt/diagrams/colors1.xml><?xml version="1.0" encoding="utf-8"?>
-<dgm:colorsDef xmlns:dgm="http://schemas.openxmlformats.org/drawingml/2006/diagram" xmlns:a="http://schemas.openxmlformats.org/drawingml/2006/main" uniqueId="urn:microsoft.com/office/officeart/2005/8/colors/colorful1">
-  <dgm:title val=""/>
-  <dgm:desc val=""/>
-  <dgm:catLst>
-    <dgm:cat type="colorful" pri="10100"/>
-  </dgm:catLst>
-  <dgm:styleLbl name="node0">
-    <dgm:fillClrLst meth="repeat">
-      <a:schemeClr val="accent1"/>
-    </dgm:fillClrLst>
-    <dgm:linClrLst meth="repeat">
-      <a:schemeClr val="lt1"/>
-    </dgm:linClrLst>
-    <dgm:effectClrLst/>
-    <dgm:txLinClrLst/>
-    <dgm:txFillClrLst/>
-    <dgm:txEffectClrLst/>
-  </dgm:styleLbl>
-  <dgm:styleLbl name="node1">
-    <dgm:fillClrLst meth="repeat">
-      <a:schemeClr val="accent2"/>
-      <a:schemeClr val="accent3"/>
-      <a:schemeClr val="accent4"/>
-      <a:schemeClr val="accent5"/>
-      <a:schemeClr val="accent6"/>
-    </dgm:fillClrLst>
-    <dgm:linClrLst meth="repeat">
-      <a:schemeClr val="lt1"/>
-    </dgm:linClrLst>
-    <dgm:effectClrLst/>
-    <dgm:txLinClrLst/>
-    <dgm:txFillClrLst/>
-    <dgm:txEffectClrLst/>
-  </dgm:styleLbl>
-  <dgm:styleLbl name="alignNode1">
-    <dgm:fillClrLst meth="repeat">
-      <a:schemeClr val="accent2"/>
-      <a:schemeClr val="accent3"/>
-      <a:schemeClr val="accent4"/>
-      <a:schemeClr val="accent5"/>
-      <a:schemeClr val="accent6"/>
-    </dgm:fillClrLst>
-    <dgm:linClrLst meth="repeat">
-      <a:schemeClr val="accent2"/>
-      <a:schemeClr val="accent3"/>
-      <a:schemeClr val="accent4"/>
-      <a:schemeClr val="accent5"/>
-      <a:schemeClr val="accent6"/>
-    </dgm:linClrLst>
-    <dgm:effectClrLst/>
-    <dgm:txLinClrLst/>
-    <dgm:txFillClrLst/>
-    <dgm:txEffectClrLst/>
-  </dgm:styleLbl>
-  <dgm:styleLbl name="lnNode1">
-    <dgm:fillClrLst meth="repeat">
-      <a:schemeClr val="accent2"/>
-      <a:schemeClr val="accent3"/>
-      <a:schemeClr val="accent4"/>
-      <a:schemeClr val="accent5"/>
-      <a:schemeClr val="accent6"/>
-    </dgm:fillClrLst>
-    <dgm:linClrLst meth="repeat">
-      <a:schemeClr val="lt1"/>
-    </dgm:linClrLst>
-    <dgm:effectClrLst/>
-    <dgm:txLinClrLst/>
-    <dgm:txFillClrLst/>
-    <dgm:txEffectClrLst/>
-  </dgm:styleLbl>
-  <dgm:styleLbl name="vennNode1">
-    <dgm:fillClrLst meth="repeat">
-      <a:schemeClr val="accent2">
-        <a:alpha val="50000"/>
-      </a:schemeClr>
-      <a:schemeClr val="accent3">
-        <a:alpha val="50000"/>
-      </a:schemeClr>
-      <a:schemeClr val="accent4">
-        <a:alpha val="50000"/>
-      </a:schemeClr>
-      <a:schemeClr val="accent5">
-        <a:alpha val="50000"/>
-      </a:schemeClr>
-      <a:schemeClr val="accent6">
-        <a:alpha val="50000"/>
-      </a:schemeClr>
-    </dgm:fillClrLst>
-    <dgm:linClrLst meth="repeat">
-      <a:schemeClr val="lt1"/>
-    </dgm:linClrLst>
-    <dgm:effectClrLst/>
-    <dgm:txLinClrLst/>
-    <dgm:txFillClrLst/>
-    <dgm:txEffectClrLst/>
-  </dgm:styleLbl>
-  <dgm:styleLbl name="node2">
-    <dgm:fillClrLst>
-      <a:schemeClr val="accent2"/>
-    </dgm:fillClrLst>
-    <dgm:linClrLst meth="repeat">
-      <a:schemeClr val="lt1"/>
-    </dgm:linClrLst>
-    <dgm:effectClrLst/>
-    <dgm:txLinClrLst/>
-    <dgm:txFillClrLst/>
-    <dgm:txEffectClrLst/>
-  </dgm:styleLbl>
-  <dgm:styleLbl name="node3">
-    <dgm:fillClrLst>
-      <a:schemeClr val="accent3"/>
-    </dgm:fillClrLst>
-    <dgm:linClrLst meth="repeat">
-      <a:schemeClr val="lt1"/>
-    </dgm:linClrLst>
-    <dgm:effectClrLst/>
-    <dgm:txLinClrLst/>
-    <dgm:txFillClrLst/>
-    <dgm:txEffectClrLst/>
-  </dgm:styleLbl>
-  <dgm:styleLbl name="node4">
-    <dgm:fillClrLst>
-      <a:schemeClr val="accent4"/>
-    </dgm:fillClrLst>
-    <dgm:linClrLst meth="repeat">
-      <a:schemeClr val="lt1"/>
-    </dgm:linClrLst>
-    <dgm:effectClrLst/>
-    <dgm:txLinClrLst/>
-    <dgm:txFillClrLst/>
-    <dgm:txEffectClrLst/>
-  </dgm:styleLbl>
-  <dgm:styleLbl name="fgImgPlace1">
-    <dgm:fillClrLst meth="repeat">
-      <a:schemeClr val="accent2">
-        <a:tint val="50000"/>
-      </a:schemeClr>
-      <a:schemeClr val="accent3">
-        <a:tint val="50000"/>
-      </a:schemeClr>
-      <a:schemeClr val="accent4">
-        <a:tint val="50000"/>
-      </a:schemeClr>
-      <a:schemeClr val="accent5">
-        <a:tint val="50000"/>
-      </a:schemeClr>
-      <a:schemeClr val="accent6">
-        <a:tint val="50000"/>
-      </a:schemeClr>
-    </dgm:fillClrLst>
-    <dgm:linClrLst meth="repeat">
-      <a:schemeClr val="lt1"/>
-    </dgm:linClrLst>
-    <dgm:effectClrLst/>
-    <dgm:txLinClrLst/>
-    <dgm:txFillClrLst meth="repeat">
-      <a:schemeClr val="lt1"/>
-    </dgm:txFillClrLst>
-    <dgm:txEffectClrLst/>
-  </dgm:styleLbl>
-  <dgm:styleLbl name="alignImgPlace1">
-    <dgm:fillClrLst>
-      <a:schemeClr val="accent1">
-        <a:tint val="50000"/>
-      </a:schemeClr>
-      <a:schemeClr val="accent2">
-        <a:tint val="20000"/>
-      </a:schemeClr>
-    </dgm:fillClrLst>
-    <dgm:linClrLst meth="repeat">
-      <a:schemeClr val="lt1"/>
-    </dgm:linClrLst>
-    <dgm:effectClrLst/>
-    <dgm:txLinClrLst/>
-    <dgm:txFillClrLst meth="repeat">
-      <a:schemeClr val="lt1"/>
-    </dgm:txFillClrLst>
-    <dgm:txEffectClrLst/>
-  </dgm:styleLbl>
-  <dgm:styleLbl name="bgImgPlace1">
-    <dgm:fillClrLst>
-      <a:schemeClr val="accent1">
-        <a:tint val="50000"/>
-      </a:schemeClr>
-      <a:schemeClr val="accent2">
-        <a:tint val="20000"/>
-      </a:schemeClr>
-    </dgm:fillClrLst>
-    <dgm:linClrLst meth="repeat">
-      <a:schemeClr val="lt1"/>
-    </dgm:linClrLst>
-    <dgm:effectClrLst/>
-    <dgm:txLinClrLst/>
-    <dgm:txFillClrLst meth="repeat">
-      <a:schemeClr val="lt1"/>
-    </dgm:txFillClrLst>
-    <dgm:txEffectClrLst/>
-  </dgm:styleLbl>
-  <dgm:styleLbl name="sibTrans2D1">
-    <dgm:fillClrLst meth="repeat">
-      <a:schemeClr val="accent2"/>
-      <a:schemeClr val="accent3"/>
-      <a:schemeClr val="accent4"/>
-      <a:schemeClr val="accent5"/>
-      <a:schemeClr val="accent6"/>
-    </dgm:fillClrLst>
-    <dgm:linClrLst meth="cycle">
-      <a:schemeClr val="lt1"/>
-    </dgm:linClrLst>
-    <dgm:effectClrLst/>
-    <dgm:txLinClrLst/>
-    <dgm:txFillClrLst/>
-    <dgm:txEffectClrLst/>
-  </dgm:styleLbl>
-  <dgm:styleLbl name="fgSibTrans2D1">
-    <dgm:fillClrLst meth="repeat">
-      <a:schemeClr val="accent2"/>
-      <a:schemeClr val="accent3"/>
-      <a:schemeClr val="accent4"/>
-      <a:schemeClr val="accent5"/>
-      <a:schemeClr val="accent6"/>
-    </dgm:fillClrLst>
-    <dgm:linClrLst meth="cycle">
-      <a:schemeClr val="lt1"/>
-    </dgm:linClrLst>
-    <dgm:effectClrLst/>
-    <dgm:txLinClrLst/>
-    <dgm:txFillClrLst meth="repeat">
-      <a:schemeClr val="lt1"/>
-    </dgm:txFillClrLst>
-    <dgm:txEffectClrLst/>
-  </dgm:styleLbl>
-  <dgm:styleLbl name="bgSibTrans2D1">
-    <dgm:fillClrLst meth="repeat">
-      <a:schemeClr val="accent2"/>
-      <a:schemeClr val="accent3"/>
-      <a:schemeClr val="accent4"/>
-      <a:schemeClr val="accent5"/>
-      <a:schemeClr val="accent6"/>
-    </dgm:fillClrLst>
-    <dgm:linClrLst meth="cycle">
-      <a:schemeClr val="lt1"/>
-    </dgm:linClrLst>
-    <dgm:effectClrLst/>
-    <dgm:txLinClrLst/>
-    <dgm:txFillClrLst meth="repeat">
-      <a:schemeClr val="lt1"/>
-    </dgm:txFillClrLst>
-    <dgm:txEffectClrLst/>
-  </dgm:styleLbl>
-  <dgm:styleLbl name="sibTrans1D1">
-    <dgm:fillClrLst meth="repeat">
-      <a:schemeClr val="accent2"/>
-      <a:schemeClr val="accent3"/>
-      <a:schemeClr val="accent4"/>
-      <a:schemeClr val="accent5"/>
-      <a:schemeClr val="accent6"/>
-    </dgm:fillClrLst>
-    <dgm:linClrLst meth="repeat">
-      <a:schemeClr val="accent2"/>
-      <a:schemeClr val="accent3"/>
-      <a:schemeClr val="accent4"/>
-      <a:schemeClr val="accent5"/>
-      <a:schemeClr val="accent6"/>
-    </dgm:linClrLst>
-    <dgm:effectClrLst/>
-    <dgm:txLinClrLst/>
-    <dgm:txFillClrLst meth="repeat">
-      <a:schemeClr val="tx1"/>
-    </dgm:txFillClrLst>
-    <dgm:txEffectClrLst/>
-  </dgm:styleLbl>
-  <dgm:styleLbl name="callout">
-    <dgm:fillClrLst meth="repeat">
-      <a:schemeClr val="accent2"/>
-    </dgm:fillClrLst>
-    <dgm:linClrLst meth="repeat">
-      <a:schemeClr val="accent2">
-        <a:tint val="50000"/>
-      </a:schemeClr>
-    </dgm:linClrLst>
-    <dgm:effectClrLst/>
-    <dgm:txLinClrLst/>
-    <dgm:txFillClrLst meth="repeat">
-      <a:schemeClr val="tx1"/>
-    </dgm:txFillClrLst>
-    <dgm:txEffectClrLst/>
-  </dgm:styleLbl>
-  <dgm:styleLbl name="asst0">
-    <dgm:fillClrLst meth="repeat">
-      <a:schemeClr val="accent1"/>
-    </dgm:fillClrLst>
-    <dgm:linClrLst meth="repeat">
-      <a:schemeClr val="lt1"/>
-    </dgm:linClrLst>
-    <dgm:effectClrLst/>
-    <dgm:txLinClrLst/>
-    <dgm:txFillClrLst/>
-    <dgm:txEffectClrLst/>
-  </dgm:styleLbl>
-  <dgm:styleLbl name="asst1">
-    <dgm:fillClrLst meth="repeat">
-      <a:schemeClr val="accent2"/>
-    </dgm:fillClrLst>
-    <dgm:linClrLst meth="repeat">
-      <a:schemeClr val="lt1"/>
-    </dgm:linClrLst>
-    <dgm:effectClrLst/>
-    <dgm:txLinClrLst/>
-    <dgm:txFillClrLst/>
-    <dgm:txEffectClrLst/>
-  </dgm:styleLbl>
-  <dgm:styleLbl name="asst2">
-    <dgm:fillClrLst>
-      <a:schemeClr val="accent3"/>
-    </dgm:fillClrLst>
-    <dgm:linClrLst meth="repeat">
-      <a:schemeClr val="lt1"/>
-    </dgm:linClrLst>
-    <dgm:effectClrLst/>
-    <dgm:txLinClrLst/>
-    <dgm:txFillClrLst/>
-    <dgm:txEffectClrLst/>
-  </dgm:styleLbl>
-  <dgm:styleLbl name="asst3">
-    <dgm:fillClrLst>
-      <a:schemeClr val="accent4"/>
-    </dgm:fillClrLst>
-    <dgm:linClrLst meth="repeat">
-      <a:schemeClr val="lt1"/>
-    </dgm:linClrLst>
-    <dgm:effectClrLst/>
-    <dgm:txLinClrLst/>
-    <dgm:txFillClrLst/>
-    <dgm:txEffectClrLst/>
-  </dgm:styleLbl>
-  <dgm:styleLbl name="asst4">
-    <dgm:fillClrLst>
-      <a:schemeClr val="accent5"/>
-    </dgm:fillClrLst>
-    <dgm:linClrLst meth="repeat">
-      <a:schemeClr val="lt1"/>
-    </dgm:linClrLst>
-    <dgm:effectClrLst/>
-    <dgm:txLinClrLst/>
-    <dgm:txFillClrLst/>
-    <dgm:txEffectClrLst/>
-  </dgm:styleLbl>
-  <dgm:styleLbl name="parChTrans2D1">
-    <dgm:fillClrLst meth="repeat">
-      <a:schemeClr val="accent2"/>
-    </dgm:fillClrLst>
-    <dgm:linClrLst meth="repeat">
-      <a:schemeClr val="lt1"/>
-    </dgm:linClrLst>
-    <dgm:effectClrLst/>
-    <dgm:txLinClrLst/>
-    <dgm:txFillClrLst meth="repeat">
-      <a:schemeClr val="lt1"/>
-    </dgm:txFillClrLst>
-    <dgm:txEffectClrLst/>
-  </dgm:styleLbl>
-  <dgm:styleLbl name="parChTrans2D2">
-    <dgm:fillClrLst meth="repeat">
-      <a:schemeClr val="accent3"/>
-    </dgm:fillClrLst>
-    <dgm:linClrLst meth="repeat">
-      <a:schemeClr val="lt1"/>
-    </dgm:linClrLst>
-    <dgm:effectClrLst/>
-    <dgm:txLinClrLst/>
-    <dgm:txFillClrLst/>
-    <dgm:txEffectClrLst/>
-  </dgm:styleLbl>
-  <dgm:styleLbl name="parChTrans2D3">
-    <dgm:fillClrLst meth="repeat">
-      <a:schemeClr val="accent4"/>
-    </dgm:fillClrLst>
-    <dgm:linClrLst meth="repeat">
-      <a:schemeClr val="lt1"/>
-    </dgm:linClrLst>
-    <dgm:effectClrLst/>
-    <dgm:txLinClrLst/>
-    <dgm:txFillClrLst/>
-    <dgm:txEffectClrLst/>
-  </dgm:styleLbl>
-  <dgm:styleLbl name="parChTrans2D4">
-    <dgm:fillClrLst meth="repeat">
-      <a:schemeClr val="accent5"/>
-    </dgm:fillClrLst>
-    <dgm:linClrLst meth="repeat">
-      <a:schemeClr val="lt1"/>
-    </dgm:linClrLst>
-    <dgm:effectClrLst/>
-    <dgm:txLinClrLst/>
-    <dgm:txFillClrLst meth="repeat">
-      <a:schemeClr val="lt1"/>
-    </dgm:txFillClrLst>
-    <dgm:txEffectClrLst/>
-  </dgm:styleLbl>
-  <dgm:styleLbl name="parChTrans1D1">
-    <dgm:fillClrLst meth="repeat">
-      <a:schemeClr val="accent2"/>
-    </dgm:fillClrLst>
-    <dgm:linClrLst meth="repeat">
-      <a:schemeClr val="accent1"/>
-    </dgm:linClrLst>
-    <dgm:effectClrLst/>
-    <dgm:txLinClrLst/>
-    <dgm:txFillClrLst meth="repeat">
-      <a:schemeClr val="tx1"/>
-    </dgm:txFillClrLst>
-    <dgm:txEffectClrLst/>
-  </dgm:styleLbl>
-  <dgm:styleLbl name="parChTrans1D2">
-    <dgm:fillClrLst meth="repeat">
-      <a:schemeClr val="accent3">
-        <a:tint val="90000"/>
-      </a:schemeClr>
-    </dgm:fillClrLst>
-    <dgm:linClrLst meth="repeat">
-      <a:schemeClr val="accent2"/>
-    </dgm:linClrLst>
-    <dgm:effectClrLst/>
-    <dgm:txLinClrLst/>
-    <dgm:txFillClrLst meth="repeat">
-      <a:schemeClr val="tx1"/>
-    </dgm:txFillClrLst>
-    <dgm:txEffectClrLst/>
-  </dgm:styleLbl>
-  <dgm:styleLbl name="parChTrans1D3">
-    <dgm:fillClrLst meth="repeat">
-      <a:schemeClr val="accent4">
-        <a:tint val="70000"/>
-      </a:schemeClr>
-    </dgm:fillClrLst>
-    <dgm:linClrLst meth="repeat">
-      <a:schemeClr val="accent3"/>
-    </dgm:linClrLst>
-    <dgm:effectClrLst/>
-    <dgm:txLinClrLst/>
-    <dgm:txFillClrLst meth="repeat">
-      <a:schemeClr val="tx1"/>
-    </dgm:txFillClrLst>
-    <dgm:txEffectClrLst/>
-  </dgm:styleLbl>
-  <dgm:styleLbl name="parChTrans1D4">
-    <dgm:fillClrLst meth="repeat">
-      <a:schemeClr val="accent5">
-        <a:tint val="50000"/>
-      </a:schemeClr>
-    </dgm:fillClrLst>
-    <dgm:linClrLst meth="repeat">
-      <a:schemeClr val="accent4"/>
-    </dgm:linClrLst>
-    <dgm:effectClrLst/>
-    <dgm:txLinClrLst/>
-    <dgm:txFillClrLst meth="repeat">
-      <a:schemeClr val="tx1"/>
-    </dgm:txFillClrLst>
-    <dgm:txEffectClrLst/>
-  </dgm:styleLbl>
-  <dgm:styleLbl name="fgAcc1">
-    <dgm:fillClrLst meth="repeat">
-      <a:schemeClr val="lt1">
-        <a:alpha val="90000"/>
-      </a:schemeClr>
-    </dgm:fillClrLst>
-    <dgm:linClrLst meth="repeat">
-      <a:schemeClr val="accent2"/>
-      <a:schemeClr val="accent3"/>
-      <a:schemeClr val="accent4"/>
-      <a:schemeClr val="accent5"/>
-      <a:schemeClr val="accent6"/>
-    </dgm:linClrLst>
-    <dgm:effectClrLst/>
-    <dgm:txLinClrLst/>
-    <dgm:txFillClrLst meth="repeat">
-      <a:schemeClr val="dk1"/>
-    </dgm:txFillClrLst>
-    <dgm:txEffectClrLst/>
-  </dgm:styleLbl>
-  <dgm:styleLbl name="conFgAcc1">
-    <dgm:fillClrLst meth="repeat">
-      <a:schemeClr val="lt1">
-        <a:alpha val="90000"/>
-      </a:schemeClr>
-    </dgm:fillClrLst>
-    <dgm:linClrLst meth="repeat">
-      <a:schemeClr val="accent2"/>
-      <a:schemeClr val="accent3"/>
-      <a:schemeClr val="accent4"/>
-      <a:schemeClr val="accent5"/>
-      <a:schemeClr val="accent6"/>
-    </dgm:linClrLst>
-    <dgm:effectClrLst/>
-    <dgm:txLinClrLst/>
-    <dgm:txFillClrLst meth="repeat">
-      <a:schemeClr val="dk1"/>
-    </dgm:txFillClrLst>
-    <dgm:txEffectClrLst/>
-  </dgm:styleLbl>
-  <dgm:styleLbl name="alignAcc1">
-    <dgm:fillClrLst meth="repeat">
-      <a:schemeClr val="lt1">
-        <a:alpha val="90000"/>
-      </a:schemeClr>
-    </dgm:fillClrLst>
-    <dgm:linClrLst meth="repeat">
-      <a:schemeClr val="accent2"/>
-      <a:schemeClr val="accent3"/>
-      <a:schemeClr val="accent4"/>
-      <a:schemeClr val="accent5"/>
-      <a:schemeClr val="accent6"/>
-    </dgm:linClrLst>
-    <dgm:effectClrLst/>
-    <dgm:txLinClrLst/>
-    <dgm:txFillClrLst meth="repeat">
-      <a:schemeClr val="dk1"/>
-    </dgm:txFillClrLst>
-    <dgm:txEffectClrLst/>
-  </dgm:styleLbl>
-  <dgm:styleLbl name="trAlignAcc1">
-    <dgm:fillClrLst meth="repeat">
-      <a:schemeClr val="lt1">
-        <a:alpha val="40000"/>
-      </a:schemeClr>
-    </dgm:fillClrLst>
-    <dgm:linClrLst meth="repeat">
-      <a:schemeClr val="accent1"/>
-    </dgm:linClrLst>
-    <dgm:effectClrLst/>
-    <dgm:txLinClrLst/>
-    <dgm:txFillClrLst meth="repeat">
-      <a:schemeClr val="dk1"/>
-    </dgm:txFillClrLst>
-    <dgm:txEffectClrLst/>
-  </dgm:styleLbl>
-  <dgm:styleLbl name="bgAcc1">
-    <dgm:fillClrLst meth="repeat">
-      <a:schemeClr val="lt1">
-        <a:alpha val="90000"/>
-      </a:schemeClr>
-    </dgm:fillClrLst>
-    <dgm:linClrLst meth="repeat">
-      <a:schemeClr val="accent2"/>
-      <a:schemeClr val="accent3"/>
-      <a:schemeClr val="accent4"/>
-      <a:schemeClr val="accent5"/>
-      <a:schemeClr val="accent6"/>
-    </dgm:linClrLst>
-    <dgm:effectClrLst/>
-    <dgm:txLinClrLst/>
-    <dgm:txFillClrLst meth="repeat">
-      <a:schemeClr val="dk1"/>
-    </dgm:txFillClrLst>
-    <dgm:txEffectClrLst/>
-  </dgm:styleLbl>
-  <dgm:styleLbl name="solidFgAcc1">
-    <dgm:fillClrLst meth="repeat">
-      <a:schemeClr val="lt1"/>
-    </dgm:fillClrLst>
-    <dgm:linClrLst meth="repeat">
-      <a:schemeClr val="accent2"/>
-      <a:schemeClr val="accent3"/>
-      <a:schemeClr val="accent4"/>
-      <a:schemeClr val="accent5"/>
-      <a:schemeClr val="accent6"/>
-    </dgm:linClrLst>
-    <dgm:effectClrLst/>
-    <dgm:txLinClrLst/>
-    <dgm:txFillClrLst meth="repeat">
-      <a:schemeClr val="dk1"/>
-    </dgm:txFillClrLst>
-    <dgm:txEffectClrLst/>
-  </dgm:styleLbl>
-  <dgm:styleLbl name="solidAlignAcc1">
-    <dgm:fillClrLst meth="repeat">
-      <a:schemeClr val="lt1"/>
-    </dgm:fillClrLst>
-    <dgm:linClrLst meth="repeat">
-      <a:schemeClr val="accent2"/>
-      <a:schemeClr val="accent3"/>
-      <a:schemeClr val="accent4"/>
-      <a:schemeClr val="accent5"/>
-      <a:schemeClr val="accent6"/>
-    </dgm:linClrLst>
-    <dgm:effectClrLst/>
-    <dgm:txLinClrLst/>
-    <dgm:txFillClrLst meth="repeat">
-      <a:schemeClr val="dk1"/>
-    </dgm:txFillClrLst>
-    <dgm:txEffectClrLst/>
-  </dgm:styleLbl>
-  <dgm:styleLbl name="solidBgAcc1">
-    <dgm:fillClrLst meth="repeat">
-      <a:schemeClr val="lt1"/>
-    </dgm:fillClrLst>
-    <dgm:linClrLst meth="repeat">
-      <a:schemeClr val="accent2"/>
-      <a:schemeClr val="accent3"/>
-      <a:schemeClr val="accent4"/>
-      <a:schemeClr val="accent5"/>
-      <a:schemeClr val="accent6"/>
-    </dgm:linClrLst>
-    <dgm:effectClrLst/>
-    <dgm:txLinClrLst/>
-    <dgm:txFillClrLst meth="repeat">
-      <a:schemeClr val="dk1"/>
-    </dgm:txFillClrLst>
-    <dgm:txEffectClrLst/>
-  </dgm:styleLbl>
-  <dgm:styleLbl name="fgAccFollowNode1">
-    <dgm:fillClrLst meth="repeat">
-      <a:schemeClr val="accent2">
-        <a:tint val="40000"/>
-        <a:alpha val="90000"/>
-      </a:schemeClr>
-      <a:schemeClr val="accent3">
-        <a:tint val="40000"/>
-        <a:alpha val="90000"/>
-      </a:schemeClr>
-      <a:schemeClr val="accent4">
-        <a:tint val="40000"/>
-        <a:alpha val="90000"/>
-      </a:schemeClr>
-      <a:schemeClr val="accent5">
-        <a:tint val="40000"/>
-        <a:alpha val="90000"/>
-      </a:schemeClr>
-      <a:schemeClr val="accent6">
-        <a:tint val="40000"/>
-        <a:alpha val="90000"/>
-      </a:schemeClr>
-    </dgm:fillClrLst>
-    <dgm:linClrLst meth="repeat">
-      <a:schemeClr val="accent2">
-        <a:tint val="40000"/>
-        <a:alpha val="90000"/>
-      </a:schemeClr>
-      <a:schemeClr val="accent3">
-        <a:tint val="40000"/>
-        <a:alpha val="90000"/>
-      </a:schemeClr>
-      <a:schemeClr val="accent4">
-        <a:tint val="40000"/>
-        <a:alpha val="90000"/>
-      </a:schemeClr>
-      <a:schemeClr val="accent5">
-        <a:tint val="40000"/>
-        <a:alpha val="90000"/>
-      </a:schemeClr>
-      <a:schemeClr val="accent6">
-        <a:tint val="40000"/>
-        <a:alpha val="90000"/>
-      </a:schemeClr>
-    </dgm:linClrLst>
-    <dgm:effectClrLst/>
-    <dgm:txLinClrLst/>
-    <dgm:txFillClrLst meth="repeat">
-      <a:schemeClr val="dk1"/>
-    </dgm:txFillClrLst>
-    <dgm:txEffectClrLst/>
-  </dgm:styleLbl>
-  <dgm:styleLbl name="alignAccFollowNode1">
-    <dgm:fillClrLst meth="repeat">
-      <a:schemeClr val="accent2">
-        <a:tint val="40000"/>
-        <a:alpha val="90000"/>
-      </a:schemeClr>
-      <a:schemeClr val="accent3">
-        <a:tint val="40000"/>
-        <a:alpha val="90000"/>
-      </a:schemeClr>
-      <a:schemeClr val="accent4">
-        <a:tint val="40000"/>
-        <a:alpha val="90000"/>
-      </a:schemeClr>
-      <a:schemeClr val="accent5">
-        <a:tint val="40000"/>
-        <a:alpha val="90000"/>
-      </a:schemeClr>
-      <a:schemeClr val="accent6">
-        <a:tint val="40000"/>
-        <a:alpha val="90000"/>
-      </a:schemeClr>
-    </dgm:fillClrLst>
-    <dgm:linClrLst meth="repeat">
-      <a:schemeClr val="accent2">
-        <a:tint val="40000"/>
-        <a:alpha val="90000"/>
-      </a:schemeClr>
-      <a:schemeClr val="accent3">
-        <a:tint val="40000"/>
-        <a:alpha val="90000"/>
-      </a:schemeClr>
-      <a:schemeClr val="accent4">
-        <a:tint val="40000"/>
-        <a:alpha val="90000"/>
-      </a:schemeClr>
-      <a:schemeClr val="accent5">
-        <a:tint val="40000"/>
-        <a:alpha val="90000"/>
-      </a:schemeClr>
-      <a:schemeClr val="accent6">
-        <a:tint val="40000"/>
-        <a:alpha val="90000"/>
-      </a:schemeClr>
-    </dgm:linClrLst>
-    <dgm:effectClrLst/>
-    <dgm:txLinClrLst/>
-    <dgm:txFillClrLst meth="repeat">
-      <a:schemeClr val="dk1"/>
-    </dgm:txFillClrLst>
-    <dgm:txEffectClrLst/>
-  </dgm:styleLbl>
-  <dgm:styleLbl name="bgAccFollowNode1">
-    <dgm:fillClrLst meth="repeat">
-      <a:schemeClr val="accent2">
-        <a:tint val="40000"/>
-        <a:alpha val="90000"/>
-      </a:schemeClr>
-      <a:schemeClr val="accent3">
-        <a:tint val="40000"/>
-        <a:alpha val="90000"/>
-      </a:schemeClr>
-      <a:schemeClr val="accent4">
-        <a:tint val="40000"/>
-        <a:alpha val="90000"/>
-      </a:schemeClr>
-      <a:schemeClr val="accent5">
-        <a:tint val="40000"/>
-        <a:alpha val="90000"/>
-      </a:schemeClr>
-      <a:schemeClr val="accent6">
-        <a:tint val="40000"/>
-        <a:alpha val="90000"/>
-      </a:schemeClr>
-    </dgm:fillClrLst>
-    <dgm:linClrLst meth="repeat">
-      <a:schemeClr val="accent2">
-        <a:tint val="40000"/>
-        <a:alpha val="90000"/>
-      </a:schemeClr>
-      <a:schemeClr val="accent3">
-        <a:tint val="40000"/>
-        <a:alpha val="90000"/>
-      </a:schemeClr>
-      <a:schemeClr val="accent4">
-        <a:tint val="40000"/>
-        <a:alpha val="90000"/>
-      </a:schemeClr>
-      <a:schemeClr val="accent5">
-        <a:tint val="40000"/>
-        <a:alpha val="90000"/>
-      </a:schemeClr>
-      <a:schemeClr val="accent6">
-        <a:tint val="40000"/>
-        <a:alpha val="90000"/>
-      </a:schemeClr>
-    </dgm:linClrLst>
-    <dgm:effectClrLst/>
-    <dgm:txLinClrLst/>
-    <dgm:txFillClrLst meth="repeat">
-      <a:schemeClr val="dk1"/>
-    </dgm:txFillClrLst>
-    <dgm:txEffectClrLst/>
-  </dgm:styleLbl>
-  <dgm:styleLbl name="fgAcc0">
-    <dgm:fillClrLst meth="repeat">
-      <a:schemeClr val="lt1">
-        <a:alpha val="90000"/>
-      </a:schemeClr>
-    </dgm:fillClrLst>
-    <dgm:linClrLst>
-      <a:schemeClr val="accent1"/>
-    </dgm:linClrLst>
-    <dgm:effectClrLst/>
-    <dgm:txLinClrLst/>
-    <dgm:txFillClrLst meth="repeat">
-      <a:schemeClr val="dk1"/>
-    </dgm:txFillClrLst>
-    <dgm:txEffectClrLst/>
-  </dgm:styleLbl>
-  <dgm:styleLbl name="fgAcc2">
-    <dgm:fillClrLst meth="repeat">
-      <a:schemeClr val="lt1">
-        <a:alpha val="90000"/>
-      </a:schemeClr>
-    </dgm:fillClrLst>
-    <dgm:linClrLst>
-      <a:schemeClr val="accent2"/>
-    </dgm:linClrLst>
-    <dgm:effectClrLst/>
-    <dgm:txLinClrLst/>
-    <dgm:txFillClrLst meth="repeat">
-      <a:schemeClr val="dk1"/>
-    </dgm:txFillClrLst>
-    <dgm:txEffectClrLst/>
-  </dgm:styleLbl>
-  <dgm:styleLbl name="fgAcc3">
-    <dgm:fillClrLst meth="repeat">
-      <a:schemeClr val="lt1">
-        <a:alpha val="90000"/>
-      </a:schemeClr>
-    </dgm:fillClrLst>
-    <dgm:linClrLst>
-      <a:schemeClr val="accent3"/>
-    </dgm:linClrLst>
-    <dgm:effectClrLst/>
-    <dgm:txLinClrLst/>
-    <dgm:txFillClrLst meth="repeat">
-      <a:schemeClr val="dk1"/>
-    </dgm:txFillClrLst>
-    <dgm:txEffectClrLst/>
-  </dgm:styleLbl>
-  <dgm:styleLbl name="fgAcc4">
-    <dgm:fillClrLst meth="repeat">
-      <a:schemeClr val="lt1">
-        <a:alpha val="90000"/>
-      </a:schemeClr>
-    </dgm:fillClrLst>
-    <dgm:linClrLst>
-      <a:schemeClr val="accent4"/>
-    </dgm:linClrLst>
-    <dgm:effectClrLst/>
-    <dgm:txLinClrLst/>
-    <dgm:txFillClrLst meth="repeat">
-      <a:schemeClr val="dk1"/>
-    </dgm:txFillClrLst>
-    <dgm:txEffectClrLst/>
-  </dgm:styleLbl>
-  <dgm:styleLbl name="bgShp">
-    <dgm:fillClrLst meth="repeat">
-      <a:schemeClr val="accent2">
-        <a:tint val="40000"/>
-      </a:schemeClr>
-    </dgm:fillClrLst>
-    <dgm:linClrLst meth="repeat">
-      <a:schemeClr val="dk1"/>
-    </dgm:linClrLst>
-    <dgm:effectClrLst/>
-    <dgm:txLinClrLst/>
-    <dgm:txFillClrLst meth="repeat">
-      <a:schemeClr val="dk1"/>
-    </dgm:txFillClrLst>
-    <dgm:txEffectClrLst/>
-  </dgm:styleLbl>
-  <dgm:styleLbl name="dkBgShp">
-    <dgm:fillClrLst meth="repeat">
-      <a:schemeClr val="accent2">
-        <a:shade val="90000"/>
-      </a:schemeClr>
-    </dgm:fillClrLst>
-    <dgm:linClrLst meth="repeat">
-      <a:schemeClr val="dk1"/>
-    </dgm:linClrLst>
-    <dgm:effectClrLst/>
-    <dgm:txLinClrLst/>
-    <dgm:txFillClrLst meth="repeat">
-      <a:schemeClr val="lt1"/>
-    </dgm:txFillClrLst>
-    <dgm:txEffectClrLst/>
-  </dgm:styleLbl>
-  <dgm:styleLbl name="trBgShp">
-    <dgm:fillClrLst meth="repeat">
-      <a:schemeClr val="accent1">
-        <a:tint val="50000"/>
-        <a:alpha val="40000"/>
-      </a:schemeClr>
-    </dgm:fillClrLst>
-    <dgm:linClrLst meth="repeat">
-      <a:schemeClr val="accent2"/>
-    </dgm:linClrLst>
-    <dgm:effectClrLst/>
-    <dgm:txLinClrLst/>
-    <dgm:txFillClrLst meth="repeat">
-      <a:schemeClr val="lt1"/>
-    </dgm:txFillClrLst>
-    <dgm:txEffectClrLst/>
-  </dgm:styleLbl>
-  <dgm:styleLbl name="fgShp">
-    <dgm:fillClrLst meth="repeat">
-      <a:schemeClr val="accent2">
-        <a:tint val="40000"/>
-      </a:schemeClr>
-    </dgm:fillClrLst>
-    <dgm:linClrLst meth="repeat">
-      <a:schemeClr val="lt1"/>
-    </dgm:linClrLst>
-    <dgm:effectClrLst/>
-    <dgm:txLinClrLst/>
-    <dgm:txFillClrLst meth="repeat">
-      <a:schemeClr val="dk1"/>
-    </dgm:txFillClrLst>
-    <dgm:txEffectClrLst/>
-  </dgm:styleLbl>
-  <dgm:styleLbl name="revTx">
-    <dgm:fillClrLst meth="repeat">
-      <a:schemeClr val="lt1">
-        <a:alpha val="0"/>
-      </a:schemeClr>
-    </dgm:fillClrLst>
-    <dgm:linClrLst meth="repeat">
-      <a:schemeClr val="dk1">
-        <a:alpha val="0"/>
-      </a:schemeClr>
-    </dgm:linClrLst>
-    <dgm:effectClrLst/>
-    <dgm:txLinClrLst/>
-    <dgm:txFillClrLst meth="repeat">
-      <a:schemeClr val="tx1"/>
-    </dgm:txFillClrLst>
-    <dgm:txEffectClrLst/>
-  </dgm:styleLbl>
-</dgm:colorsDef>
-</file>
-
-<file path=ppt/diagrams/data1.xml><?xml version="1.0" encoding="utf-8"?>
-<dgm:dataModel xmlns:dgm="http://schemas.openxmlformats.org/drawingml/2006/diagram" xmlns:a="http://schemas.openxmlformats.org/drawingml/2006/main">
-  <dgm:ptLst>
-    <dgm:pt modelId="{D0EDC0C2-59A7-43DA-80F0-BE8DC240582F}" type="doc">
-      <dgm:prSet loTypeId="urn:microsoft.com/office/officeart/2005/8/layout/cycle5" loCatId="cycle" qsTypeId="urn:microsoft.com/office/officeart/2005/8/quickstyle/simple1" qsCatId="simple" csTypeId="urn:microsoft.com/office/officeart/2005/8/colors/colorful1" csCatId="colorful" phldr="1"/>
-      <dgm:spPr/>
-      <dgm:t>
-        <a:bodyPr/>
-        <a:lstStyle/>
-        <a:p>
-          <a:endParaRPr kumimoji="1" lang="ja-JP" altLang="en-US"/>
-        </a:p>
-      </dgm:t>
-    </dgm:pt>
-    <dgm:pt modelId="{BE284BFB-1435-4DA7-88DE-B7886D2CBE35}">
-      <dgm:prSet phldrT="[テキスト]"/>
-      <dgm:spPr/>
-      <dgm:t>
-        <a:bodyPr/>
-        <a:lstStyle/>
-        <a:p>
-          <a:r>
-            <a:rPr kumimoji="1" lang="ja-JP" altLang="en-US" dirty="0" smtClean="0"/>
-            <a:t>タイトル</a:t>
-          </a:r>
-          <a:endParaRPr kumimoji="1" lang="ja-JP" altLang="en-US" dirty="0"/>
-        </a:p>
-      </dgm:t>
-    </dgm:pt>
-    <dgm:pt modelId="{9160CBA0-E79C-4505-8862-595F96B92E0D}" type="parTrans" cxnId="{F85E8324-91F7-4E5F-8207-8F6869E824E4}">
-      <dgm:prSet/>
-      <dgm:spPr/>
-      <dgm:t>
-        <a:bodyPr/>
-        <a:lstStyle/>
-        <a:p>
-          <a:endParaRPr kumimoji="1" lang="ja-JP" altLang="en-US"/>
-        </a:p>
-      </dgm:t>
-    </dgm:pt>
-    <dgm:pt modelId="{4272BCF0-B2EC-4F80-B9A0-4B8345D73AD8}" type="sibTrans" cxnId="{F85E8324-91F7-4E5F-8207-8F6869E824E4}">
-      <dgm:prSet/>
-      <dgm:spPr>
-        <a:ln w="76200">
-          <a:solidFill>
-            <a:schemeClr val="accent2"/>
-          </a:solidFill>
-        </a:ln>
-      </dgm:spPr>
-      <dgm:t>
-        <a:bodyPr/>
-        <a:lstStyle/>
-        <a:p>
-          <a:endParaRPr kumimoji="1" lang="ja-JP" altLang="en-US"/>
-        </a:p>
-      </dgm:t>
-    </dgm:pt>
-    <dgm:pt modelId="{15948196-13B1-46D9-A159-073526D43562}">
-      <dgm:prSet phldrT="[テキスト]"/>
-      <dgm:spPr/>
-      <dgm:t>
-        <a:bodyPr/>
-        <a:lstStyle/>
-        <a:p>
-          <a:r>
-            <a:rPr kumimoji="1" lang="ja-JP" altLang="en-US" dirty="0" smtClean="0"/>
-            <a:t>プレイ</a:t>
-          </a:r>
-          <a:endParaRPr kumimoji="1" lang="ja-JP" altLang="en-US" dirty="0"/>
-        </a:p>
-      </dgm:t>
-    </dgm:pt>
-    <dgm:pt modelId="{7DF5B721-5616-4F23-B25B-72B54FDE3D64}" type="parTrans" cxnId="{3B5C4360-AA38-4F61-8061-F4A9AF2D7695}">
-      <dgm:prSet/>
-      <dgm:spPr/>
-      <dgm:t>
-        <a:bodyPr/>
-        <a:lstStyle/>
-        <a:p>
-          <a:endParaRPr kumimoji="1" lang="ja-JP" altLang="en-US"/>
-        </a:p>
-      </dgm:t>
-    </dgm:pt>
-    <dgm:pt modelId="{FC2FE90B-E721-4EF2-A1B5-59575752BAD6}" type="sibTrans" cxnId="{3B5C4360-AA38-4F61-8061-F4A9AF2D7695}">
-      <dgm:prSet/>
-      <dgm:spPr>
-        <a:ln w="76200">
-          <a:solidFill>
-            <a:schemeClr val="accent3"/>
-          </a:solidFill>
-        </a:ln>
-      </dgm:spPr>
-      <dgm:t>
-        <a:bodyPr/>
-        <a:lstStyle/>
-        <a:p>
-          <a:endParaRPr kumimoji="1" lang="ja-JP" altLang="en-US"/>
-        </a:p>
-      </dgm:t>
-    </dgm:pt>
-    <dgm:pt modelId="{E1C8B27C-1D57-4FB6-9F08-A11353304199}">
-      <dgm:prSet phldrT="[テキスト]"/>
-      <dgm:spPr/>
-      <dgm:t>
-        <a:bodyPr/>
-        <a:lstStyle/>
-        <a:p>
-          <a:r>
-            <a:rPr kumimoji="1" lang="ja-JP" altLang="en-US" dirty="0" smtClean="0"/>
-            <a:t>ゴール</a:t>
-          </a:r>
-          <a:endParaRPr kumimoji="1" lang="ja-JP" altLang="en-US" dirty="0"/>
-        </a:p>
-      </dgm:t>
-    </dgm:pt>
-    <dgm:pt modelId="{5BD44A46-6E4D-4A0D-986E-C1DFA44C4E78}" type="parTrans" cxnId="{8E2721D5-09C5-4DC7-9061-285EC4157E85}">
-      <dgm:prSet/>
-      <dgm:spPr/>
-      <dgm:t>
-        <a:bodyPr/>
-        <a:lstStyle/>
-        <a:p>
-          <a:endParaRPr kumimoji="1" lang="ja-JP" altLang="en-US"/>
-        </a:p>
-      </dgm:t>
-    </dgm:pt>
-    <dgm:pt modelId="{1997A1BF-1C90-403A-930D-EDA8B7A4DA32}" type="sibTrans" cxnId="{8E2721D5-09C5-4DC7-9061-285EC4157E85}">
-      <dgm:prSet/>
-      <dgm:spPr>
-        <a:ln w="76200">
-          <a:solidFill>
-            <a:srgbClr val="C00000"/>
-          </a:solidFill>
-        </a:ln>
-      </dgm:spPr>
-      <dgm:t>
-        <a:bodyPr/>
-        <a:lstStyle/>
-        <a:p>
-          <a:endParaRPr kumimoji="1" lang="ja-JP" altLang="en-US"/>
-        </a:p>
-      </dgm:t>
-    </dgm:pt>
-    <dgm:pt modelId="{273D0644-74F0-47EB-A026-B4F75EF0BD22}" type="pres">
-      <dgm:prSet presAssocID="{D0EDC0C2-59A7-43DA-80F0-BE8DC240582F}" presName="cycle" presStyleCnt="0">
-        <dgm:presLayoutVars>
-          <dgm:dir/>
-          <dgm:resizeHandles val="exact"/>
-        </dgm:presLayoutVars>
-      </dgm:prSet>
-      <dgm:spPr/>
-      <dgm:t>
-        <a:bodyPr/>
-        <a:lstStyle/>
-        <a:p>
-          <a:endParaRPr kumimoji="1" lang="ja-JP" altLang="en-US"/>
-        </a:p>
-      </dgm:t>
-    </dgm:pt>
-    <dgm:pt modelId="{FBB77B11-C529-48E2-906D-B3C903843746}" type="pres">
-      <dgm:prSet presAssocID="{BE284BFB-1435-4DA7-88DE-B7886D2CBE35}" presName="node" presStyleLbl="node1" presStyleIdx="0" presStyleCnt="3">
-        <dgm:presLayoutVars>
-          <dgm:bulletEnabled val="1"/>
-        </dgm:presLayoutVars>
-      </dgm:prSet>
-      <dgm:spPr/>
-      <dgm:t>
-        <a:bodyPr/>
-        <a:lstStyle/>
-        <a:p>
-          <a:endParaRPr kumimoji="1" lang="ja-JP" altLang="en-US"/>
-        </a:p>
-      </dgm:t>
-    </dgm:pt>
-    <dgm:pt modelId="{7D64AECC-A3B2-4890-B292-D9138F2F9D08}" type="pres">
-      <dgm:prSet presAssocID="{BE284BFB-1435-4DA7-88DE-B7886D2CBE35}" presName="spNode" presStyleCnt="0"/>
-      <dgm:spPr/>
-    </dgm:pt>
-    <dgm:pt modelId="{248D2EA0-10CC-4615-A453-89163DD6030E}" type="pres">
-      <dgm:prSet presAssocID="{4272BCF0-B2EC-4F80-B9A0-4B8345D73AD8}" presName="sibTrans" presStyleLbl="sibTrans1D1" presStyleIdx="0" presStyleCnt="3"/>
-      <dgm:spPr/>
-      <dgm:t>
-        <a:bodyPr/>
-        <a:lstStyle/>
-        <a:p>
-          <a:endParaRPr kumimoji="1" lang="ja-JP" altLang="en-US"/>
-        </a:p>
-      </dgm:t>
-    </dgm:pt>
-    <dgm:pt modelId="{C9996D0B-56B8-4583-A679-3829DBE78A94}" type="pres">
-      <dgm:prSet presAssocID="{15948196-13B1-46D9-A159-073526D43562}" presName="node" presStyleLbl="node1" presStyleIdx="1" presStyleCnt="3">
-        <dgm:presLayoutVars>
-          <dgm:bulletEnabled val="1"/>
-        </dgm:presLayoutVars>
-      </dgm:prSet>
-      <dgm:spPr/>
-      <dgm:t>
-        <a:bodyPr/>
-        <a:lstStyle/>
-        <a:p>
-          <a:endParaRPr kumimoji="1" lang="ja-JP" altLang="en-US"/>
-        </a:p>
-      </dgm:t>
-    </dgm:pt>
-    <dgm:pt modelId="{10E1DAD2-C28F-4BCA-8117-0CD697DA9590}" type="pres">
-      <dgm:prSet presAssocID="{15948196-13B1-46D9-A159-073526D43562}" presName="spNode" presStyleCnt="0"/>
-      <dgm:spPr/>
-    </dgm:pt>
-    <dgm:pt modelId="{CEAAA26D-CA14-4107-8DBC-2A9A7C228DB1}" type="pres">
-      <dgm:prSet presAssocID="{FC2FE90B-E721-4EF2-A1B5-59575752BAD6}" presName="sibTrans" presStyleLbl="sibTrans1D1" presStyleIdx="1" presStyleCnt="3"/>
-      <dgm:spPr/>
-      <dgm:t>
-        <a:bodyPr/>
-        <a:lstStyle/>
-        <a:p>
-          <a:endParaRPr kumimoji="1" lang="ja-JP" altLang="en-US"/>
-        </a:p>
-      </dgm:t>
-    </dgm:pt>
-    <dgm:pt modelId="{C57B4BE3-41A8-44B2-ADB9-89E9BD012CC7}" type="pres">
-      <dgm:prSet presAssocID="{E1C8B27C-1D57-4FB6-9F08-A11353304199}" presName="node" presStyleLbl="node1" presStyleIdx="2" presStyleCnt="3">
-        <dgm:presLayoutVars>
-          <dgm:bulletEnabled val="1"/>
-        </dgm:presLayoutVars>
-      </dgm:prSet>
-      <dgm:spPr/>
-      <dgm:t>
-        <a:bodyPr/>
-        <a:lstStyle/>
-        <a:p>
-          <a:endParaRPr kumimoji="1" lang="ja-JP" altLang="en-US"/>
-        </a:p>
-      </dgm:t>
-    </dgm:pt>
-    <dgm:pt modelId="{3186E7CE-08BB-4EED-8CA1-274B039D7F80}" type="pres">
-      <dgm:prSet presAssocID="{E1C8B27C-1D57-4FB6-9F08-A11353304199}" presName="spNode" presStyleCnt="0"/>
-      <dgm:spPr/>
-    </dgm:pt>
-    <dgm:pt modelId="{9D229665-A3CE-4C26-94E7-18D467EAE827}" type="pres">
-      <dgm:prSet presAssocID="{1997A1BF-1C90-403A-930D-EDA8B7A4DA32}" presName="sibTrans" presStyleLbl="sibTrans1D1" presStyleIdx="2" presStyleCnt="3"/>
-      <dgm:spPr/>
-      <dgm:t>
-        <a:bodyPr/>
-        <a:lstStyle/>
-        <a:p>
-          <a:endParaRPr kumimoji="1" lang="ja-JP" altLang="en-US"/>
-        </a:p>
-      </dgm:t>
-    </dgm:pt>
-  </dgm:ptLst>
-  <dgm:cxnLst>
-    <dgm:cxn modelId="{7F805D58-1E14-4A49-80DD-111D205A1E1B}" type="presOf" srcId="{E1C8B27C-1D57-4FB6-9F08-A11353304199}" destId="{C57B4BE3-41A8-44B2-ADB9-89E9BD012CC7}" srcOrd="0" destOrd="0" presId="urn:microsoft.com/office/officeart/2005/8/layout/cycle5"/>
-    <dgm:cxn modelId="{EE1DE232-5800-4A8D-B775-B28E68942095}" type="presOf" srcId="{BE284BFB-1435-4DA7-88DE-B7886D2CBE35}" destId="{FBB77B11-C529-48E2-906D-B3C903843746}" srcOrd="0" destOrd="0" presId="urn:microsoft.com/office/officeart/2005/8/layout/cycle5"/>
-    <dgm:cxn modelId="{80F93714-28A7-41C5-A11C-DCB1A444D48A}" type="presOf" srcId="{FC2FE90B-E721-4EF2-A1B5-59575752BAD6}" destId="{CEAAA26D-CA14-4107-8DBC-2A9A7C228DB1}" srcOrd="0" destOrd="0" presId="urn:microsoft.com/office/officeart/2005/8/layout/cycle5"/>
-    <dgm:cxn modelId="{D2C9E96B-A52F-4057-A7AC-F9264777511A}" type="presOf" srcId="{4272BCF0-B2EC-4F80-B9A0-4B8345D73AD8}" destId="{248D2EA0-10CC-4615-A453-89163DD6030E}" srcOrd="0" destOrd="0" presId="urn:microsoft.com/office/officeart/2005/8/layout/cycle5"/>
-    <dgm:cxn modelId="{113563DC-342C-461B-A46C-2E36C00A97E5}" type="presOf" srcId="{15948196-13B1-46D9-A159-073526D43562}" destId="{C9996D0B-56B8-4583-A679-3829DBE78A94}" srcOrd="0" destOrd="0" presId="urn:microsoft.com/office/officeart/2005/8/layout/cycle5"/>
-    <dgm:cxn modelId="{EF9A5899-86E8-43EF-AC6C-CC2F5AAC4821}" type="presOf" srcId="{1997A1BF-1C90-403A-930D-EDA8B7A4DA32}" destId="{9D229665-A3CE-4C26-94E7-18D467EAE827}" srcOrd="0" destOrd="0" presId="urn:microsoft.com/office/officeart/2005/8/layout/cycle5"/>
-    <dgm:cxn modelId="{F85E8324-91F7-4E5F-8207-8F6869E824E4}" srcId="{D0EDC0C2-59A7-43DA-80F0-BE8DC240582F}" destId="{BE284BFB-1435-4DA7-88DE-B7886D2CBE35}" srcOrd="0" destOrd="0" parTransId="{9160CBA0-E79C-4505-8862-595F96B92E0D}" sibTransId="{4272BCF0-B2EC-4F80-B9A0-4B8345D73AD8}"/>
-    <dgm:cxn modelId="{B6B66E43-D515-49D4-9D55-622391590040}" type="presOf" srcId="{D0EDC0C2-59A7-43DA-80F0-BE8DC240582F}" destId="{273D0644-74F0-47EB-A026-B4F75EF0BD22}" srcOrd="0" destOrd="0" presId="urn:microsoft.com/office/officeart/2005/8/layout/cycle5"/>
-    <dgm:cxn modelId="{8E2721D5-09C5-4DC7-9061-285EC4157E85}" srcId="{D0EDC0C2-59A7-43DA-80F0-BE8DC240582F}" destId="{E1C8B27C-1D57-4FB6-9F08-A11353304199}" srcOrd="2" destOrd="0" parTransId="{5BD44A46-6E4D-4A0D-986E-C1DFA44C4E78}" sibTransId="{1997A1BF-1C90-403A-930D-EDA8B7A4DA32}"/>
-    <dgm:cxn modelId="{3B5C4360-AA38-4F61-8061-F4A9AF2D7695}" srcId="{D0EDC0C2-59A7-43DA-80F0-BE8DC240582F}" destId="{15948196-13B1-46D9-A159-073526D43562}" srcOrd="1" destOrd="0" parTransId="{7DF5B721-5616-4F23-B25B-72B54FDE3D64}" sibTransId="{FC2FE90B-E721-4EF2-A1B5-59575752BAD6}"/>
-    <dgm:cxn modelId="{468C39B8-1028-4715-BC95-E05EFDCD424E}" type="presParOf" srcId="{273D0644-74F0-47EB-A026-B4F75EF0BD22}" destId="{FBB77B11-C529-48E2-906D-B3C903843746}" srcOrd="0" destOrd="0" presId="urn:microsoft.com/office/officeart/2005/8/layout/cycle5"/>
-    <dgm:cxn modelId="{9EA9B25B-18AA-4D19-A0EA-D49362F7BA94}" type="presParOf" srcId="{273D0644-74F0-47EB-A026-B4F75EF0BD22}" destId="{7D64AECC-A3B2-4890-B292-D9138F2F9D08}" srcOrd="1" destOrd="0" presId="urn:microsoft.com/office/officeart/2005/8/layout/cycle5"/>
-    <dgm:cxn modelId="{67418BB6-02CD-4D18-A7CD-4FF9BB135398}" type="presParOf" srcId="{273D0644-74F0-47EB-A026-B4F75EF0BD22}" destId="{248D2EA0-10CC-4615-A453-89163DD6030E}" srcOrd="2" destOrd="0" presId="urn:microsoft.com/office/officeart/2005/8/layout/cycle5"/>
-    <dgm:cxn modelId="{1C67C81E-5DC0-453A-9846-052AAAA64D7C}" type="presParOf" srcId="{273D0644-74F0-47EB-A026-B4F75EF0BD22}" destId="{C9996D0B-56B8-4583-A679-3829DBE78A94}" srcOrd="3" destOrd="0" presId="urn:microsoft.com/office/officeart/2005/8/layout/cycle5"/>
-    <dgm:cxn modelId="{3BBA131D-09D9-4616-8DD7-FD90316ABDE7}" type="presParOf" srcId="{273D0644-74F0-47EB-A026-B4F75EF0BD22}" destId="{10E1DAD2-C28F-4BCA-8117-0CD697DA9590}" srcOrd="4" destOrd="0" presId="urn:microsoft.com/office/officeart/2005/8/layout/cycle5"/>
-    <dgm:cxn modelId="{11B24102-9E6D-4E59-AB9C-4641AA073490}" type="presParOf" srcId="{273D0644-74F0-47EB-A026-B4F75EF0BD22}" destId="{CEAAA26D-CA14-4107-8DBC-2A9A7C228DB1}" srcOrd="5" destOrd="0" presId="urn:microsoft.com/office/officeart/2005/8/layout/cycle5"/>
-    <dgm:cxn modelId="{CDFAD168-728E-45FB-BD98-BF72F699A659}" type="presParOf" srcId="{273D0644-74F0-47EB-A026-B4F75EF0BD22}" destId="{C57B4BE3-41A8-44B2-ADB9-89E9BD012CC7}" srcOrd="6" destOrd="0" presId="urn:microsoft.com/office/officeart/2005/8/layout/cycle5"/>
-    <dgm:cxn modelId="{156A02FE-8429-4EC2-8454-6A2C6D293835}" type="presParOf" srcId="{273D0644-74F0-47EB-A026-B4F75EF0BD22}" destId="{3186E7CE-08BB-4EED-8CA1-274B039D7F80}" srcOrd="7" destOrd="0" presId="urn:microsoft.com/office/officeart/2005/8/layout/cycle5"/>
-    <dgm:cxn modelId="{52C8F7F2-6404-49CA-BEBA-AD036EFC1F17}" type="presParOf" srcId="{273D0644-74F0-47EB-A026-B4F75EF0BD22}" destId="{9D229665-A3CE-4C26-94E7-18D467EAE827}" srcOrd="8" destOrd="0" presId="urn:microsoft.com/office/officeart/2005/8/layout/cycle5"/>
-  </dgm:cxnLst>
-  <dgm:bg/>
-  <dgm:whole/>
-  <dgm:extLst>
-    <a:ext uri="http://schemas.microsoft.com/office/drawing/2008/diagram">
-      <dsp:dataModelExt xmlns:dsp="http://schemas.microsoft.com/office/drawing/2008/diagram" relId="rId6" minVer="http://schemas.openxmlformats.org/drawingml/2006/diagram"/>
-    </a:ext>
-  </dgm:extLst>
-</dgm:dataModel>
-</file>
-
-<file path=ppt/diagrams/drawing1.xml><?xml version="1.0" encoding="utf-8"?>
-<dsp:drawing xmlns:dgm="http://schemas.openxmlformats.org/drawingml/2006/diagram" xmlns:dsp="http://schemas.microsoft.com/office/drawing/2008/diagram" xmlns:a="http://schemas.openxmlformats.org/drawingml/2006/main">
-  <dsp:spTree>
-    <dsp:nvGrpSpPr>
-      <dsp:cNvPr id="0" name=""/>
-      <dsp:cNvGrpSpPr/>
-    </dsp:nvGrpSpPr>
-    <dsp:grpSpPr/>
-    <dsp:sp modelId="{FBB77B11-C529-48E2-906D-B3C903843746}">
-      <dsp:nvSpPr>
-        <dsp:cNvPr id="0" name=""/>
-        <dsp:cNvSpPr/>
-      </dsp:nvSpPr>
-      <dsp:spPr>
-        <a:xfrm>
-          <a:off x="2821781" y="1830"/>
-          <a:ext cx="2484437" cy="1614884"/>
-        </a:xfrm>
-        <a:prstGeom prst="roundRect">
-          <a:avLst/>
-        </a:prstGeom>
-        <a:solidFill>
-          <a:schemeClr val="accent2">
-            <a:hueOff val="0"/>
-            <a:satOff val="0"/>
-            <a:lumOff val="0"/>
-            <a:alphaOff val="0"/>
-          </a:schemeClr>
-        </a:solidFill>
-        <a:ln w="15875" cap="rnd" cmpd="sng" algn="ctr">
-          <a:solidFill>
-            <a:schemeClr val="lt1">
-              <a:hueOff val="0"/>
-              <a:satOff val="0"/>
-              <a:lumOff val="0"/>
-              <a:alphaOff val="0"/>
-            </a:schemeClr>
-          </a:solidFill>
-          <a:prstDash val="solid"/>
-        </a:ln>
-        <a:effectLst/>
-      </dsp:spPr>
-      <dsp:style>
-        <a:lnRef idx="2">
-          <a:scrgbClr r="0" g="0" b="0"/>
-        </a:lnRef>
-        <a:fillRef idx="1">
-          <a:scrgbClr r="0" g="0" b="0"/>
-        </a:fillRef>
-        <a:effectRef idx="0">
-          <a:scrgbClr r="0" g="0" b="0"/>
-        </a:effectRef>
-        <a:fontRef idx="minor">
-          <a:schemeClr val="lt1"/>
-        </a:fontRef>
-      </dsp:style>
-      <dsp:txBody>
-        <a:bodyPr spcFirstLastPara="0" vert="horz" wrap="square" lIns="148590" tIns="148590" rIns="148590" bIns="148590" numCol="1" spcCol="1270" anchor="ctr" anchorCtr="0">
-          <a:noAutofit/>
-        </a:bodyPr>
-        <a:lstStyle/>
-        <a:p>
-          <a:pPr lvl="0" algn="ctr" defTabSz="1733550">
-            <a:lnSpc>
-              <a:spcPct val="90000"/>
-            </a:lnSpc>
-            <a:spcBef>
-              <a:spcPct val="0"/>
-            </a:spcBef>
-            <a:spcAft>
-              <a:spcPct val="35000"/>
-            </a:spcAft>
-          </a:pPr>
-          <a:r>
-            <a:rPr kumimoji="1" lang="ja-JP" altLang="en-US" sz="3900" kern="1200" dirty="0" smtClean="0"/>
-            <a:t>タイトル</a:t>
-          </a:r>
-          <a:endParaRPr kumimoji="1" lang="ja-JP" altLang="en-US" sz="3900" kern="1200" dirty="0"/>
-        </a:p>
-      </dsp:txBody>
-      <dsp:txXfrm>
-        <a:off x="2900613" y="80662"/>
-        <a:ext cx="2326773" cy="1457220"/>
-      </dsp:txXfrm>
-    </dsp:sp>
-    <dsp:sp modelId="{248D2EA0-10CC-4615-A453-89163DD6030E}">
-      <dsp:nvSpPr>
-        <dsp:cNvPr id="0" name=""/>
-        <dsp:cNvSpPr/>
-      </dsp:nvSpPr>
-      <dsp:spPr>
-        <a:xfrm>
-          <a:off x="1909284" y="809272"/>
-          <a:ext cx="4309431" cy="4309431"/>
-        </a:xfrm>
-        <a:custGeom>
-          <a:avLst/>
-          <a:gdLst/>
-          <a:ahLst/>
-          <a:cxnLst/>
-          <a:rect l="0" t="0" r="0" b="0"/>
-          <a:pathLst>
-            <a:path>
-              <a:moveTo>
-                <a:pt x="3730774" y="685416"/>
-              </a:moveTo>
-              <a:arcTo wR="2154715" hR="2154715" stAng="19020466" swAng="2303174"/>
-            </a:path>
-          </a:pathLst>
-        </a:custGeom>
-        <a:noFill/>
-        <a:ln w="76200" cap="rnd" cmpd="sng" algn="ctr">
-          <a:solidFill>
-            <a:schemeClr val="accent2"/>
-          </a:solidFill>
-          <a:prstDash val="solid"/>
-          <a:tailEnd type="arrow"/>
-        </a:ln>
-        <a:effectLst/>
-      </dsp:spPr>
-      <dsp:style>
-        <a:lnRef idx="1">
-          <a:scrgbClr r="0" g="0" b="0"/>
-        </a:lnRef>
-        <a:fillRef idx="0">
-          <a:scrgbClr r="0" g="0" b="0"/>
-        </a:fillRef>
-        <a:effectRef idx="0">
-          <a:scrgbClr r="0" g="0" b="0"/>
-        </a:effectRef>
-        <a:fontRef idx="minor"/>
-      </dsp:style>
-    </dsp:sp>
-    <dsp:sp modelId="{C9996D0B-56B8-4583-A679-3829DBE78A94}">
-      <dsp:nvSpPr>
-        <dsp:cNvPr id="0" name=""/>
-        <dsp:cNvSpPr/>
-      </dsp:nvSpPr>
-      <dsp:spPr>
-        <a:xfrm>
-          <a:off x="4687819" y="3233904"/>
-          <a:ext cx="2484437" cy="1614884"/>
-        </a:xfrm>
-        <a:prstGeom prst="roundRect">
-          <a:avLst/>
-        </a:prstGeom>
-        <a:solidFill>
-          <a:schemeClr val="accent3">
-            <a:hueOff val="0"/>
-            <a:satOff val="0"/>
-            <a:lumOff val="0"/>
-            <a:alphaOff val="0"/>
-          </a:schemeClr>
-        </a:solidFill>
-        <a:ln w="15875" cap="rnd" cmpd="sng" algn="ctr">
-          <a:solidFill>
-            <a:schemeClr val="lt1">
-              <a:hueOff val="0"/>
-              <a:satOff val="0"/>
-              <a:lumOff val="0"/>
-              <a:alphaOff val="0"/>
-            </a:schemeClr>
-          </a:solidFill>
-          <a:prstDash val="solid"/>
-        </a:ln>
-        <a:effectLst/>
-      </dsp:spPr>
-      <dsp:style>
-        <a:lnRef idx="2">
-          <a:scrgbClr r="0" g="0" b="0"/>
-        </a:lnRef>
-        <a:fillRef idx="1">
-          <a:scrgbClr r="0" g="0" b="0"/>
-        </a:fillRef>
-        <a:effectRef idx="0">
-          <a:scrgbClr r="0" g="0" b="0"/>
-        </a:effectRef>
-        <a:fontRef idx="minor">
-          <a:schemeClr val="lt1"/>
-        </a:fontRef>
-      </dsp:style>
-      <dsp:txBody>
-        <a:bodyPr spcFirstLastPara="0" vert="horz" wrap="square" lIns="148590" tIns="148590" rIns="148590" bIns="148590" numCol="1" spcCol="1270" anchor="ctr" anchorCtr="0">
-          <a:noAutofit/>
-        </a:bodyPr>
-        <a:lstStyle/>
-        <a:p>
-          <a:pPr lvl="0" algn="ctr" defTabSz="1733550">
-            <a:lnSpc>
-              <a:spcPct val="90000"/>
-            </a:lnSpc>
-            <a:spcBef>
-              <a:spcPct val="0"/>
-            </a:spcBef>
-            <a:spcAft>
-              <a:spcPct val="35000"/>
-            </a:spcAft>
-          </a:pPr>
-          <a:r>
-            <a:rPr kumimoji="1" lang="ja-JP" altLang="en-US" sz="3900" kern="1200" dirty="0" smtClean="0"/>
-            <a:t>プレイ</a:t>
-          </a:r>
-          <a:endParaRPr kumimoji="1" lang="ja-JP" altLang="en-US" sz="3900" kern="1200" dirty="0"/>
-        </a:p>
-      </dsp:txBody>
-      <dsp:txXfrm>
-        <a:off x="4766651" y="3312736"/>
-        <a:ext cx="2326773" cy="1457220"/>
-      </dsp:txXfrm>
-    </dsp:sp>
-    <dsp:sp modelId="{CEAAA26D-CA14-4107-8DBC-2A9A7C228DB1}">
-      <dsp:nvSpPr>
-        <dsp:cNvPr id="0" name=""/>
-        <dsp:cNvSpPr/>
-      </dsp:nvSpPr>
-      <dsp:spPr>
-        <a:xfrm>
-          <a:off x="1909284" y="809272"/>
-          <a:ext cx="4309431" cy="4309431"/>
-        </a:xfrm>
-        <a:custGeom>
-          <a:avLst/>
-          <a:gdLst/>
-          <a:ahLst/>
-          <a:cxnLst/>
-          <a:rect l="0" t="0" r="0" b="0"/>
-          <a:pathLst>
-            <a:path>
-              <a:moveTo>
-                <a:pt x="2816277" y="4205358"/>
-              </a:moveTo>
-              <a:arcTo wR="2154715" hR="2154715" stAng="4327181" swAng="2145637"/>
-            </a:path>
-          </a:pathLst>
-        </a:custGeom>
-        <a:noFill/>
-        <a:ln w="76200" cap="rnd" cmpd="sng" algn="ctr">
-          <a:solidFill>
-            <a:schemeClr val="accent3"/>
-          </a:solidFill>
-          <a:prstDash val="solid"/>
-          <a:tailEnd type="arrow"/>
-        </a:ln>
-        <a:effectLst/>
-      </dsp:spPr>
-      <dsp:style>
-        <a:lnRef idx="1">
-          <a:scrgbClr r="0" g="0" b="0"/>
-        </a:lnRef>
-        <a:fillRef idx="0">
-          <a:scrgbClr r="0" g="0" b="0"/>
-        </a:fillRef>
-        <a:effectRef idx="0">
-          <a:scrgbClr r="0" g="0" b="0"/>
-        </a:effectRef>
-        <a:fontRef idx="minor"/>
-      </dsp:style>
-    </dsp:sp>
-    <dsp:sp modelId="{C57B4BE3-41A8-44B2-ADB9-89E9BD012CC7}">
-      <dsp:nvSpPr>
-        <dsp:cNvPr id="0" name=""/>
-        <dsp:cNvSpPr/>
-      </dsp:nvSpPr>
-      <dsp:spPr>
-        <a:xfrm>
-          <a:off x="955742" y="3233904"/>
-          <a:ext cx="2484437" cy="1614884"/>
-        </a:xfrm>
-        <a:prstGeom prst="roundRect">
-          <a:avLst/>
-        </a:prstGeom>
-        <a:solidFill>
-          <a:schemeClr val="accent4">
-            <a:hueOff val="0"/>
-            <a:satOff val="0"/>
-            <a:lumOff val="0"/>
-            <a:alphaOff val="0"/>
-          </a:schemeClr>
-        </a:solidFill>
-        <a:ln w="15875" cap="rnd" cmpd="sng" algn="ctr">
-          <a:solidFill>
-            <a:schemeClr val="lt1">
-              <a:hueOff val="0"/>
-              <a:satOff val="0"/>
-              <a:lumOff val="0"/>
-              <a:alphaOff val="0"/>
-            </a:schemeClr>
-          </a:solidFill>
-          <a:prstDash val="solid"/>
-        </a:ln>
-        <a:effectLst/>
-      </dsp:spPr>
-      <dsp:style>
-        <a:lnRef idx="2">
-          <a:scrgbClr r="0" g="0" b="0"/>
-        </a:lnRef>
-        <a:fillRef idx="1">
-          <a:scrgbClr r="0" g="0" b="0"/>
-        </a:fillRef>
-        <a:effectRef idx="0">
-          <a:scrgbClr r="0" g="0" b="0"/>
-        </a:effectRef>
-        <a:fontRef idx="minor">
-          <a:schemeClr val="lt1"/>
-        </a:fontRef>
-      </dsp:style>
-      <dsp:txBody>
-        <a:bodyPr spcFirstLastPara="0" vert="horz" wrap="square" lIns="148590" tIns="148590" rIns="148590" bIns="148590" numCol="1" spcCol="1270" anchor="ctr" anchorCtr="0">
-          <a:noAutofit/>
-        </a:bodyPr>
-        <a:lstStyle/>
-        <a:p>
-          <a:pPr lvl="0" algn="ctr" defTabSz="1733550">
-            <a:lnSpc>
-              <a:spcPct val="90000"/>
-            </a:lnSpc>
-            <a:spcBef>
-              <a:spcPct val="0"/>
-            </a:spcBef>
-            <a:spcAft>
-              <a:spcPct val="35000"/>
-            </a:spcAft>
-          </a:pPr>
-          <a:r>
-            <a:rPr kumimoji="1" lang="ja-JP" altLang="en-US" sz="3900" kern="1200" dirty="0" smtClean="0"/>
-            <a:t>ゴール</a:t>
-          </a:r>
-          <a:endParaRPr kumimoji="1" lang="ja-JP" altLang="en-US" sz="3900" kern="1200" dirty="0"/>
-        </a:p>
-      </dsp:txBody>
-      <dsp:txXfrm>
-        <a:off x="1034574" y="3312736"/>
-        <a:ext cx="2326773" cy="1457220"/>
-      </dsp:txXfrm>
-    </dsp:sp>
-    <dsp:sp modelId="{9D229665-A3CE-4C26-94E7-18D467EAE827}">
-      <dsp:nvSpPr>
-        <dsp:cNvPr id="0" name=""/>
-        <dsp:cNvSpPr/>
-      </dsp:nvSpPr>
-      <dsp:spPr>
-        <a:xfrm>
-          <a:off x="1909284" y="809272"/>
-          <a:ext cx="4309431" cy="4309431"/>
-        </a:xfrm>
-        <a:custGeom>
-          <a:avLst/>
-          <a:gdLst/>
-          <a:ahLst/>
-          <a:cxnLst/>
-          <a:rect l="0" t="0" r="0" b="0"/>
-          <a:pathLst>
-            <a:path>
-              <a:moveTo>
-                <a:pt x="6958" y="1981685"/>
-              </a:moveTo>
-              <a:arcTo wR="2154715" hR="2154715" stAng="11076360" swAng="2303174"/>
-            </a:path>
-          </a:pathLst>
-        </a:custGeom>
-        <a:noFill/>
-        <a:ln w="76200" cap="rnd" cmpd="sng" algn="ctr">
-          <a:solidFill>
-            <a:srgbClr val="C00000"/>
-          </a:solidFill>
-          <a:prstDash val="solid"/>
-          <a:tailEnd type="arrow"/>
-        </a:ln>
-        <a:effectLst/>
-      </dsp:spPr>
-      <dsp:style>
-        <a:lnRef idx="1">
-          <a:scrgbClr r="0" g="0" b="0"/>
-        </a:lnRef>
-        <a:fillRef idx="0">
-          <a:scrgbClr r="0" g="0" b="0"/>
-        </a:fillRef>
-        <a:effectRef idx="0">
-          <a:scrgbClr r="0" g="0" b="0"/>
-        </a:effectRef>
-        <a:fontRef idx="minor"/>
-      </dsp:style>
-    </dsp:sp>
-  </dsp:spTree>
-</dsp:drawing>
-</file>
-
-<file path=ppt/diagrams/layout1.xml><?xml version="1.0" encoding="utf-8"?>
-<dgm:layoutDef xmlns:dgm="http://schemas.openxmlformats.org/drawingml/2006/diagram" xmlns:a="http://schemas.openxmlformats.org/drawingml/2006/main" uniqueId="urn:microsoft.com/office/officeart/2005/8/layout/cycle5">
-  <dgm:title val=""/>
-  <dgm:desc val=""/>
-  <dgm:catLst>
-    <dgm:cat type="cycle" pri="3000"/>
-  </dgm:catLst>
-  <dgm:sampData>
-    <dgm:dataModel>
-      <dgm:ptLst>
-        <dgm:pt modelId="0" type="doc"/>
-        <dgm:pt modelId="1">
-          <dgm:prSet phldr="1"/>
-        </dgm:pt>
-        <dgm:pt modelId="2">
-          <dgm:prSet phldr="1"/>
-        </dgm:pt>
-        <dgm:pt modelId="3">
-          <dgm:prSet phldr="1"/>
-        </dgm:pt>
-        <dgm:pt modelId="4">
-          <dgm:prSet phldr="1"/>
-        </dgm:pt>
-        <dgm:pt modelId="5">
-          <dgm:prSet phldr="1"/>
-        </dgm:pt>
-      </dgm:ptLst>
-      <dgm:cxnLst>
-        <dgm:cxn modelId="6" srcId="0" destId="1" srcOrd="0" destOrd="0"/>
-        <dgm:cxn modelId="7" srcId="0" destId="2" srcOrd="1" destOrd="0"/>
-        <dgm:cxn modelId="8" srcId="0" destId="3" srcOrd="2" destOrd="0"/>
-        <dgm:cxn modelId="9" srcId="0" destId="4" srcOrd="3" destOrd="0"/>
-        <dgm:cxn modelId="10" srcId="0" destId="5" srcOrd="4" destOrd="0"/>
-      </dgm:cxnLst>
-      <dgm:bg/>
-      <dgm:whole/>
-    </dgm:dataModel>
-  </dgm:sampData>
-  <dgm:styleData>
-    <dgm:dataModel>
-      <dgm:ptLst>
-        <dgm:pt modelId="0" type="doc"/>
-        <dgm:pt modelId="1"/>
-        <dgm:pt modelId="2"/>
-        <dgm:pt modelId="3"/>
-      </dgm:ptLst>
-      <dgm:cxnLst>
-        <dgm:cxn modelId="4" srcId="0" destId="1" srcOrd="0" destOrd="0"/>
-        <dgm:cxn modelId="5" srcId="0" destId="2" srcOrd="1" destOrd="0"/>
-        <dgm:cxn modelId="6" srcId="0" destId="3" srcOrd="2" destOrd="0"/>
-      </dgm:cxnLst>
-      <dgm:bg/>
-      <dgm:whole/>
-    </dgm:dataModel>
-  </dgm:styleData>
-  <dgm:clrData>
-    <dgm:dataModel>
-      <dgm:ptLst>
-        <dgm:pt modelId="0" type="doc"/>
-        <dgm:pt modelId="1"/>
-        <dgm:pt modelId="2"/>
-        <dgm:pt modelId="3"/>
-        <dgm:pt modelId="4"/>
-        <dgm:pt modelId="5"/>
-        <dgm:pt modelId="6"/>
-      </dgm:ptLst>
-      <dgm:cxnLst>
-        <dgm:cxn modelId="7" srcId="0" destId="1" srcOrd="0" destOrd="0"/>
-        <dgm:cxn modelId="8" srcId="0" destId="2" srcOrd="1" destOrd="0"/>
-        <dgm:cxn modelId="9" srcId="0" destId="3" srcOrd="2" destOrd="0"/>
-        <dgm:cxn modelId="10" srcId="0" destId="4" srcOrd="3" destOrd="0"/>
-        <dgm:cxn modelId="11" srcId="0" destId="5" srcOrd="4" destOrd="0"/>
-        <dgm:cxn modelId="12" srcId="0" destId="6" srcOrd="5" destOrd="0"/>
-      </dgm:cxnLst>
-      <dgm:bg/>
-      <dgm:whole/>
-    </dgm:dataModel>
-  </dgm:clrData>
-  <dgm:layoutNode name="cycle">
-    <dgm:varLst>
-      <dgm:dir/>
-      <dgm:resizeHandles val="exact"/>
-    </dgm:varLst>
-    <dgm:choose name="Name0">
-      <dgm:if name="Name1" func="var" arg="dir" op="equ" val="norm">
-        <dgm:choose name="Name2">
-          <dgm:if name="Name3" axis="ch" ptType="node" func="cnt" op="gt" val="2">
-            <dgm:alg type="cycle">
-              <dgm:param type="stAng" val="0"/>
-              <dgm:param type="spanAng" val="360"/>
-            </dgm:alg>
-          </dgm:if>
-          <dgm:else name="Name4">
-            <dgm:alg type="cycle">
-              <dgm:param type="stAng" val="-90"/>
-              <dgm:param type="spanAng" val="360"/>
-            </dgm:alg>
-          </dgm:else>
-        </dgm:choose>
-      </dgm:if>
-      <dgm:else name="Name5">
-        <dgm:choose name="Name6">
-          <dgm:if name="Name7" axis="ch" ptType="node" func="cnt" op="gt" val="2">
-            <dgm:alg type="cycle">
-              <dgm:param type="stAng" val="0"/>
-              <dgm:param type="spanAng" val="-360"/>
-            </dgm:alg>
-          </dgm:if>
-          <dgm:else name="Name8">
-            <dgm:alg type="cycle">
-              <dgm:param type="stAng" val="90"/>
-              <dgm:param type="spanAng" val="-360"/>
-            </dgm:alg>
-          </dgm:else>
-        </dgm:choose>
-      </dgm:else>
-    </dgm:choose>
-    <dgm:shape xmlns:r="http://schemas.openxmlformats.org/officeDocument/2006/relationships" r:blip="">
-      <dgm:adjLst/>
-    </dgm:shape>
-    <dgm:presOf/>
-    <dgm:choose name="Name9">
-      <dgm:if name="Name10" func="var" arg="dir" op="equ" val="norm">
-        <dgm:constrLst>
-          <dgm:constr type="w" for="ch" forName="node" refType="w"/>
-          <dgm:constr type="w" for="ch" ptType="sibTrans" refType="w" refFor="ch" refForName="node" op="equ" fact="0.3"/>
-          <dgm:constr type="diam" for="ch" ptType="sibTrans" refType="diam" op="equ"/>
-          <dgm:constr type="sibSp" refType="w" refFor="ch" refForName="node" op="equ" fact="0.15"/>
-          <dgm:constr type="w" for="ch" forName="spNode" refType="sibSp" fact="1.6"/>
-          <dgm:constr type="primFontSz" for="ch" forName="node" op="equ" val="65"/>
-        </dgm:constrLst>
-      </dgm:if>
-      <dgm:else name="Name11">
-        <dgm:constrLst>
-          <dgm:constr type="w" for="ch" forName="node" refType="w"/>
-          <dgm:constr type="w" for="ch" ptType="sibTrans" refType="w" refFor="ch" refForName="node" op="equ" fact="0.3"/>
-          <dgm:constr type="diam" for="ch" ptType="sibTrans" refType="diam" fact="-1"/>
-          <dgm:constr type="diam" for="ch" refType="diam" op="equ" fact="-1"/>
-          <dgm:constr type="sibSp" refType="w" refFor="ch" refForName="node" op="equ" fact="0.15"/>
-          <dgm:constr type="w" for="ch" forName="spNode" refType="sibSp" fact="1.6"/>
-          <dgm:constr type="primFontSz" for="ch" forName="node" op="equ" val="65"/>
-        </dgm:constrLst>
-      </dgm:else>
-    </dgm:choose>
-    <dgm:ruleLst/>
-    <dgm:forEach name="Name12" axis="ch" ptType="node">
-      <dgm:layoutNode name="node">
-        <dgm:varLst>
-          <dgm:bulletEnabled val="1"/>
-        </dgm:varLst>
-        <dgm:alg type="tx"/>
-        <dgm:shape xmlns:r="http://schemas.openxmlformats.org/officeDocument/2006/relationships" type="roundRect" r:blip="">
-          <dgm:adjLst/>
-        </dgm:shape>
-        <dgm:presOf axis="desOrSelf" ptType="node"/>
-        <dgm:constrLst>
-          <dgm:constr type="h" refType="w" fact="0.65"/>
-          <dgm:constr type="tMarg" refType="primFontSz" fact="0.3"/>
-          <dgm:constr type="bMarg" refType="primFontSz" fact="0.3"/>
-          <dgm:constr type="lMarg" refType="primFontSz" fact="0.3"/>
-          <dgm:constr type="rMarg" refType="primFontSz" fact="0.3"/>
-        </dgm:constrLst>
-        <dgm:ruleLst>
-          <dgm:rule type="primFontSz" val="5" fact="NaN" max="NaN"/>
-        </dgm:ruleLst>
-      </dgm:layoutNode>
-      <dgm:choose name="Name13">
-        <dgm:if name="Name14" axis="par ch" ptType="doc node" func="cnt" op="gt" val="1">
-          <dgm:layoutNode name="spNode">
-            <dgm:alg type="sp"/>
-            <dgm:shape xmlns:r="http://schemas.openxmlformats.org/officeDocument/2006/relationships" r:blip="">
-              <dgm:adjLst/>
-            </dgm:shape>
-            <dgm:presOf/>
-            <dgm:constrLst>
-              <dgm:constr type="h" refType="w"/>
-            </dgm:constrLst>
-            <dgm:ruleLst/>
-          </dgm:layoutNode>
-          <dgm:forEach name="Name15" axis="followSib" ptType="sibTrans" hideLastTrans="0" cnt="1">
-            <dgm:layoutNode name="sibTrans">
-              <dgm:alg type="conn">
-                <dgm:param type="dim" val="1D"/>
-                <dgm:param type="connRout" val="curve"/>
-                <dgm:param type="begPts" val="radial"/>
-                <dgm:param type="endPts" val="radial"/>
-              </dgm:alg>
-              <dgm:shape xmlns:r="http://schemas.openxmlformats.org/officeDocument/2006/relationships" type="conn" r:blip="">
-                <dgm:adjLst/>
-              </dgm:shape>
-              <dgm:presOf axis="self"/>
-              <dgm:constrLst>
-                <dgm:constr type="h" refType="w" fact="0.65"/>
-                <dgm:constr type="connDist"/>
-                <dgm:constr type="begPad" refType="connDist" fact="0.2"/>
-                <dgm:constr type="endPad" refType="connDist" fact="0.2"/>
-              </dgm:constrLst>
-              <dgm:ruleLst/>
-            </dgm:layoutNode>
-          </dgm:forEach>
-        </dgm:if>
-        <dgm:else name="Name16"/>
-      </dgm:choose>
-    </dgm:forEach>
-  </dgm:layoutNode>
-</dgm:layoutDef>
-</file>
-
-<file path=ppt/diagrams/quickStyle1.xml><?xml version="1.0" encoding="utf-8"?>
-<dgm:styleDef xmlns:dgm="http://schemas.openxmlformats.org/drawingml/2006/diagram" xmlns:a="http://schemas.openxmlformats.org/drawingml/2006/main" uniqueId="urn:microsoft.com/office/officeart/2005/8/quickstyle/simple1">
-  <dgm:title val=""/>
-  <dgm:desc val=""/>
-  <dgm:catLst>
-    <dgm:cat type="simple" pri="10100"/>
-  </dgm:catLst>
-  <dgm:scene3d>
-    <a:camera prst="orthographicFront"/>
-    <a:lightRig rig="threePt" dir="t"/>
-  </dgm:scene3d>
-  <dgm:styleLbl name="node0">
-    <dgm:scene3d>
-      <a:camera prst="orthographicFront"/>
-      <a:lightRig rig="threePt" dir="t"/>
-    </dgm:scene3d>
-    <dgm:sp3d/>
-    <dgm:txPr/>
-    <dgm:style>
-      <a:lnRef idx="2">
-        <a:scrgbClr r="0" g="0" b="0"/>
-      </a:lnRef>
-      <a:fillRef idx="1">
-        <a:scrgbClr r="0" g="0" b="0"/>
-      </a:fillRef>
-      <a:effectRef idx="0">
-        <a:scrgbClr r="0" g="0" b="0"/>
-      </a:effectRef>
-      <a:fontRef idx="minor">
-        <a:schemeClr val="lt1"/>
-      </a:fontRef>
-    </dgm:style>
-  </dgm:styleLbl>
-  <dgm:styleLbl name="lnNode1">
-    <dgm:scene3d>
-      <a:camera prst="orthographicFront"/>
-      <a:lightRig rig="threePt" dir="t"/>
-    </dgm:scene3d>
-    <dgm:sp3d/>
-    <dgm:txPr/>
-    <dgm:style>
-      <a:lnRef idx="2">
-        <a:scrgbClr r="0" g="0" b="0"/>
-      </a:lnRef>
-      <a:fillRef idx="1">
-        <a:scrgbClr r="0" g="0" b="0"/>
-      </a:fillRef>
-      <a:effectRef idx="0">
-        <a:scrgbClr r="0" g="0" b="0"/>
-      </a:effectRef>
-      <a:fontRef idx="minor">
-        <a:schemeClr val="lt1"/>
-      </a:fontRef>
-    </dgm:style>
-  </dgm:styleLbl>
-  <dgm:styleLbl name="vennNode1">
-    <dgm:scene3d>
-      <a:camera prst="orthographicFront"/>
-      <a:lightRig rig="threePt" dir="t"/>
-    </dgm:scene3d>
-    <dgm:sp3d/>
-    <dgm:txPr/>
-    <dgm:style>
-      <a:lnRef idx="2">
-        <a:scrgbClr r="0" g="0" b="0"/>
-      </a:lnRef>
-      <a:fillRef idx="1">
-        <a:scrgbClr r="0" g="0" b="0"/>
-      </a:fillRef>
-      <a:effectRef idx="0">
-        <a:scrgbClr r="0" g="0" b="0"/>
-      </a:effectRef>
-      <a:fontRef idx="minor">
-        <a:schemeClr val="tx1"/>
-      </a:fontRef>
-    </dgm:style>
-  </dgm:styleLbl>
-  <dgm:styleLbl name="alignNode1">
-    <dgm:scene3d>
-      <a:camera prst="orthographicFront"/>
-      <a:lightRig rig="threePt" dir="t"/>
-    </dgm:scene3d>
-    <dgm:sp3d/>
-    <dgm:txPr/>
-    <dgm:style>
-      <a:lnRef idx="2">
-        <a:scrgbClr r="0" g="0" b="0"/>
-      </a:lnRef>
-      <a:fillRef idx="1">
-        <a:scrgbClr r="0" g="0" b="0"/>
-      </a:fillRef>
-      <a:effectRef idx="0">
-        <a:scrgbClr r="0" g="0" b="0"/>
-      </a:effectRef>
-      <a:fontRef idx="minor">
-        <a:schemeClr val="lt1"/>
-      </a:fontRef>
-    </dgm:style>
-  </dgm:styleLbl>
-  <dgm:styleLbl name="node1">
-    <dgm:scene3d>
-      <a:camera prst="orthographicFront"/>
-      <a:lightRig rig="threePt" dir="t"/>
-    </dgm:scene3d>
-    <dgm:sp3d/>
-    <dgm:txPr/>
-    <dgm:style>
-      <a:lnRef idx="2">
-        <a:scrgbClr r="0" g="0" b="0"/>
-      </a:lnRef>
-      <a:fillRef idx="1">
-        <a:scrgbClr r="0" g="0" b="0"/>
-      </a:fillRef>
-      <a:effectRef idx="0">
-        <a:scrgbClr r="0" g="0" b="0"/>
-      </a:effectRef>
-      <a:fontRef idx="minor">
-        <a:schemeClr val="lt1"/>
-      </a:fontRef>
-    </dgm:style>
-  </dgm:styleLbl>
-  <dgm:styleLbl name="node2">
-    <dgm:scene3d>
-      <a:camera prst="orthographicFront"/>
-      <a:lightRig rig="threePt" dir="t"/>
-    </dgm:scene3d>
-    <dgm:sp3d/>
-    <dgm:txPr/>
-    <dgm:style>
-      <a:lnRef idx="2">
-        <a:scrgbClr r="0" g="0" b="0"/>
-      </a:lnRef>
-      <a:fillRef idx="1">
-        <a:scrgbClr r="0" g="0" b="0"/>
-      </a:fillRef>
-      <a:effectRef idx="0">
-        <a:scrgbClr r="0" g="0" b="0"/>
-      </a:effectRef>
-      <a:fontRef idx="minor">
-        <a:schemeClr val="lt1"/>
-      </a:fontRef>
-    </dgm:style>
-  </dgm:styleLbl>
-  <dgm:styleLbl name="node3">
-    <dgm:scene3d>
-      <a:camera prst="orthographicFront"/>
-      <a:lightRig rig="threePt" dir="t"/>
-    </dgm:scene3d>
-    <dgm:sp3d/>
-    <dgm:txPr/>
-    <dgm:style>
-      <a:lnRef idx="2">
-        <a:scrgbClr r="0" g="0" b="0"/>
-      </a:lnRef>
-      <a:fillRef idx="1">
-        <a:scrgbClr r="0" g="0" b="0"/>
-      </a:fillRef>
-      <a:effectRef idx="0">
-        <a:scrgbClr r="0" g="0" b="0"/>
-      </a:effectRef>
-      <a:fontRef idx="minor">
-        <a:schemeClr val="lt1"/>
-      </a:fontRef>
-    </dgm:style>
-  </dgm:styleLbl>
-  <dgm:styleLbl name="node4">
-    <dgm:scene3d>
-      <a:camera prst="orthographicFront"/>
-      <a:lightRig rig="threePt" dir="t"/>
-    </dgm:scene3d>
-    <dgm:sp3d/>
-    <dgm:txPr/>
-    <dgm:style>
-      <a:lnRef idx="2">
-        <a:scrgbClr r="0" g="0" b="0"/>
-      </a:lnRef>
-      <a:fillRef idx="1">
-        <a:scrgbClr r="0" g="0" b="0"/>
-      </a:fillRef>
-      <a:effectRef idx="0">
-        <a:scrgbClr r="0" g="0" b="0"/>
-      </a:effectRef>
-      <a:fontRef idx="minor">
-        <a:schemeClr val="lt1"/>
-      </a:fontRef>
-    </dgm:style>
-  </dgm:styleLbl>
-  <dgm:styleLbl name="fgImgPlace1">
-    <dgm:scene3d>
-      <a:camera prst="orthographicFront"/>
-      <a:lightRig rig="threePt" dir="t"/>
-    </dgm:scene3d>
-    <dgm:sp3d/>
-    <dgm:txPr/>
-    <dgm:style>
-      <a:lnRef idx="2">
-        <a:scrgbClr r="0" g="0" b="0"/>
-      </a:lnRef>
-      <a:fillRef idx="1">
-        <a:scrgbClr r="0" g="0" b="0"/>
-      </a:fillRef>
-      <a:effectRef idx="0">
-        <a:scrgbClr r="0" g="0" b="0"/>
-      </a:effectRef>
-      <a:fontRef idx="minor"/>
-    </dgm:style>
-  </dgm:styleLbl>
-  <dgm:styleLbl name="alignImgPlace1">
-    <dgm:scene3d>
-      <a:camera prst="orthographicFront"/>
-      <a:lightRig rig="threePt" dir="t"/>
-    </dgm:scene3d>
-    <dgm:sp3d/>
-    <dgm:txPr/>
-    <dgm:style>
-      <a:lnRef idx="2">
-        <a:scrgbClr r="0" g="0" b="0"/>
-      </a:lnRef>
-      <a:fillRef idx="1">
-        <a:scrgbClr r="0" g="0" b="0"/>
-      </a:fillRef>
-      <a:effectRef idx="0">
-        <a:scrgbClr r="0" g="0" b="0"/>
-      </a:effectRef>
-      <a:fontRef idx="minor"/>
-    </dgm:style>
-  </dgm:styleLbl>
-  <dgm:styleLbl name="bgImgPlace1">
-    <dgm:scene3d>
-      <a:camera prst="orthographicFront"/>
-      <a:lightRig rig="threePt" dir="t"/>
-    </dgm:scene3d>
-    <dgm:sp3d/>
-    <dgm:txPr/>
-    <dgm:style>
-      <a:lnRef idx="2">
-        <a:scrgbClr r="0" g="0" b="0"/>
-      </a:lnRef>
-      <a:fillRef idx="1">
-        <a:scrgbClr r="0" g="0" b="0"/>
-      </a:fillRef>
-      <a:effectRef idx="0">
-        <a:scrgbClr r="0" g="0" b="0"/>
-      </a:effectRef>
-      <a:fontRef idx="minor"/>
-    </dgm:style>
-  </dgm:styleLbl>
-  <dgm:styleLbl name="sibTrans2D1">
-    <dgm:scene3d>
-      <a:camera prst="orthographicFront"/>
-      <a:lightRig rig="threePt" dir="t"/>
-    </dgm:scene3d>
-    <dgm:sp3d/>
-    <dgm:txPr/>
-    <dgm:style>
-      <a:lnRef idx="0">
-        <a:scrgbClr r="0" g="0" b="0"/>
-      </a:lnRef>
-      <a:fillRef idx="1">
-        <a:scrgbClr r="0" g="0" b="0"/>
-      </a:fillRef>
-      <a:effectRef idx="0">
-        <a:scrgbClr r="0" g="0" b="0"/>
-      </a:effectRef>
-      <a:fontRef idx="minor">
-        <a:schemeClr val="lt1"/>
-      </a:fontRef>
-    </dgm:style>
-  </dgm:styleLbl>
-  <dgm:styleLbl name="fgSibTrans2D1">
-    <dgm:scene3d>
-      <a:camera prst="orthographicFront"/>
-      <a:lightRig rig="threePt" dir="t"/>
-    </dgm:scene3d>
-    <dgm:sp3d/>
-    <dgm:txPr/>
-    <dgm:style>
-      <a:lnRef idx="0">
-        <a:scrgbClr r="0" g="0" b="0"/>
-      </a:lnRef>
-      <a:fillRef idx="1">
-        <a:scrgbClr r="0" g="0" b="0"/>
-      </a:fillRef>
-      <a:effectRef idx="0">
-        <a:scrgbClr r="0" g="0" b="0"/>
-      </a:effectRef>
-      <a:fontRef idx="minor">
-        <a:schemeClr val="lt1"/>
-      </a:fontRef>
-    </dgm:style>
-  </dgm:styleLbl>
-  <dgm:styleLbl name="bgSibTrans2D1">
-    <dgm:scene3d>
-      <a:camera prst="orthographicFront"/>
-      <a:lightRig rig="threePt" dir="t"/>
-    </dgm:scene3d>
-    <dgm:sp3d/>
-    <dgm:txPr/>
-    <dgm:style>
-      <a:lnRef idx="0">
-        <a:scrgbClr r="0" g="0" b="0"/>
-      </a:lnRef>
-      <a:fillRef idx="1">
-        <a:scrgbClr r="0" g="0" b="0"/>
-      </a:fillRef>
-      <a:effectRef idx="0">
-        <a:scrgbClr r="0" g="0" b="0"/>
-      </a:effectRef>
-      <a:fontRef idx="minor">
-        <a:schemeClr val="lt1"/>
-      </a:fontRef>
-    </dgm:style>
-  </dgm:styleLbl>
-  <dgm:styleLbl name="sibTrans1D1">
-    <dgm:scene3d>
-      <a:camera prst="orthographicFront"/>
-      <a:lightRig rig="threePt" dir="t"/>
-    </dgm:scene3d>
-    <dgm:sp3d/>
-    <dgm:txPr/>
-    <dgm:style>
-      <a:lnRef idx="1">
-        <a:scrgbClr r="0" g="0" b="0"/>
-      </a:lnRef>
-      <a:fillRef idx="0">
-        <a:scrgbClr r="0" g="0" b="0"/>
-      </a:fillRef>
-      <a:effectRef idx="0">
-        <a:scrgbClr r="0" g="0" b="0"/>
-      </a:effectRef>
-      <a:fontRef idx="minor"/>
-    </dgm:style>
-  </dgm:styleLbl>
-  <dgm:styleLbl name="callout">
-    <dgm:scene3d>
-      <a:camera prst="orthographicFront"/>
-      <a:lightRig rig="threePt" dir="t"/>
-    </dgm:scene3d>
-    <dgm:sp3d/>
-    <dgm:txPr/>
-    <dgm:style>
-      <a:lnRef idx="2">
-        <a:scrgbClr r="0" g="0" b="0"/>
-      </a:lnRef>
-      <a:fillRef idx="1">
-        <a:scrgbClr r="0" g="0" b="0"/>
-      </a:fillRef>
-      <a:effectRef idx="0">
-        <a:scrgbClr r="0" g="0" b="0"/>
-      </a:effectRef>
-      <a:fontRef idx="minor"/>
-    </dgm:style>
-  </dgm:styleLbl>
-  <dgm:styleLbl name="asst0">
-    <dgm:scene3d>
-      <a:camera prst="orthographicFront"/>
-      <a:lightRig rig="threePt" dir="t"/>
-    </dgm:scene3d>
-    <dgm:sp3d/>
-    <dgm:txPr/>
-    <dgm:style>
-      <a:lnRef idx="2">
-        <a:scrgbClr r="0" g="0" b="0"/>
-      </a:lnRef>
-      <a:fillRef idx="1">
-        <a:scrgbClr r="0" g="0" b="0"/>
-      </a:fillRef>
-      <a:effectRef idx="0">
-        <a:scrgbClr r="0" g="0" b="0"/>
-      </a:effectRef>
-      <a:fontRef idx="minor">
-        <a:schemeClr val="lt1"/>
-      </a:fontRef>
-    </dgm:style>
-  </dgm:styleLbl>
-  <dgm:styleLbl name="asst1">
-    <dgm:scene3d>
-      <a:camera prst="orthographicFront"/>
-      <a:lightRig rig="threePt" dir="t"/>
-    </dgm:scene3d>
-    <dgm:sp3d/>
-    <dgm:txPr/>
-    <dgm:style>
-      <a:lnRef idx="2">
-        <a:scrgbClr r="0" g="0" b="0"/>
-      </a:lnRef>
-      <a:fillRef idx="1">
-        <a:scrgbClr r="0" g="0" b="0"/>
-      </a:fillRef>
-      <a:effectRef idx="0">
-        <a:scrgbClr r="0" g="0" b="0"/>
-      </a:effectRef>
-      <a:fontRef idx="minor">
-        <a:schemeClr val="lt1"/>
-      </a:fontRef>
-    </dgm:style>
-  </dgm:styleLbl>
-  <dgm:styleLbl name="asst2">
-    <dgm:scene3d>
-      <a:camera prst="orthographicFront"/>
-      <a:lightRig rig="threePt" dir="t"/>
-    </dgm:scene3d>
-    <dgm:sp3d/>
-    <dgm:txPr/>
-    <dgm:style>
-      <a:lnRef idx="2">
-        <a:scrgbClr r="0" g="0" b="0"/>
-      </a:lnRef>
-      <a:fillRef idx="1">
-        <a:scrgbClr r="0" g="0" b="0"/>
-      </a:fillRef>
-      <a:effectRef idx="0">
-        <a:scrgbClr r="0" g="0" b="0"/>
-      </a:effectRef>
-      <a:fontRef idx="minor">
-        <a:schemeClr val="lt1"/>
-      </a:fontRef>
-    </dgm:style>
-  </dgm:styleLbl>
-  <dgm:styleLbl name="asst3">
-    <dgm:scene3d>
-      <a:camera prst="orthographicFront"/>
-      <a:lightRig rig="threePt" dir="t"/>
-    </dgm:scene3d>
-    <dgm:sp3d/>
-    <dgm:txPr/>
-    <dgm:style>
-      <a:lnRef idx="2">
-        <a:scrgbClr r="0" g="0" b="0"/>
-      </a:lnRef>
-      <a:fillRef idx="1">
-        <a:scrgbClr r="0" g="0" b="0"/>
-      </a:fillRef>
-      <a:effectRef idx="0">
-        <a:scrgbClr r="0" g="0" b="0"/>
-      </a:effectRef>
-      <a:fontRef idx="minor">
-        <a:schemeClr val="lt1"/>
-      </a:fontRef>
-    </dgm:style>
-  </dgm:styleLbl>
-  <dgm:styleLbl name="asst4">
-    <dgm:scene3d>
-      <a:camera prst="orthographicFront"/>
-      <a:lightRig rig="threePt" dir="t"/>
-    </dgm:scene3d>
-    <dgm:sp3d/>
-    <dgm:txPr/>
-    <dgm:style>
-      <a:lnRef idx="2">
-        <a:scrgbClr r="0" g="0" b="0"/>
-      </a:lnRef>
-      <a:fillRef idx="1">
-        <a:scrgbClr r="0" g="0" b="0"/>
-      </a:fillRef>
-      <a:effectRef idx="0">
-        <a:scrgbClr r="0" g="0" b="0"/>
-      </a:effectRef>
-      <a:fontRef idx="minor">
-        <a:schemeClr val="lt1"/>
-      </a:fontRef>
-    </dgm:style>
-  </dgm:styleLbl>
-  <dgm:styleLbl name="parChTrans2D1">
-    <dgm:scene3d>
-      <a:camera prst="orthographicFront"/>
-      <a:lightRig rig="threePt" dir="t"/>
-    </dgm:scene3d>
-    <dgm:sp3d/>
-    <dgm:txPr/>
-    <dgm:style>
-      <a:lnRef idx="2">
-        <a:scrgbClr r="0" g="0" b="0"/>
-      </a:lnRef>
-      <a:fillRef idx="1">
-        <a:scrgbClr r="0" g="0" b="0"/>
-      </a:fillRef>
-      <a:effectRef idx="0">
-        <a:scrgbClr r="0" g="0" b="0"/>
-      </a:effectRef>
-      <a:fontRef idx="minor">
-        <a:schemeClr val="lt1"/>
-      </a:fontRef>
-    </dgm:style>
-  </dgm:styleLbl>
-  <dgm:styleLbl name="parChTrans2D2">
-    <dgm:scene3d>
-      <a:camera prst="orthographicFront"/>
-      <a:lightRig rig="threePt" dir="t"/>
-    </dgm:scene3d>
-    <dgm:sp3d/>
-    <dgm:txPr/>
-    <dgm:style>
-      <a:lnRef idx="2">
-        <a:scrgbClr r="0" g="0" b="0"/>
-      </a:lnRef>
-      <a:fillRef idx="1">
-        <a:scrgbClr r="0" g="0" b="0"/>
-      </a:fillRef>
-      <a:effectRef idx="0">
-        <a:scrgbClr r="0" g="0" b="0"/>
-      </a:effectRef>
-      <a:fontRef idx="minor">
-        <a:schemeClr val="lt1"/>
-      </a:fontRef>
-    </dgm:style>
-  </dgm:styleLbl>
-  <dgm:styleLbl name="parChTrans2D3">
-    <dgm:scene3d>
-      <a:camera prst="orthographicFront"/>
-      <a:lightRig rig="threePt" dir="t"/>
-    </dgm:scene3d>
-    <dgm:sp3d/>
-    <dgm:txPr/>
-    <dgm:style>
-      <a:lnRef idx="2">
-        <a:scrgbClr r="0" g="0" b="0"/>
-      </a:lnRef>
-      <a:fillRef idx="1">
-        <a:scrgbClr r="0" g="0" b="0"/>
-      </a:fillRef>
-      <a:effectRef idx="0">
-        <a:scrgbClr r="0" g="0" b="0"/>
-      </a:effectRef>
-      <a:fontRef idx="minor">
-        <a:schemeClr val="lt1"/>
-      </a:fontRef>
-    </dgm:style>
-  </dgm:styleLbl>
-  <dgm:styleLbl name="parChTrans2D4">
-    <dgm:scene3d>
-      <a:camera prst="orthographicFront"/>
-      <a:lightRig rig="threePt" dir="t"/>
-    </dgm:scene3d>
-    <dgm:sp3d/>
-    <dgm:txPr/>
-    <dgm:style>
-      <a:lnRef idx="2">
-        <a:scrgbClr r="0" g="0" b="0"/>
-      </a:lnRef>
-      <a:fillRef idx="1">
-        <a:scrgbClr r="0" g="0" b="0"/>
-      </a:fillRef>
-      <a:effectRef idx="0">
-        <a:scrgbClr r="0" g="0" b="0"/>
-      </a:effectRef>
-      <a:fontRef idx="minor">
-        <a:schemeClr val="lt1"/>
-      </a:fontRef>
-    </dgm:style>
-  </dgm:styleLbl>
-  <dgm:styleLbl name="parChTrans1D1">
-    <dgm:scene3d>
-      <a:camera prst="orthographicFront"/>
-      <a:lightRig rig="threePt" dir="t"/>
-    </dgm:scene3d>
-    <dgm:sp3d/>
-    <dgm:txPr/>
-    <dgm:style>
-      <a:lnRef idx="2">
-        <a:scrgbClr r="0" g="0" b="0"/>
-      </a:lnRef>
-      <a:fillRef idx="0">
-        <a:scrgbClr r="0" g="0" b="0"/>
-      </a:fillRef>
-      <a:effectRef idx="0">
-        <a:scrgbClr r="0" g="0" b="0"/>
-      </a:effectRef>
-      <a:fontRef idx="minor"/>
-    </dgm:style>
-  </dgm:styleLbl>
-  <dgm:styleLbl name="parChTrans1D2">
-    <dgm:scene3d>
-      <a:camera prst="orthographicFront"/>
-      <a:lightRig rig="threePt" dir="t"/>
-    </dgm:scene3d>
-    <dgm:sp3d/>
-    <dgm:txPr/>
-    <dgm:style>
-      <a:lnRef idx="2">
-        <a:scrgbClr r="0" g="0" b="0"/>
-      </a:lnRef>
-      <a:fillRef idx="0">
-        <a:scrgbClr r="0" g="0" b="0"/>
-      </a:fillRef>
-      <a:effectRef idx="0">
-        <a:scrgbClr r="0" g="0" b="0"/>
-      </a:effectRef>
-      <a:fontRef idx="minor"/>
-    </dgm:style>
-  </dgm:styleLbl>
-  <dgm:styleLbl name="parChTrans1D3">
-    <dgm:scene3d>
-      <a:camera prst="orthographicFront"/>
-      <a:lightRig rig="threePt" dir="t"/>
-    </dgm:scene3d>
-    <dgm:sp3d/>
-    <dgm:txPr/>
-    <dgm:style>
-      <a:lnRef idx="2">
-        <a:scrgbClr r="0" g="0" b="0"/>
-      </a:lnRef>
-      <a:fillRef idx="0">
-        <a:scrgbClr r="0" g="0" b="0"/>
-      </a:fillRef>
-      <a:effectRef idx="0">
-        <a:scrgbClr r="0" g="0" b="0"/>
-      </a:effectRef>
-      <a:fontRef idx="minor"/>
-    </dgm:style>
-  </dgm:styleLbl>
-  <dgm:styleLbl name="parChTrans1D4">
-    <dgm:scene3d>
-      <a:camera prst="orthographicFront"/>
-      <a:lightRig rig="threePt" dir="t"/>
-    </dgm:scene3d>
-    <dgm:sp3d/>
-    <dgm:txPr/>
-    <dgm:style>
-      <a:lnRef idx="2">
-        <a:scrgbClr r="0" g="0" b="0"/>
-      </a:lnRef>
-      <a:fillRef idx="0">
-        <a:scrgbClr r="0" g="0" b="0"/>
-      </a:fillRef>
-      <a:effectRef idx="0">
-        <a:scrgbClr r="0" g="0" b="0"/>
-      </a:effectRef>
-      <a:fontRef idx="minor"/>
-    </dgm:style>
-  </dgm:styleLbl>
-  <dgm:styleLbl name="fgAcc1">
-    <dgm:scene3d>
-      <a:camera prst="orthographicFront"/>
-      <a:lightRig rig="threePt" dir="t"/>
-    </dgm:scene3d>
-    <dgm:sp3d/>
-    <dgm:txPr/>
-    <dgm:style>
-      <a:lnRef idx="2">
-        <a:scrgbClr r="0" g="0" b="0"/>
-      </a:lnRef>
-      <a:fillRef idx="1">
-        <a:scrgbClr r="0" g="0" b="0"/>
-      </a:fillRef>
-      <a:effectRef idx="0">
-        <a:scrgbClr r="0" g="0" b="0"/>
-      </a:effectRef>
-      <a:fontRef idx="minor"/>
-    </dgm:style>
-  </dgm:styleLbl>
-  <dgm:styleLbl name="conFgAcc1">
-    <dgm:scene3d>
-      <a:camera prst="orthographicFront"/>
-      <a:lightRig rig="threePt" dir="t"/>
-    </dgm:scene3d>
-    <dgm:sp3d/>
-    <dgm:txPr/>
-    <dgm:style>
-      <a:lnRef idx="2">
-        <a:scrgbClr r="0" g="0" b="0"/>
-      </a:lnRef>
-      <a:fillRef idx="1">
-        <a:scrgbClr r="0" g="0" b="0"/>
-      </a:fillRef>
-      <a:effectRef idx="0">
-        <a:scrgbClr r="0" g="0" b="0"/>
-      </a:effectRef>
-      <a:fontRef idx="minor"/>
-    </dgm:style>
-  </dgm:styleLbl>
-  <dgm:styleLbl name="alignAcc1">
-    <dgm:scene3d>
-      <a:camera prst="orthographicFront"/>
-      <a:lightRig rig="threePt" dir="t"/>
-    </dgm:scene3d>
-    <dgm:sp3d/>
-    <dgm:txPr/>
-    <dgm:style>
-      <a:lnRef idx="2">
-        <a:scrgbClr r="0" g="0" b="0"/>
-      </a:lnRef>
-      <a:fillRef idx="1">
-        <a:scrgbClr r="0" g="0" b="0"/>
-      </a:fillRef>
-      <a:effectRef idx="0">
-        <a:scrgbClr r="0" g="0" b="0"/>
-      </a:effectRef>
-      <a:fontRef idx="minor"/>
-    </dgm:style>
-  </dgm:styleLbl>
-  <dgm:styleLbl name="trAlignAcc1">
-    <dgm:scene3d>
-      <a:camera prst="orthographicFront"/>
-      <a:lightRig rig="threePt" dir="t"/>
-    </dgm:scene3d>
-    <dgm:sp3d/>
-    <dgm:txPr/>
-    <dgm:style>
-      <a:lnRef idx="1">
-        <a:scrgbClr r="0" g="0" b="0"/>
-      </a:lnRef>
-      <a:fillRef idx="1">
-        <a:scrgbClr r="0" g="0" b="0"/>
-      </a:fillRef>
-      <a:effectRef idx="0">
-        <a:scrgbClr r="0" g="0" b="0"/>
-      </a:effectRef>
-      <a:fontRef idx="minor"/>
-    </dgm:style>
-  </dgm:styleLbl>
-  <dgm:styleLbl name="bgAcc1">
-    <dgm:scene3d>
-      <a:camera prst="orthographicFront"/>
-      <a:lightRig rig="threePt" dir="t"/>
-    </dgm:scene3d>
-    <dgm:sp3d/>
-    <dgm:txPr/>
-    <dgm:style>
-      <a:lnRef idx="2">
-        <a:scrgbClr r="0" g="0" b="0"/>
-      </a:lnRef>
-      <a:fillRef idx="1">
-        <a:scrgbClr r="0" g="0" b="0"/>
-      </a:fillRef>
-      <a:effectRef idx="0">
-        <a:scrgbClr r="0" g="0" b="0"/>
-      </a:effectRef>
-      <a:fontRef idx="minor"/>
-    </dgm:style>
-  </dgm:styleLbl>
-  <dgm:styleLbl name="solidFgAcc1">
-    <dgm:scene3d>
-      <a:camera prst="orthographicFront"/>
-      <a:lightRig rig="threePt" dir="t"/>
-    </dgm:scene3d>
-    <dgm:sp3d/>
-    <dgm:txPr/>
-    <dgm:style>
-      <a:lnRef idx="2">
-        <a:scrgbClr r="0" g="0" b="0"/>
-      </a:lnRef>
-      <a:fillRef idx="1">
-        <a:scrgbClr r="0" g="0" b="0"/>
-      </a:fillRef>
-      <a:effectRef idx="0">
-        <a:scrgbClr r="0" g="0" b="0"/>
-      </a:effectRef>
-      <a:fontRef idx="minor"/>
-    </dgm:style>
-  </dgm:styleLbl>
-  <dgm:styleLbl name="solidAlignAcc1">
-    <dgm:scene3d>
-      <a:camera prst="orthographicFront"/>
-      <a:lightRig rig="threePt" dir="t"/>
-    </dgm:scene3d>
-    <dgm:sp3d/>
-    <dgm:txPr/>
-    <dgm:style>
-      <a:lnRef idx="2">
-        <a:scrgbClr r="0" g="0" b="0"/>
-      </a:lnRef>
-      <a:fillRef idx="1">
-        <a:scrgbClr r="0" g="0" b="0"/>
-      </a:fillRef>
-      <a:effectRef idx="0">
-        <a:scrgbClr r="0" g="0" b="0"/>
-      </a:effectRef>
-      <a:fontRef idx="minor"/>
-    </dgm:style>
-  </dgm:styleLbl>
-  <dgm:styleLbl name="solidBgAcc1">
-    <dgm:scene3d>
-      <a:camera prst="orthographicFront"/>
-      <a:lightRig rig="threePt" dir="t"/>
-    </dgm:scene3d>
-    <dgm:sp3d/>
-    <dgm:txPr/>
-    <dgm:style>
-      <a:lnRef idx="2">
-        <a:scrgbClr r="0" g="0" b="0"/>
-      </a:lnRef>
-      <a:fillRef idx="1">
-        <a:scrgbClr r="0" g="0" b="0"/>
-      </a:fillRef>
-      <a:effectRef idx="0">
-        <a:scrgbClr r="0" g="0" b="0"/>
-      </a:effectRef>
-      <a:fontRef idx="minor"/>
-    </dgm:style>
-  </dgm:styleLbl>
-  <dgm:styleLbl name="fgAccFollowNode1">
-    <dgm:scene3d>
-      <a:camera prst="orthographicFront"/>
-      <a:lightRig rig="threePt" dir="t"/>
-    </dgm:scene3d>
-    <dgm:sp3d/>
-    <dgm:txPr/>
-    <dgm:style>
-      <a:lnRef idx="2">
-        <a:scrgbClr r="0" g="0" b="0"/>
-      </a:lnRef>
-      <a:fillRef idx="1">
-        <a:scrgbClr r="0" g="0" b="0"/>
-      </a:fillRef>
-      <a:effectRef idx="0">
-        <a:scrgbClr r="0" g="0" b="0"/>
-      </a:effectRef>
-      <a:fontRef idx="minor"/>
-    </dgm:style>
-  </dgm:styleLbl>
-  <dgm:styleLbl name="alignAccFollowNode1">
-    <dgm:scene3d>
-      <a:camera prst="orthographicFront"/>
-      <a:lightRig rig="threePt" dir="t"/>
-    </dgm:scene3d>
-    <dgm:sp3d/>
-    <dgm:txPr/>
-    <dgm:style>
-      <a:lnRef idx="2">
-        <a:scrgbClr r="0" g="0" b="0"/>
-      </a:lnRef>
-      <a:fillRef idx="1">
-        <a:scrgbClr r="0" g="0" b="0"/>
-      </a:fillRef>
-      <a:effectRef idx="0">
-        <a:scrgbClr r="0" g="0" b="0"/>
-      </a:effectRef>
-      <a:fontRef idx="minor"/>
-    </dgm:style>
-  </dgm:styleLbl>
-  <dgm:styleLbl name="bgAccFollowNode1">
-    <dgm:scene3d>
-      <a:camera prst="orthographicFront"/>
-      <a:lightRig rig="threePt" dir="t"/>
-    </dgm:scene3d>
-    <dgm:sp3d/>
-    <dgm:txPr/>
-    <dgm:style>
-      <a:lnRef idx="2">
-        <a:scrgbClr r="0" g="0" b="0"/>
-      </a:lnRef>
-      <a:fillRef idx="1">
-        <a:scrgbClr r="0" g="0" b="0"/>
-      </a:fillRef>
-      <a:effectRef idx="0">
-        <a:scrgbClr r="0" g="0" b="0"/>
-      </a:effectRef>
-      <a:fontRef idx="minor"/>
-    </dgm:style>
-  </dgm:styleLbl>
-  <dgm:styleLbl name="fgAcc0">
-    <dgm:scene3d>
-      <a:camera prst="orthographicFront"/>
-      <a:lightRig rig="threePt" dir="t"/>
-    </dgm:scene3d>
-    <dgm:sp3d/>
-    <dgm:txPr/>
-    <dgm:style>
-      <a:lnRef idx="2">
-        <a:scrgbClr r="0" g="0" b="0"/>
-      </a:lnRef>
-      <a:fillRef idx="1">
-        <a:scrgbClr r="0" g="0" b="0"/>
-      </a:fillRef>
-      <a:effectRef idx="0">
-        <a:scrgbClr r="0" g="0" b="0"/>
-      </a:effectRef>
-      <a:fontRef idx="minor"/>
-    </dgm:style>
-  </dgm:styleLbl>
-  <dgm:styleLbl name="fgAcc2">
-    <dgm:scene3d>
-      <a:camera prst="orthographicFront"/>
-      <a:lightRig rig="threePt" dir="t"/>
-    </dgm:scene3d>
-    <dgm:sp3d/>
-    <dgm:txPr/>
-    <dgm:style>
-      <a:lnRef idx="2">
-        <a:scrgbClr r="0" g="0" b="0"/>
-      </a:lnRef>
-      <a:fillRef idx="1">
-        <a:scrgbClr r="0" g="0" b="0"/>
-      </a:fillRef>
-      <a:effectRef idx="0">
-        <a:scrgbClr r="0" g="0" b="0"/>
-      </a:effectRef>
-      <a:fontRef idx="minor"/>
-    </dgm:style>
-  </dgm:styleLbl>
-  <dgm:styleLbl name="fgAcc3">
-    <dgm:scene3d>
-      <a:camera prst="orthographicFront"/>
-      <a:lightRig rig="threePt" dir="t"/>
-    </dgm:scene3d>
-    <dgm:sp3d/>
-    <dgm:txPr/>
-    <dgm:style>
-      <a:lnRef idx="2">
-        <a:scrgbClr r="0" g="0" b="0"/>
-      </a:lnRef>
-      <a:fillRef idx="1">
-        <a:scrgbClr r="0" g="0" b="0"/>
-      </a:fillRef>
-      <a:effectRef idx="0">
-        <a:scrgbClr r="0" g="0" b="0"/>
-      </a:effectRef>
-      <a:fontRef idx="minor"/>
-    </dgm:style>
-  </dgm:styleLbl>
-  <dgm:styleLbl name="fgAcc4">
-    <dgm:scene3d>
-      <a:camera prst="orthographicFront"/>
-      <a:lightRig rig="threePt" dir="t"/>
-    </dgm:scene3d>
-    <dgm:sp3d/>
-    <dgm:txPr/>
-    <dgm:style>
-      <a:lnRef idx="2">
-        <a:scrgbClr r="0" g="0" b="0"/>
-      </a:lnRef>
-      <a:fillRef idx="1">
-        <a:scrgbClr r="0" g="0" b="0"/>
-      </a:fillRef>
-      <a:effectRef idx="0">
-        <a:scrgbClr r="0" g="0" b="0"/>
-      </a:effectRef>
-      <a:fontRef idx="minor"/>
-    </dgm:style>
-  </dgm:styleLbl>
-  <dgm:styleLbl name="bgShp">
-    <dgm:scene3d>
-      <a:camera prst="orthographicFront"/>
-      <a:lightRig rig="threePt" dir="t"/>
-    </dgm:scene3d>
-    <dgm:sp3d/>
-    <dgm:txPr/>
-    <dgm:style>
-      <a:lnRef idx="0">
-        <a:scrgbClr r="0" g="0" b="0"/>
-      </a:lnRef>
-      <a:fillRef idx="1">
-        <a:scrgbClr r="0" g="0" b="0"/>
-      </a:fillRef>
-      <a:effectRef idx="0">
-        <a:scrgbClr r="0" g="0" b="0"/>
-      </a:effectRef>
-      <a:fontRef idx="minor"/>
-    </dgm:style>
-  </dgm:styleLbl>
-  <dgm:styleLbl name="dkBgShp">
-    <dgm:scene3d>
-      <a:camera prst="orthographicFront"/>
-      <a:lightRig rig="threePt" dir="t"/>
-    </dgm:scene3d>
-    <dgm:sp3d/>
-    <dgm:txPr/>
-    <dgm:style>
-      <a:lnRef idx="0">
-        <a:scrgbClr r="0" g="0" b="0"/>
-      </a:lnRef>
-      <a:fillRef idx="1">
-        <a:scrgbClr r="0" g="0" b="0"/>
-      </a:fillRef>
-      <a:effectRef idx="0">
-        <a:scrgbClr r="0" g="0" b="0"/>
-      </a:effectRef>
-      <a:fontRef idx="minor"/>
-    </dgm:style>
-  </dgm:styleLbl>
-  <dgm:styleLbl name="trBgShp">
-    <dgm:scene3d>
-      <a:camera prst="orthographicFront"/>
-      <a:lightRig rig="threePt" dir="t"/>
-    </dgm:scene3d>
-    <dgm:sp3d/>
-    <dgm:txPr/>
-    <dgm:style>
-      <a:lnRef idx="0">
-        <a:scrgbClr r="0" g="0" b="0"/>
-      </a:lnRef>
-      <a:fillRef idx="1">
-        <a:scrgbClr r="0" g="0" b="0"/>
-      </a:fillRef>
-      <a:effectRef idx="0">
-        <a:scrgbClr r="0" g="0" b="0"/>
-      </a:effectRef>
-      <a:fontRef idx="minor"/>
-    </dgm:style>
-  </dgm:styleLbl>
-  <dgm:styleLbl name="fgShp">
-    <dgm:scene3d>
-      <a:camera prst="orthographicFront"/>
-      <a:lightRig rig="threePt" dir="t"/>
-    </dgm:scene3d>
-    <dgm:sp3d/>
-    <dgm:txPr/>
-    <dgm:style>
-      <a:lnRef idx="2">
-        <a:scrgbClr r="0" g="0" b="0"/>
-      </a:lnRef>
-      <a:fillRef idx="1">
-        <a:scrgbClr r="0" g="0" b="0"/>
-      </a:fillRef>
-      <a:effectRef idx="0">
-        <a:scrgbClr r="0" g="0" b="0"/>
-      </a:effectRef>
-      <a:fontRef idx="minor"/>
-    </dgm:style>
-  </dgm:styleLbl>
-  <dgm:styleLbl name="revTx">
-    <dgm:scene3d>
-      <a:camera prst="orthographicFront"/>
-      <a:lightRig rig="threePt" dir="t"/>
-    </dgm:scene3d>
-    <dgm:sp3d/>
-    <dgm:txPr/>
-    <dgm:style>
-      <a:lnRef idx="0">
-        <a:scrgbClr r="0" g="0" b="0"/>
-      </a:lnRef>
-      <a:fillRef idx="0">
-        <a:scrgbClr r="0" g="0" b="0"/>
-      </a:fillRef>
-      <a:effectRef idx="0">
-        <a:scrgbClr r="0" g="0" b="0"/>
-      </a:effectRef>
-      <a:fontRef idx="minor"/>
-    </dgm:style>
-  </dgm:styleLbl>
-</dgm:styleDef>
 </file>
 
 <file path=ppt/slideLayouts/slideLayout1.xml><?xml version="1.0" encoding="utf-8"?>
@@ -3448,7 +624,7 @@
           <a:p>
             <a:fld id="{DC437576-95C7-47E1-B0DE-1E09BD029BD4}" type="datetimeFigureOut">
               <a:rPr kumimoji="1" lang="ja-JP" altLang="en-US" smtClean="0"/>
-              <a:t>2018/7/4</a:t>
+              <a:t>2018/7/6</a:t>
             </a:fld>
             <a:endParaRPr kumimoji="1" lang="ja-JP" altLang="en-US"/>
           </a:p>
@@ -3744,7 +920,7 @@
           <a:p>
             <a:fld id="{DC437576-95C7-47E1-B0DE-1E09BD029BD4}" type="datetimeFigureOut">
               <a:rPr kumimoji="1" lang="ja-JP" altLang="en-US" smtClean="0"/>
-              <a:t>2018/7/4</a:t>
+              <a:t>2018/7/6</a:t>
             </a:fld>
             <a:endParaRPr kumimoji="1" lang="ja-JP" altLang="en-US"/>
           </a:p>
@@ -3992,7 +1168,7 @@
           <a:p>
             <a:fld id="{DC437576-95C7-47E1-B0DE-1E09BD029BD4}" type="datetimeFigureOut">
               <a:rPr kumimoji="1" lang="ja-JP" altLang="en-US" smtClean="0"/>
-              <a:t>2018/7/4</a:t>
+              <a:t>2018/7/6</a:t>
             </a:fld>
             <a:endParaRPr kumimoji="1" lang="ja-JP" altLang="en-US"/>
           </a:p>
@@ -4532,7 +1708,7 @@
           <a:p>
             <a:fld id="{DC437576-95C7-47E1-B0DE-1E09BD029BD4}" type="datetimeFigureOut">
               <a:rPr kumimoji="1" lang="ja-JP" altLang="en-US" smtClean="0"/>
-              <a:t>2018/7/4</a:t>
+              <a:t>2018/7/6</a:t>
             </a:fld>
             <a:endParaRPr kumimoji="1" lang="ja-JP" altLang="en-US"/>
           </a:p>
@@ -4780,7 +1956,7 @@
           <a:p>
             <a:fld id="{DC437576-95C7-47E1-B0DE-1E09BD029BD4}" type="datetimeFigureOut">
               <a:rPr kumimoji="1" lang="ja-JP" altLang="en-US" smtClean="0"/>
-              <a:t>2018/7/4</a:t>
+              <a:t>2018/7/6</a:t>
             </a:fld>
             <a:endParaRPr kumimoji="1" lang="ja-JP" altLang="en-US"/>
           </a:p>
@@ -5312,7 +2488,7 @@
           <a:p>
             <a:fld id="{DC437576-95C7-47E1-B0DE-1E09BD029BD4}" type="datetimeFigureOut">
               <a:rPr kumimoji="1" lang="ja-JP" altLang="en-US" smtClean="0"/>
-              <a:t>2018/7/4</a:t>
+              <a:t>2018/7/6</a:t>
             </a:fld>
             <a:endParaRPr kumimoji="1" lang="ja-JP" altLang="en-US"/>
           </a:p>
@@ -5609,7 +2785,7 @@
           <a:p>
             <a:fld id="{DC437576-95C7-47E1-B0DE-1E09BD029BD4}" type="datetimeFigureOut">
               <a:rPr kumimoji="1" lang="ja-JP" altLang="en-US" smtClean="0"/>
-              <a:t>2018/7/4</a:t>
+              <a:t>2018/7/6</a:t>
             </a:fld>
             <a:endParaRPr kumimoji="1" lang="ja-JP" altLang="en-US"/>
           </a:p>
@@ -5815,7 +2991,7 @@
           <a:p>
             <a:fld id="{DC437576-95C7-47E1-B0DE-1E09BD029BD4}" type="datetimeFigureOut">
               <a:rPr kumimoji="1" lang="ja-JP" altLang="en-US" smtClean="0"/>
-              <a:t>2018/7/4</a:t>
+              <a:t>2018/7/6</a:t>
             </a:fld>
             <a:endParaRPr kumimoji="1" lang="ja-JP" altLang="en-US"/>
           </a:p>
@@ -6027,7 +3203,7 @@
           <a:p>
             <a:fld id="{DC437576-95C7-47E1-B0DE-1E09BD029BD4}" type="datetimeFigureOut">
               <a:rPr kumimoji="1" lang="ja-JP" altLang="en-US" smtClean="0"/>
-              <a:t>2018/7/4</a:t>
+              <a:t>2018/7/6</a:t>
             </a:fld>
             <a:endParaRPr kumimoji="1" lang="ja-JP" altLang="en-US"/>
           </a:p>
@@ -6229,7 +3405,7 @@
           <a:p>
             <a:fld id="{DC437576-95C7-47E1-B0DE-1E09BD029BD4}" type="datetimeFigureOut">
               <a:rPr kumimoji="1" lang="ja-JP" altLang="en-US" smtClean="0"/>
-              <a:t>2018/7/4</a:t>
+              <a:t>2018/7/6</a:t>
             </a:fld>
             <a:endParaRPr kumimoji="1" lang="ja-JP" altLang="en-US"/>
           </a:p>
@@ -6480,7 +3656,7 @@
           <a:p>
             <a:fld id="{DC437576-95C7-47E1-B0DE-1E09BD029BD4}" type="datetimeFigureOut">
               <a:rPr kumimoji="1" lang="ja-JP" altLang="en-US" smtClean="0"/>
-              <a:t>2018/7/4</a:t>
+              <a:t>2018/7/6</a:t>
             </a:fld>
             <a:endParaRPr kumimoji="1" lang="ja-JP" altLang="en-US"/>
           </a:p>
@@ -6841,7 +4017,7 @@
           <a:p>
             <a:fld id="{DC437576-95C7-47E1-B0DE-1E09BD029BD4}" type="datetimeFigureOut">
               <a:rPr kumimoji="1" lang="ja-JP" altLang="en-US" smtClean="0"/>
-              <a:t>2018/7/4</a:t>
+              <a:t>2018/7/6</a:t>
             </a:fld>
             <a:endParaRPr kumimoji="1" lang="ja-JP" altLang="en-US"/>
           </a:p>
@@ -7347,7 +4523,7 @@
           <a:p>
             <a:fld id="{DC437576-95C7-47E1-B0DE-1E09BD029BD4}" type="datetimeFigureOut">
               <a:rPr kumimoji="1" lang="ja-JP" altLang="en-US" smtClean="0"/>
-              <a:t>2018/7/4</a:t>
+              <a:t>2018/7/6</a:t>
             </a:fld>
             <a:endParaRPr kumimoji="1" lang="ja-JP" altLang="en-US"/>
           </a:p>
@@ -7465,7 +4641,7 @@
           <a:p>
             <a:fld id="{DC437576-95C7-47E1-B0DE-1E09BD029BD4}" type="datetimeFigureOut">
               <a:rPr kumimoji="1" lang="ja-JP" altLang="en-US" smtClean="0"/>
-              <a:t>2018/7/4</a:t>
+              <a:t>2018/7/6</a:t>
             </a:fld>
             <a:endParaRPr kumimoji="1" lang="ja-JP" altLang="en-US"/>
           </a:p>
@@ -7560,7 +4736,7 @@
           <a:p>
             <a:fld id="{DC437576-95C7-47E1-B0DE-1E09BD029BD4}" type="datetimeFigureOut">
               <a:rPr kumimoji="1" lang="ja-JP" altLang="en-US" smtClean="0"/>
-              <a:t>2018/7/4</a:t>
+              <a:t>2018/7/6</a:t>
             </a:fld>
             <a:endParaRPr kumimoji="1" lang="ja-JP" altLang="en-US"/>
           </a:p>
@@ -7875,7 +5051,7 @@
           <a:p>
             <a:fld id="{DC437576-95C7-47E1-B0DE-1E09BD029BD4}" type="datetimeFigureOut">
               <a:rPr kumimoji="1" lang="ja-JP" altLang="en-US" smtClean="0"/>
-              <a:t>2018/7/4</a:t>
+              <a:t>2018/7/6</a:t>
             </a:fld>
             <a:endParaRPr kumimoji="1" lang="ja-JP" altLang="en-US"/>
           </a:p>
@@ -8166,7 +5342,7 @@
           <a:p>
             <a:fld id="{DC437576-95C7-47E1-B0DE-1E09BD029BD4}" type="datetimeFigureOut">
               <a:rPr kumimoji="1" lang="ja-JP" altLang="en-US" smtClean="0"/>
-              <a:t>2018/7/4</a:t>
+              <a:t>2018/7/6</a:t>
             </a:fld>
             <a:endParaRPr kumimoji="1" lang="ja-JP" altLang="en-US"/>
           </a:p>
@@ -8728,7 +5904,7 @@
           <a:p>
             <a:fld id="{DC437576-95C7-47E1-B0DE-1E09BD029BD4}" type="datetimeFigureOut">
               <a:rPr kumimoji="1" lang="ja-JP" altLang="en-US" smtClean="0"/>
-              <a:t>2018/7/4</a:t>
+              <a:t>2018/7/6</a:t>
             </a:fld>
             <a:endParaRPr kumimoji="1" lang="ja-JP" altLang="en-US"/>
           </a:p>
@@ -9412,7 +6588,7 @@
 </p:sld>
 </file>
 
-<file path=ppt/slides/slide2.xml><?xml version="1.0" encoding="utf-8"?>
+<file path=ppt/slides/slide10.xml><?xml version="1.0" encoding="utf-8"?>
 <p:sld xmlns:a="http://schemas.openxmlformats.org/drawingml/2006/main" xmlns:r="http://schemas.openxmlformats.org/officeDocument/2006/relationships" xmlns:p="http://schemas.openxmlformats.org/presentationml/2006/main">
   <p:cSld>
     <p:spTree>
@@ -9437,8 +6613,8 @@
         </p:nvSpPr>
         <p:spPr>
           <a:xfrm>
-            <a:off x="0" y="419100"/>
-            <a:ext cx="3086100" cy="1133475"/>
+            <a:off x="-1" y="419100"/>
+            <a:ext cx="3843867" cy="1133475"/>
           </a:xfrm>
           <a:prstGeom prst="homePlate">
             <a:avLst/>
@@ -9464,23 +6640,83 @@
           <a:p>
             <a:pPr algn="ctr"/>
             <a:r>
-              <a:rPr lang="ja-JP" altLang="en-US" sz="3600" dirty="0"/>
-              <a:t>内容</a:t>
+              <a:rPr lang="ja-JP" altLang="en-US" sz="3600" dirty="0" smtClean="0"/>
+              <a:t>ハノイの塔</a:t>
             </a:r>
             <a:endParaRPr kumimoji="1" lang="en-US" altLang="ja-JP" sz="3600" dirty="0" smtClean="0"/>
           </a:p>
         </p:txBody>
       </p:sp>
-      <p:sp>
-        <p:nvSpPr>
-          <p:cNvPr id="3" name="テキスト ボックス 2"/>
+      <p:pic>
+        <p:nvPicPr>
+          <p:cNvPr id="6" name="図 5"/>
+          <p:cNvPicPr>
+            <a:picLocks noChangeAspect="1"/>
+          </p:cNvPicPr>
+          <p:nvPr/>
+        </p:nvPicPr>
+        <p:blipFill>
+          <a:blip r:embed="rId2">
+            <a:extLst>
+              <a:ext uri="{28A0092B-C50C-407E-A947-70E740481C1C}">
+                <a14:useLocalDpi xmlns:a14="http://schemas.microsoft.com/office/drawing/2010/main" val="0"/>
+              </a:ext>
+            </a:extLst>
+          </a:blip>
+          <a:stretch>
+            <a:fillRect/>
+          </a:stretch>
+        </p:blipFill>
+        <p:spPr>
+          <a:xfrm>
+            <a:off x="1710267" y="2145027"/>
+            <a:ext cx="3778779" cy="2873060"/>
+          </a:xfrm>
+          <a:prstGeom prst="rect">
+            <a:avLst/>
+          </a:prstGeom>
+        </p:spPr>
+      </p:pic>
+      <p:pic>
+        <p:nvPicPr>
+          <p:cNvPr id="7" name="図 6"/>
+          <p:cNvPicPr>
+            <a:picLocks noChangeAspect="1"/>
+          </p:cNvPicPr>
+          <p:nvPr/>
+        </p:nvPicPr>
+        <p:blipFill>
+          <a:blip r:embed="rId3">
+            <a:extLst>
+              <a:ext uri="{28A0092B-C50C-407E-A947-70E740481C1C}">
+                <a14:useLocalDpi xmlns:a14="http://schemas.microsoft.com/office/drawing/2010/main" val="0"/>
+              </a:ext>
+            </a:extLst>
+          </a:blip>
+          <a:stretch>
+            <a:fillRect/>
+          </a:stretch>
+        </p:blipFill>
+        <p:spPr>
+          <a:xfrm>
+            <a:off x="6855761" y="2145027"/>
+            <a:ext cx="3858324" cy="2873060"/>
+          </a:xfrm>
+          <a:prstGeom prst="rect">
+            <a:avLst/>
+          </a:prstGeom>
+        </p:spPr>
+      </p:pic>
+      <p:sp>
+        <p:nvSpPr>
+          <p:cNvPr id="8" name="テキスト ボックス 7"/>
           <p:cNvSpPr txBox="1"/>
           <p:nvPr/>
         </p:nvSpPr>
         <p:spPr>
           <a:xfrm>
-            <a:off x="935831" y="3044280"/>
-            <a:ext cx="10858902" cy="769441"/>
+            <a:off x="2168789" y="5610539"/>
+            <a:ext cx="2861733" cy="830997"/>
           </a:xfrm>
           <a:prstGeom prst="rect">
             <a:avLst/>
@@ -9494,29 +6730,92 @@
           <a:lstStyle/>
           <a:p>
             <a:r>
-              <a:rPr lang="ja-JP" altLang="en-US" sz="4400" dirty="0">
-                <a:latin typeface="07ラノベPOP" panose="02000800000000000000" pitchFamily="50" charset="-128"/>
-                <a:ea typeface="07ラノベPOP" panose="02000800000000000000" pitchFamily="50" charset="-128"/>
+              <a:rPr kumimoji="1" lang="ja-JP" altLang="en-US" sz="4800" dirty="0" smtClean="0"/>
+              <a:t>クリア前</a:t>
+            </a:r>
+            <a:endParaRPr kumimoji="1" lang="ja-JP" altLang="en-US" sz="4800" dirty="0"/>
+          </a:p>
+        </p:txBody>
+      </p:sp>
+      <p:sp>
+        <p:nvSpPr>
+          <p:cNvPr id="9" name="テキスト ボックス 8"/>
+          <p:cNvSpPr txBox="1"/>
+          <p:nvPr/>
+        </p:nvSpPr>
+        <p:spPr>
+          <a:xfrm>
+            <a:off x="7354056" y="5441206"/>
+            <a:ext cx="2861733" cy="830997"/>
+          </a:xfrm>
+          <a:prstGeom prst="rect">
+            <a:avLst/>
+          </a:prstGeom>
+          <a:noFill/>
+        </p:spPr>
+        <p:txBody>
+          <a:bodyPr wrap="square" rtlCol="0">
+            <a:spAutoFit/>
+          </a:bodyPr>
+          <a:lstStyle/>
+          <a:p>
+            <a:r>
+              <a:rPr kumimoji="1" lang="ja-JP" altLang="en-US" sz="4800" dirty="0" smtClean="0"/>
+              <a:t>クリア後</a:t>
+            </a:r>
+            <a:endParaRPr kumimoji="1" lang="ja-JP" altLang="en-US" sz="4800" dirty="0"/>
+          </a:p>
+        </p:txBody>
+      </p:sp>
+      <p:sp>
+        <p:nvSpPr>
+          <p:cNvPr id="10" name="テキスト ボックス 9"/>
+          <p:cNvSpPr txBox="1"/>
+          <p:nvPr/>
+        </p:nvSpPr>
+        <p:spPr>
+          <a:xfrm>
+            <a:off x="3843866" y="196166"/>
+            <a:ext cx="8348134" cy="1569660"/>
+          </a:xfrm>
+          <a:prstGeom prst="rect">
+            <a:avLst/>
+          </a:prstGeom>
+          <a:noFill/>
+        </p:spPr>
+        <p:txBody>
+          <a:bodyPr wrap="square" rtlCol="0">
+            <a:spAutoFit/>
+          </a:bodyPr>
+          <a:lstStyle/>
+          <a:p>
+            <a:r>
+              <a:rPr kumimoji="1" lang="ja-JP" altLang="en-US" sz="3200" dirty="0" smtClean="0"/>
+              <a:t>クリアすると何も書いていない紙が出現し取得できる</a:t>
+            </a:r>
+            <a:endParaRPr kumimoji="1" lang="en-US" altLang="ja-JP" sz="3200" dirty="0" smtClean="0"/>
+          </a:p>
+          <a:p>
+            <a:r>
+              <a:rPr lang="en-US" altLang="ja-JP" sz="3200" b="1" dirty="0" smtClean="0">
+                <a:solidFill>
+                  <a:srgbClr val="FF0000"/>
+                </a:solidFill>
               </a:rPr>
-              <a:t>念写</a:t>
-            </a:r>
-            <a:r>
-              <a:rPr kumimoji="1" lang="ja-JP" altLang="en-US" sz="4400" dirty="0" smtClean="0">
-                <a:latin typeface="07ラノベPOP" panose="02000800000000000000" pitchFamily="50" charset="-128"/>
-                <a:ea typeface="07ラノベPOP" panose="02000800000000000000" pitchFamily="50" charset="-128"/>
+              <a:t>※</a:t>
+            </a:r>
+            <a:r>
+              <a:rPr lang="ja-JP" altLang="en-US" sz="3200" b="1" dirty="0" smtClean="0">
+                <a:solidFill>
+                  <a:srgbClr val="FF0000"/>
+                </a:solidFill>
               </a:rPr>
-              <a:t>を使って部屋から脱出する</a:t>
-            </a:r>
-            <a:r>
-              <a:rPr lang="ja-JP" altLang="en-US" sz="4400" dirty="0" smtClean="0">
-                <a:latin typeface="07ラノベPOP" panose="02000800000000000000" pitchFamily="50" charset="-128"/>
-                <a:ea typeface="07ラノベPOP" panose="02000800000000000000" pitchFamily="50" charset="-128"/>
-              </a:rPr>
-              <a:t>ゲーム</a:t>
-            </a:r>
-            <a:endParaRPr kumimoji="1" lang="ja-JP" altLang="en-US" sz="4400" dirty="0">
-              <a:latin typeface="07ラノベPOP" panose="02000800000000000000" pitchFamily="50" charset="-128"/>
-              <a:ea typeface="07ラノベPOP" panose="02000800000000000000" pitchFamily="50" charset="-128"/>
+              <a:t>クリア後ハノイの塔にはアクセスできない</a:t>
+            </a:r>
+            <a:endParaRPr kumimoji="1" lang="ja-JP" altLang="en-US" sz="3200" b="1" dirty="0">
+              <a:solidFill>
+                <a:srgbClr val="FF0000"/>
+              </a:solidFill>
             </a:endParaRPr>
           </a:p>
         </p:txBody>
@@ -9524,114 +6823,24 @@
     </p:spTree>
     <p:extLst>
       <p:ext uri="{BB962C8B-B14F-4D97-AF65-F5344CB8AC3E}">
-        <p14:creationId xmlns:p14="http://schemas.microsoft.com/office/powerpoint/2010/main" val="3288934698"/>
+        <p14:creationId xmlns:p14="http://schemas.microsoft.com/office/powerpoint/2010/main" val="4182744723"/>
       </p:ext>
     </p:extLst>
   </p:cSld>
   <p:clrMapOvr>
     <a:masterClrMapping/>
   </p:clrMapOvr>
-  <mc:AlternateContent xmlns:mc="http://schemas.openxmlformats.org/markup-compatibility/2006" xmlns:p14="http://schemas.microsoft.com/office/powerpoint/2010/main">
-    <mc:Choice Requires="p14">
-      <p:transition spd="slow" p14:dur="2000"/>
-    </mc:Choice>
-    <mc:Fallback xmlns="">
-      <p:transition spd="slow"/>
-    </mc:Fallback>
-  </mc:AlternateContent>
   <p:timing>
     <p:tnLst>
       <p:par>
-        <p:cTn id="1" dur="indefinite" restart="never" nodeType="tmRoot">
-          <p:childTnLst>
-            <p:seq concurrent="1" nextAc="seek">
-              <p:cTn id="2" dur="indefinite" nodeType="mainSeq">
-                <p:childTnLst>
-                  <p:par>
-                    <p:cTn id="3" fill="hold">
-                      <p:stCondLst>
-                        <p:cond delay="indefinite"/>
-                        <p:cond evt="onBegin" delay="0">
-                          <p:tn val="2"/>
-                        </p:cond>
-                      </p:stCondLst>
-                      <p:childTnLst>
-                        <p:par>
-                          <p:cTn id="4" fill="hold">
-                            <p:stCondLst>
-                              <p:cond delay="0"/>
-                            </p:stCondLst>
-                            <p:childTnLst>
-                              <p:par>
-                                <p:cTn id="5" presetID="14" presetClass="entr" presetSubtype="10" fill="hold" grpId="0" nodeType="withEffect">
-                                  <p:stCondLst>
-                                    <p:cond delay="0"/>
-                                  </p:stCondLst>
-                                  <p:childTnLst>
-                                    <p:set>
-                                      <p:cBhvr>
-                                        <p:cTn id="6" dur="1" fill="hold">
-                                          <p:stCondLst>
-                                            <p:cond delay="0"/>
-                                          </p:stCondLst>
-                                        </p:cTn>
-                                        <p:tgtEl>
-                                          <p:spTgt spid="3"/>
-                                        </p:tgtEl>
-                                        <p:attrNameLst>
-                                          <p:attrName>style.visibility</p:attrName>
-                                        </p:attrNameLst>
-                                      </p:cBhvr>
-                                      <p:to>
-                                        <p:strVal val="visible"/>
-                                      </p:to>
-                                    </p:set>
-                                    <p:animEffect transition="in" filter="randombar(horizontal)">
-                                      <p:cBhvr>
-                                        <p:cTn id="7" dur="500"/>
-                                        <p:tgtEl>
-                                          <p:spTgt spid="3"/>
-                                        </p:tgtEl>
-                                      </p:cBhvr>
-                                    </p:animEffect>
-                                  </p:childTnLst>
-                                </p:cTn>
-                              </p:par>
-                            </p:childTnLst>
-                          </p:cTn>
-                        </p:par>
-                      </p:childTnLst>
-                    </p:cTn>
-                  </p:par>
-                </p:childTnLst>
-              </p:cTn>
-              <p:prevCondLst>
-                <p:cond evt="onPrev" delay="0">
-                  <p:tgtEl>
-                    <p:sldTgt/>
-                  </p:tgtEl>
-                </p:cond>
-              </p:prevCondLst>
-              <p:nextCondLst>
-                <p:cond evt="onNext" delay="0">
-                  <p:tgtEl>
-                    <p:sldTgt/>
-                  </p:tgtEl>
-                </p:cond>
-              </p:nextCondLst>
-            </p:seq>
-          </p:childTnLst>
-        </p:cTn>
+        <p:cTn id="1" dur="indefinite" restart="never" nodeType="tmRoot"/>
       </p:par>
     </p:tnLst>
-    <p:bldLst>
-      <p:bldP spid="3" grpId="0"/>
-    </p:bldLst>
   </p:timing>
 </p:sld>
 </file>
 
-<file path=ppt/slides/slide3.xml><?xml version="1.0" encoding="utf-8"?>
+<file path=ppt/slides/slide11.xml><?xml version="1.0" encoding="utf-8"?>
 <p:sld xmlns:a="http://schemas.openxmlformats.org/drawingml/2006/main" xmlns:r="http://schemas.openxmlformats.org/officeDocument/2006/relationships" xmlns:p="http://schemas.openxmlformats.org/presentationml/2006/main">
   <p:cSld>
     <p:spTree>
@@ -9657,7 +6866,7 @@
         <p:spPr>
           <a:xfrm>
             <a:off x="-1" y="419100"/>
-            <a:ext cx="4360333" cy="1133475"/>
+            <a:ext cx="4673601" cy="1133475"/>
           </a:xfrm>
           <a:prstGeom prst="homePlate">
             <a:avLst/>
@@ -9684,22 +6893,52 @@
             <a:pPr algn="ctr"/>
             <a:r>
               <a:rPr lang="ja-JP" altLang="en-US" sz="3600" dirty="0" smtClean="0"/>
-              <a:t>ゲームの面白さ</a:t>
+              <a:t>あぶり出しギミック</a:t>
             </a:r>
             <a:endParaRPr kumimoji="1" lang="en-US" altLang="ja-JP" sz="3600" dirty="0" smtClean="0"/>
           </a:p>
         </p:txBody>
       </p:sp>
-      <p:sp>
-        <p:nvSpPr>
-          <p:cNvPr id="3" name="テキスト ボックス 2"/>
+      <p:pic>
+        <p:nvPicPr>
+          <p:cNvPr id="3" name="図 2"/>
+          <p:cNvPicPr>
+            <a:picLocks noChangeAspect="1"/>
+          </p:cNvPicPr>
+          <p:nvPr/>
+        </p:nvPicPr>
+        <p:blipFill>
+          <a:blip r:embed="rId2">
+            <a:extLst>
+              <a:ext uri="{28A0092B-C50C-407E-A947-70E740481C1C}">
+                <a14:useLocalDpi xmlns:a14="http://schemas.microsoft.com/office/drawing/2010/main" val="0"/>
+              </a:ext>
+            </a:extLst>
+          </a:blip>
+          <a:stretch>
+            <a:fillRect/>
+          </a:stretch>
+        </p:blipFill>
+        <p:spPr>
+          <a:xfrm>
+            <a:off x="2336799" y="2291269"/>
+            <a:ext cx="8597900" cy="4138105"/>
+          </a:xfrm>
+          <a:prstGeom prst="rect">
+            <a:avLst/>
+          </a:prstGeom>
+        </p:spPr>
+      </p:pic>
+      <p:sp>
+        <p:nvSpPr>
+          <p:cNvPr id="4" name="テキスト ボックス 3"/>
           <p:cNvSpPr txBox="1"/>
           <p:nvPr/>
         </p:nvSpPr>
         <p:spPr>
           <a:xfrm>
-            <a:off x="1006429" y="2330911"/>
-            <a:ext cx="10956846" cy="1938992"/>
+            <a:off x="4825999" y="419100"/>
+            <a:ext cx="7010400" cy="1569660"/>
           </a:xfrm>
           <a:prstGeom prst="rect">
             <a:avLst/>
@@ -9707,63 +6946,33 @@
           <a:noFill/>
         </p:spPr>
         <p:txBody>
-          <a:bodyPr wrap="none" rtlCol="0">
+          <a:bodyPr wrap="square" rtlCol="0">
             <a:spAutoFit/>
           </a:bodyPr>
           <a:lstStyle/>
           <a:p>
             <a:r>
-              <a:rPr kumimoji="1" lang="ja-JP" altLang="en-US" sz="6000" dirty="0" smtClean="0">
-                <a:latin typeface="07ラノベPOP" panose="02000800000000000000" pitchFamily="50" charset="-128"/>
-                <a:ea typeface="07ラノベPOP" panose="02000800000000000000" pitchFamily="50" charset="-128"/>
-              </a:rPr>
-              <a:t>超能力を使って脱出する新しい</a:t>
-            </a:r>
-            <a:endParaRPr kumimoji="1" lang="en-US" altLang="ja-JP" sz="6000" dirty="0" smtClean="0">
-              <a:latin typeface="07ラノベPOP" panose="02000800000000000000" pitchFamily="50" charset="-128"/>
-              <a:ea typeface="07ラノベPOP" panose="02000800000000000000" pitchFamily="50" charset="-128"/>
-            </a:endParaRPr>
-          </a:p>
-          <a:p>
-            <a:r>
-              <a:rPr lang="ja-JP" altLang="en-US" sz="6000" dirty="0">
-                <a:latin typeface="07ラノベPOP" panose="02000800000000000000" pitchFamily="50" charset="-128"/>
-                <a:ea typeface="07ラノベPOP" panose="02000800000000000000" pitchFamily="50" charset="-128"/>
-              </a:rPr>
-              <a:t>脱出</a:t>
-            </a:r>
-            <a:r>
-              <a:rPr kumimoji="1" lang="ja-JP" altLang="en-US" sz="6000" dirty="0" smtClean="0">
-                <a:latin typeface="07ラノベPOP" panose="02000800000000000000" pitchFamily="50" charset="-128"/>
-                <a:ea typeface="07ラノベPOP" panose="02000800000000000000" pitchFamily="50" charset="-128"/>
-              </a:rPr>
-              <a:t>体験</a:t>
-            </a:r>
-            <a:endParaRPr kumimoji="1" lang="ja-JP" altLang="en-US" sz="6000" dirty="0">
-              <a:latin typeface="07ラノベPOP" panose="02000800000000000000" pitchFamily="50" charset="-128"/>
-              <a:ea typeface="07ラノベPOP" panose="02000800000000000000" pitchFamily="50" charset="-128"/>
-            </a:endParaRPr>
+              <a:rPr lang="ja-JP" altLang="en-US" sz="3200" dirty="0"/>
+              <a:t>ハノイの</a:t>
+            </a:r>
+            <a:r>
+              <a:rPr lang="ja-JP" altLang="en-US" sz="3200" dirty="0" smtClean="0"/>
+              <a:t>塔で取得したアイテムをスフィアに近づけると文字が浮かび上がる</a:t>
+            </a:r>
+            <a:endParaRPr kumimoji="1" lang="ja-JP" altLang="en-US" sz="3200" dirty="0"/>
           </a:p>
         </p:txBody>
       </p:sp>
     </p:spTree>
     <p:extLst>
       <p:ext uri="{BB962C8B-B14F-4D97-AF65-F5344CB8AC3E}">
-        <p14:creationId xmlns:p14="http://schemas.microsoft.com/office/powerpoint/2010/main" val="1111181894"/>
+        <p14:creationId xmlns:p14="http://schemas.microsoft.com/office/powerpoint/2010/main" val="2568964229"/>
       </p:ext>
     </p:extLst>
   </p:cSld>
   <p:clrMapOvr>
     <a:masterClrMapping/>
   </p:clrMapOvr>
-  <mc:AlternateContent xmlns:mc="http://schemas.openxmlformats.org/markup-compatibility/2006" xmlns:p14="http://schemas.microsoft.com/office/powerpoint/2010/main">
-    <mc:Choice Requires="p14">
-      <p:transition spd="slow" p14:dur="2000"/>
-    </mc:Choice>
-    <mc:Fallback xmlns="">
-      <p:transition spd="slow"/>
-    </mc:Fallback>
-  </mc:AlternateContent>
   <p:timing>
     <p:tnLst>
       <p:par>
@@ -9774,7 +6983,7 @@
 </p:sld>
 </file>
 
-<file path=ppt/slides/slide4.xml><?xml version="1.0" encoding="utf-8"?>
+<file path=ppt/slides/slide2.xml><?xml version="1.0" encoding="utf-8"?>
 <p:sld xmlns:a="http://schemas.openxmlformats.org/drawingml/2006/main" xmlns:r="http://schemas.openxmlformats.org/officeDocument/2006/relationships" xmlns:p="http://schemas.openxmlformats.org/presentationml/2006/main">
   <p:cSld>
     <p:spTree>
@@ -9799,8 +7008,8 @@
         </p:nvSpPr>
         <p:spPr>
           <a:xfrm>
-            <a:off x="-1" y="419100"/>
-            <a:ext cx="4667251" cy="1133475"/>
+            <a:off x="0" y="419100"/>
+            <a:ext cx="3086100" cy="1133475"/>
           </a:xfrm>
           <a:prstGeom prst="homePlate">
             <a:avLst/>
@@ -9826,253 +7035,12 @@
           <a:p>
             <a:pPr algn="ctr"/>
             <a:r>
+              <a:rPr lang="ja-JP" altLang="en-US" sz="3600" dirty="0"/>
+              <a:t>プレイヤ</a:t>
+            </a:r>
+            <a:r>
               <a:rPr lang="ja-JP" altLang="en-US" sz="3600" dirty="0" smtClean="0"/>
-              <a:t>遊んでほしいところ</a:t>
-            </a:r>
-            <a:endParaRPr kumimoji="1" lang="en-US" altLang="ja-JP" sz="3600" dirty="0" smtClean="0"/>
-          </a:p>
-        </p:txBody>
-      </p:sp>
-      <p:sp>
-        <p:nvSpPr>
-          <p:cNvPr id="3" name="テキスト ボックス 2"/>
-          <p:cNvSpPr txBox="1"/>
-          <p:nvPr/>
-        </p:nvSpPr>
-        <p:spPr>
-          <a:xfrm>
-            <a:off x="2294467" y="2514600"/>
-            <a:ext cx="6955750" cy="2123658"/>
-          </a:xfrm>
-          <a:prstGeom prst="rect">
-            <a:avLst/>
-          </a:prstGeom>
-          <a:noFill/>
-        </p:spPr>
-        <p:txBody>
-          <a:bodyPr wrap="none" rtlCol="0">
-            <a:spAutoFit/>
-          </a:bodyPr>
-          <a:lstStyle/>
-          <a:p>
-            <a:r>
-              <a:rPr kumimoji="1" lang="ja-JP" altLang="en-US" sz="4400" dirty="0" smtClean="0">
-                <a:latin typeface="07ラノベPOP" panose="02000800000000000000" pitchFamily="50" charset="-128"/>
-                <a:ea typeface="07ラノベPOP" panose="02000800000000000000" pitchFamily="50" charset="-128"/>
-              </a:rPr>
-              <a:t>遊んでほしい点は・・・</a:t>
-            </a:r>
-            <a:endParaRPr lang="en-US" altLang="ja-JP" sz="4400" dirty="0">
-              <a:latin typeface="07ラノベPOP" panose="02000800000000000000" pitchFamily="50" charset="-128"/>
-              <a:ea typeface="07ラノベPOP" panose="02000800000000000000" pitchFamily="50" charset="-128"/>
-            </a:endParaRPr>
-          </a:p>
-          <a:p>
-            <a:endParaRPr kumimoji="1" lang="en-US" altLang="ja-JP" sz="4400" dirty="0" smtClean="0">
-              <a:latin typeface="07ラノベPOP" panose="02000800000000000000" pitchFamily="50" charset="-128"/>
-              <a:ea typeface="07ラノベPOP" panose="02000800000000000000" pitchFamily="50" charset="-128"/>
-            </a:endParaRPr>
-          </a:p>
-          <a:p>
-            <a:r>
-              <a:rPr kumimoji="1" lang="ja-JP" altLang="en-US" sz="4400" dirty="0" smtClean="0">
-                <a:solidFill>
-                  <a:srgbClr val="FF0000"/>
-                </a:solidFill>
-                <a:latin typeface="07ラノベPOP" panose="02000800000000000000" pitchFamily="50" charset="-128"/>
-                <a:ea typeface="07ラノベPOP" panose="02000800000000000000" pitchFamily="50" charset="-128"/>
-              </a:rPr>
-              <a:t>“ギミックを解く”</a:t>
-            </a:r>
-            <a:r>
-              <a:rPr kumimoji="1" lang="ja-JP" altLang="en-US" sz="4400" dirty="0" smtClean="0">
-                <a:latin typeface="07ラノベPOP" panose="02000800000000000000" pitchFamily="50" charset="-128"/>
-                <a:ea typeface="07ラノベPOP" panose="02000800000000000000" pitchFamily="50" charset="-128"/>
-              </a:rPr>
-              <a:t>ところ</a:t>
-            </a:r>
-          </a:p>
-        </p:txBody>
-      </p:sp>
-    </p:spTree>
-    <p:extLst>
-      <p:ext uri="{BB962C8B-B14F-4D97-AF65-F5344CB8AC3E}">
-        <p14:creationId xmlns:p14="http://schemas.microsoft.com/office/powerpoint/2010/main" val="2437061075"/>
-      </p:ext>
-    </p:extLst>
-  </p:cSld>
-  <p:clrMapOvr>
-    <a:masterClrMapping/>
-  </p:clrMapOvr>
-  <p:timing>
-    <p:tnLst>
-      <p:par>
-        <p:cTn id="1" dur="indefinite" restart="never" nodeType="tmRoot"/>
-      </p:par>
-    </p:tnLst>
-  </p:timing>
-</p:sld>
-</file>
-
-<file path=ppt/slides/slide5.xml><?xml version="1.0" encoding="utf-8"?>
-<p:sld xmlns:a="http://schemas.openxmlformats.org/drawingml/2006/main" xmlns:r="http://schemas.openxmlformats.org/officeDocument/2006/relationships" xmlns:p="http://schemas.openxmlformats.org/presentationml/2006/main">
-  <p:cSld>
-    <p:spTree>
-      <p:nvGrpSpPr>
-        <p:cNvPr id="1" name=""/>
-        <p:cNvGrpSpPr/>
-        <p:nvPr/>
-      </p:nvGrpSpPr>
-      <p:grpSpPr>
-        <a:xfrm>
-          <a:off x="0" y="0"/>
-          <a:ext cx="0" cy="0"/>
-          <a:chOff x="0" y="0"/>
-          <a:chExt cx="0" cy="0"/>
-        </a:xfrm>
-      </p:grpSpPr>
-      <p:sp>
-        <p:nvSpPr>
-          <p:cNvPr id="2" name="ホームベース 1"/>
-          <p:cNvSpPr/>
-          <p:nvPr/>
-        </p:nvSpPr>
-        <p:spPr>
-          <a:xfrm>
-            <a:off x="-1" y="419100"/>
-            <a:ext cx="4360333" cy="1133475"/>
-          </a:xfrm>
-          <a:prstGeom prst="homePlate">
-            <a:avLst/>
-          </a:prstGeom>
-        </p:spPr>
-        <p:style>
-          <a:lnRef idx="3">
-            <a:schemeClr val="lt1"/>
-          </a:lnRef>
-          <a:fillRef idx="1">
-            <a:schemeClr val="accent2"/>
-          </a:fillRef>
-          <a:effectRef idx="1">
-            <a:schemeClr val="accent2"/>
-          </a:effectRef>
-          <a:fontRef idx="minor">
-            <a:schemeClr val="lt1"/>
-          </a:fontRef>
-        </p:style>
-        <p:txBody>
-          <a:bodyPr rtlCol="0" anchor="ctr"/>
-          <a:lstStyle/>
-          <a:p>
-            <a:pPr algn="ctr"/>
-            <a:r>
-              <a:rPr lang="ja-JP" altLang="en-US" sz="3600" dirty="0" smtClean="0"/>
-              <a:t>流　</a:t>
-            </a:r>
-            <a:r>
-              <a:rPr lang="ja-JP" altLang="en-US" sz="3600" dirty="0" err="1" smtClean="0"/>
-              <a:t>れ</a:t>
-            </a:r>
-            <a:endParaRPr kumimoji="1" lang="en-US" altLang="ja-JP" sz="3600" dirty="0" smtClean="0"/>
-          </a:p>
-        </p:txBody>
-      </p:sp>
-      <p:graphicFrame>
-        <p:nvGraphicFramePr>
-          <p:cNvPr id="4" name="図表 3"/>
-          <p:cNvGraphicFramePr/>
-          <p:nvPr>
-            <p:extLst>
-              <p:ext uri="{D42A27DB-BD31-4B8C-83A1-F6EECF244321}">
-                <p14:modId xmlns:p14="http://schemas.microsoft.com/office/powerpoint/2010/main" val="694766163"/>
-              </p:ext>
-            </p:extLst>
-          </p:nvPr>
-        </p:nvGraphicFramePr>
-        <p:xfrm>
-          <a:off x="2632075" y="833966"/>
-          <a:ext cx="8128000" cy="5418667"/>
-        </p:xfrm>
-        <a:graphic>
-          <a:graphicData uri="http://schemas.openxmlformats.org/drawingml/2006/diagram">
-            <dgm:relIds xmlns:dgm="http://schemas.openxmlformats.org/drawingml/2006/diagram" xmlns:r="http://schemas.openxmlformats.org/officeDocument/2006/relationships" r:dm="rId2" r:lo="rId3" r:qs="rId4" r:cs="rId5"/>
-          </a:graphicData>
-        </a:graphic>
-      </p:graphicFrame>
-    </p:spTree>
-    <p:extLst>
-      <p:ext uri="{BB962C8B-B14F-4D97-AF65-F5344CB8AC3E}">
-        <p14:creationId xmlns:p14="http://schemas.microsoft.com/office/powerpoint/2010/main" val="683157770"/>
-      </p:ext>
-    </p:extLst>
-  </p:cSld>
-  <p:clrMapOvr>
-    <a:masterClrMapping/>
-  </p:clrMapOvr>
-  <p:timing>
-    <p:tnLst>
-      <p:par>
-        <p:cTn id="1" dur="indefinite" restart="never" nodeType="tmRoot"/>
-      </p:par>
-    </p:tnLst>
-  </p:timing>
-</p:sld>
-</file>
-
-<file path=ppt/slides/slide6.xml><?xml version="1.0" encoding="utf-8"?>
-<p:sld xmlns:a="http://schemas.openxmlformats.org/drawingml/2006/main" xmlns:r="http://schemas.openxmlformats.org/officeDocument/2006/relationships" xmlns:p="http://schemas.openxmlformats.org/presentationml/2006/main">
-  <p:cSld>
-    <p:spTree>
-      <p:nvGrpSpPr>
-        <p:cNvPr id="1" name=""/>
-        <p:cNvGrpSpPr/>
-        <p:nvPr/>
-      </p:nvGrpSpPr>
-      <p:grpSpPr>
-        <a:xfrm>
-          <a:off x="0" y="0"/>
-          <a:ext cx="0" cy="0"/>
-          <a:chOff x="0" y="0"/>
-          <a:chExt cx="0" cy="0"/>
-        </a:xfrm>
-      </p:grpSpPr>
-      <p:sp>
-        <p:nvSpPr>
-          <p:cNvPr id="2" name="ホームベース 1"/>
-          <p:cNvSpPr/>
-          <p:nvPr/>
-        </p:nvSpPr>
-        <p:spPr>
-          <a:xfrm>
-            <a:off x="0" y="419100"/>
-            <a:ext cx="3086100" cy="1133475"/>
-          </a:xfrm>
-          <a:prstGeom prst="homePlate">
-            <a:avLst/>
-          </a:prstGeom>
-        </p:spPr>
-        <p:style>
-          <a:lnRef idx="3">
-            <a:schemeClr val="lt1"/>
-          </a:lnRef>
-          <a:fillRef idx="1">
-            <a:schemeClr val="accent2"/>
-          </a:fillRef>
-          <a:effectRef idx="1">
-            <a:schemeClr val="accent2"/>
-          </a:effectRef>
-          <a:fontRef idx="minor">
-            <a:schemeClr val="lt1"/>
-          </a:fontRef>
-        </p:style>
-        <p:txBody>
-          <a:bodyPr rtlCol="0" anchor="ctr"/>
-          <a:lstStyle/>
-          <a:p>
-            <a:pPr algn="ctr"/>
-            <a:r>
-              <a:rPr lang="ja-JP" altLang="en-US" sz="3600" dirty="0" smtClean="0"/>
-              <a:t>操作説明</a:t>
+              <a:t>ー</a:t>
             </a:r>
             <a:endParaRPr kumimoji="1" lang="en-US" altLang="ja-JP" sz="3600" dirty="0" smtClean="0"/>
           </a:p>
@@ -10087,14 +7055,14 @@
           <p:nvPr>
             <p:extLst>
               <p:ext uri="{D42A27DB-BD31-4B8C-83A1-F6EECF244321}">
-                <p14:modId xmlns:p14="http://schemas.microsoft.com/office/powerpoint/2010/main" val="2754387628"/>
+                <p14:modId xmlns:p14="http://schemas.microsoft.com/office/powerpoint/2010/main" val="4255277410"/>
               </p:ext>
             </p:extLst>
           </p:nvPr>
         </p:nvGraphicFramePr>
         <p:xfrm>
-          <a:off x="2900044" y="1762125"/>
-          <a:ext cx="6967856" cy="4038600"/>
+          <a:off x="4555067" y="2253192"/>
+          <a:ext cx="7409391" cy="4038600"/>
         </p:xfrm>
         <a:graphic>
           <a:graphicData uri="http://schemas.openxmlformats.org/drawingml/2006/table">
@@ -10103,8 +7071,8 @@
                 <a:tableStyleId>{5C22544A-7EE6-4342-B048-85BDC9FD1C3A}</a:tableStyleId>
               </a:tblPr>
               <a:tblGrid>
-                <a:gridCol w="3559151"/>
-                <a:gridCol w="3408705"/>
+                <a:gridCol w="3784686"/>
+                <a:gridCol w="3624705"/>
               </a:tblGrid>
               <a:tr h="798844">
                 <a:tc>
@@ -10140,7 +7108,7 @@
                           <a:latin typeface="HGPｺﾞｼｯｸE" panose="020B0900000000000000" pitchFamily="50" charset="-128"/>
                           <a:ea typeface="HGPｺﾞｼｯｸE" panose="020B0900000000000000" pitchFamily="50" charset="-128"/>
                         </a:rPr>
-                        <a:t>キーボード</a:t>
+                        <a:t>キーボード＋マウス</a:t>
                       </a:r>
                       <a:endParaRPr kumimoji="1" lang="ja-JP" altLang="en-US" sz="3200" dirty="0">
                         <a:latin typeface="HGPｺﾞｼｯｸE" panose="020B0900000000000000" pitchFamily="50" charset="-128"/>
@@ -10204,7 +7172,14 @@
                           <a:latin typeface="HGPｺﾞｼｯｸE" panose="020B0900000000000000" pitchFamily="50" charset="-128"/>
                           <a:ea typeface="HGPｺﾞｼｯｸE" panose="020B0900000000000000" pitchFamily="50" charset="-128"/>
                         </a:rPr>
-                        <a:t>念写物を取得する</a:t>
+                        <a:t>アイテムを</a:t>
+                      </a:r>
+                      <a:r>
+                        <a:rPr kumimoji="1" lang="ja-JP" altLang="en-US" sz="3200" dirty="0" smtClean="0">
+                          <a:latin typeface="HGPｺﾞｼｯｸE" panose="020B0900000000000000" pitchFamily="50" charset="-128"/>
+                          <a:ea typeface="HGPｺﾞｼｯｸE" panose="020B0900000000000000" pitchFamily="50" charset="-128"/>
+                        </a:rPr>
+                        <a:t>取得する</a:t>
                       </a:r>
                       <a:endParaRPr kumimoji="1" lang="en-US" altLang="ja-JP" sz="3200" dirty="0" smtClean="0">
                         <a:latin typeface="HGPｺﾞｼｯｸE" panose="020B0900000000000000" pitchFamily="50" charset="-128"/>
@@ -10358,6 +7333,785 @@
           </a:graphicData>
         </a:graphic>
       </p:graphicFrame>
+      <p:sp>
+        <p:nvSpPr>
+          <p:cNvPr id="3" name="テキスト ボックス 2"/>
+          <p:cNvSpPr txBox="1"/>
+          <p:nvPr/>
+        </p:nvSpPr>
+        <p:spPr>
+          <a:xfrm>
+            <a:off x="5012266" y="455620"/>
+            <a:ext cx="4233333" cy="1323439"/>
+          </a:xfrm>
+          <a:prstGeom prst="rect">
+            <a:avLst/>
+          </a:prstGeom>
+          <a:noFill/>
+        </p:spPr>
+        <p:txBody>
+          <a:bodyPr wrap="square" rtlCol="0">
+            <a:spAutoFit/>
+          </a:bodyPr>
+          <a:lstStyle/>
+          <a:p>
+            <a:r>
+              <a:rPr kumimoji="1" lang="en-US" altLang="ja-JP" sz="4000" dirty="0" smtClean="0"/>
+              <a:t>FPS</a:t>
+            </a:r>
+            <a:r>
+              <a:rPr kumimoji="1" lang="ja-JP" altLang="en-US" sz="4000" dirty="0" smtClean="0"/>
+              <a:t>視点</a:t>
+            </a:r>
+            <a:endParaRPr kumimoji="1" lang="en-US" altLang="ja-JP" sz="4000" dirty="0" smtClean="0"/>
+          </a:p>
+          <a:p>
+            <a:r>
+              <a:rPr lang="ja-JP" altLang="en-US" sz="4000" dirty="0"/>
+              <a:t>手</a:t>
+            </a:r>
+            <a:r>
+              <a:rPr lang="ja-JP" altLang="en-US" sz="4000" dirty="0" smtClean="0"/>
+              <a:t>だけ表示する</a:t>
+            </a:r>
+            <a:endParaRPr kumimoji="1" lang="ja-JP" altLang="en-US" sz="4000" dirty="0"/>
+          </a:p>
+        </p:txBody>
+      </p:sp>
+      <p:pic>
+        <p:nvPicPr>
+          <p:cNvPr id="5" name="図 4"/>
+          <p:cNvPicPr>
+            <a:picLocks noChangeAspect="1"/>
+          </p:cNvPicPr>
+          <p:nvPr/>
+        </p:nvPicPr>
+        <p:blipFill>
+          <a:blip r:embed="rId2" cstate="print">
+            <a:extLst>
+              <a:ext uri="{28A0092B-C50C-407E-A947-70E740481C1C}">
+                <a14:useLocalDpi xmlns:a14="http://schemas.microsoft.com/office/drawing/2010/main" val="0"/>
+              </a:ext>
+            </a:extLst>
+          </a:blip>
+          <a:stretch>
+            <a:fillRect/>
+          </a:stretch>
+        </p:blipFill>
+        <p:spPr>
+          <a:xfrm>
+            <a:off x="186266" y="2729360"/>
+            <a:ext cx="3909867" cy="2418373"/>
+          </a:xfrm>
+          <a:prstGeom prst="rect">
+            <a:avLst/>
+          </a:prstGeom>
+        </p:spPr>
+      </p:pic>
+    </p:spTree>
+    <p:extLst>
+      <p:ext uri="{BB962C8B-B14F-4D97-AF65-F5344CB8AC3E}">
+        <p14:creationId xmlns:p14="http://schemas.microsoft.com/office/powerpoint/2010/main" val="3288934698"/>
+      </p:ext>
+    </p:extLst>
+  </p:cSld>
+  <p:clrMapOvr>
+    <a:masterClrMapping/>
+  </p:clrMapOvr>
+  <mc:AlternateContent xmlns:mc="http://schemas.openxmlformats.org/markup-compatibility/2006" xmlns:p14="http://schemas.microsoft.com/office/powerpoint/2010/main">
+    <mc:Choice Requires="p14">
+      <p:transition spd="slow" p14:dur="2000"/>
+    </mc:Choice>
+    <mc:Fallback xmlns="">
+      <p:transition spd="slow"/>
+    </mc:Fallback>
+  </mc:AlternateContent>
+  <p:timing>
+    <p:tnLst>
+      <p:par>
+        <p:cTn id="1" dur="indefinite" restart="never" nodeType="tmRoot"/>
+      </p:par>
+    </p:tnLst>
+  </p:timing>
+</p:sld>
+</file>
+
+<file path=ppt/slides/slide3.xml><?xml version="1.0" encoding="utf-8"?>
+<p:sld xmlns:a="http://schemas.openxmlformats.org/drawingml/2006/main" xmlns:r="http://schemas.openxmlformats.org/officeDocument/2006/relationships" xmlns:p="http://schemas.openxmlformats.org/presentationml/2006/main">
+  <p:cSld>
+    <p:spTree>
+      <p:nvGrpSpPr>
+        <p:cNvPr id="1" name=""/>
+        <p:cNvGrpSpPr/>
+        <p:nvPr/>
+      </p:nvGrpSpPr>
+      <p:grpSpPr>
+        <a:xfrm>
+          <a:off x="0" y="0"/>
+          <a:ext cx="0" cy="0"/>
+          <a:chOff x="0" y="0"/>
+          <a:chExt cx="0" cy="0"/>
+        </a:xfrm>
+      </p:grpSpPr>
+      <p:sp>
+        <p:nvSpPr>
+          <p:cNvPr id="2" name="ホームベース 1"/>
+          <p:cNvSpPr/>
+          <p:nvPr/>
+        </p:nvSpPr>
+        <p:spPr>
+          <a:xfrm>
+            <a:off x="-1" y="419100"/>
+            <a:ext cx="4667251" cy="1133475"/>
+          </a:xfrm>
+          <a:prstGeom prst="homePlate">
+            <a:avLst/>
+          </a:prstGeom>
+        </p:spPr>
+        <p:style>
+          <a:lnRef idx="3">
+            <a:schemeClr val="lt1"/>
+          </a:lnRef>
+          <a:fillRef idx="1">
+            <a:schemeClr val="accent2"/>
+          </a:fillRef>
+          <a:effectRef idx="1">
+            <a:schemeClr val="accent2"/>
+          </a:effectRef>
+          <a:fontRef idx="minor">
+            <a:schemeClr val="lt1"/>
+          </a:fontRef>
+        </p:style>
+        <p:txBody>
+          <a:bodyPr rtlCol="0" anchor="ctr"/>
+          <a:lstStyle/>
+          <a:p>
+            <a:pPr algn="ctr"/>
+            <a:r>
+              <a:rPr lang="ja-JP" altLang="en-US" sz="3600" dirty="0" smtClean="0"/>
+              <a:t>バッグ</a:t>
+            </a:r>
+            <a:endParaRPr kumimoji="1" lang="en-US" altLang="ja-JP" sz="3600" dirty="0" smtClean="0"/>
+          </a:p>
+        </p:txBody>
+      </p:sp>
+      <p:pic>
+        <p:nvPicPr>
+          <p:cNvPr id="4" name="図 3"/>
+          <p:cNvPicPr>
+            <a:picLocks noChangeAspect="1"/>
+          </p:cNvPicPr>
+          <p:nvPr/>
+        </p:nvPicPr>
+        <p:blipFill>
+          <a:blip r:embed="rId2">
+            <a:extLst>
+              <a:ext uri="{28A0092B-C50C-407E-A947-70E740481C1C}">
+                <a14:useLocalDpi xmlns:a14="http://schemas.microsoft.com/office/drawing/2010/main" val="0"/>
+              </a:ext>
+            </a:extLst>
+          </a:blip>
+          <a:stretch>
+            <a:fillRect/>
+          </a:stretch>
+        </p:blipFill>
+        <p:spPr>
+          <a:xfrm>
+            <a:off x="2009775" y="2763308"/>
+            <a:ext cx="2657475" cy="2381250"/>
+          </a:xfrm>
+          <a:prstGeom prst="rect">
+            <a:avLst/>
+          </a:prstGeom>
+        </p:spPr>
+      </p:pic>
+      <p:sp>
+        <p:nvSpPr>
+          <p:cNvPr id="5" name="テキスト ボックス 4"/>
+          <p:cNvSpPr txBox="1"/>
+          <p:nvPr/>
+        </p:nvSpPr>
+        <p:spPr>
+          <a:xfrm>
+            <a:off x="5452533" y="3169103"/>
+            <a:ext cx="6468534" cy="1754326"/>
+          </a:xfrm>
+          <a:prstGeom prst="rect">
+            <a:avLst/>
+          </a:prstGeom>
+          <a:noFill/>
+        </p:spPr>
+        <p:txBody>
+          <a:bodyPr wrap="square" rtlCol="0">
+            <a:spAutoFit/>
+          </a:bodyPr>
+          <a:lstStyle/>
+          <a:p>
+            <a:r>
+              <a:rPr lang="ja-JP" altLang="en-US" sz="5400" dirty="0" smtClean="0"/>
+              <a:t>左</a:t>
+            </a:r>
+            <a:r>
+              <a:rPr lang="ja-JP" altLang="en-US" sz="5400" dirty="0"/>
+              <a:t>クリック</a:t>
+            </a:r>
+            <a:r>
+              <a:rPr lang="ja-JP" altLang="en-US" sz="5400" dirty="0" smtClean="0"/>
+              <a:t>でバッグが開く</a:t>
+            </a:r>
+            <a:endParaRPr kumimoji="1" lang="ja-JP" altLang="en-US" sz="5400" dirty="0"/>
+          </a:p>
+        </p:txBody>
+      </p:sp>
+    </p:spTree>
+    <p:extLst>
+      <p:ext uri="{BB962C8B-B14F-4D97-AF65-F5344CB8AC3E}">
+        <p14:creationId xmlns:p14="http://schemas.microsoft.com/office/powerpoint/2010/main" val="2437061075"/>
+      </p:ext>
+    </p:extLst>
+  </p:cSld>
+  <p:clrMapOvr>
+    <a:masterClrMapping/>
+  </p:clrMapOvr>
+  <p:timing>
+    <p:tnLst>
+      <p:par>
+        <p:cTn id="1" dur="indefinite" restart="never" nodeType="tmRoot"/>
+      </p:par>
+    </p:tnLst>
+  </p:timing>
+</p:sld>
+</file>
+
+<file path=ppt/slides/slide4.xml><?xml version="1.0" encoding="utf-8"?>
+<p:sld xmlns:a="http://schemas.openxmlformats.org/drawingml/2006/main" xmlns:r="http://schemas.openxmlformats.org/officeDocument/2006/relationships" xmlns:p="http://schemas.openxmlformats.org/presentationml/2006/main">
+  <p:cSld>
+    <p:spTree>
+      <p:nvGrpSpPr>
+        <p:cNvPr id="1" name=""/>
+        <p:cNvGrpSpPr/>
+        <p:nvPr/>
+      </p:nvGrpSpPr>
+      <p:grpSpPr>
+        <a:xfrm>
+          <a:off x="0" y="0"/>
+          <a:ext cx="0" cy="0"/>
+          <a:chOff x="0" y="0"/>
+          <a:chExt cx="0" cy="0"/>
+        </a:xfrm>
+      </p:grpSpPr>
+      <p:sp>
+        <p:nvSpPr>
+          <p:cNvPr id="2" name="ホームベース 1"/>
+          <p:cNvSpPr/>
+          <p:nvPr/>
+        </p:nvSpPr>
+        <p:spPr>
+          <a:xfrm>
+            <a:off x="-1" y="419100"/>
+            <a:ext cx="4360333" cy="1133475"/>
+          </a:xfrm>
+          <a:prstGeom prst="homePlate">
+            <a:avLst/>
+          </a:prstGeom>
+        </p:spPr>
+        <p:style>
+          <a:lnRef idx="3">
+            <a:schemeClr val="lt1"/>
+          </a:lnRef>
+          <a:fillRef idx="1">
+            <a:schemeClr val="accent2"/>
+          </a:fillRef>
+          <a:effectRef idx="1">
+            <a:schemeClr val="accent2"/>
+          </a:effectRef>
+          <a:fontRef idx="minor">
+            <a:schemeClr val="lt1"/>
+          </a:fontRef>
+        </p:style>
+        <p:txBody>
+          <a:bodyPr rtlCol="0" anchor="ctr"/>
+          <a:lstStyle/>
+          <a:p>
+            <a:pPr algn="ctr"/>
+            <a:r>
+              <a:rPr lang="ja-JP" altLang="en-US" sz="3600" dirty="0" smtClean="0"/>
+              <a:t>バッグ</a:t>
+            </a:r>
+            <a:endParaRPr kumimoji="1" lang="en-US" altLang="ja-JP" sz="3600" dirty="0" smtClean="0"/>
+          </a:p>
+        </p:txBody>
+      </p:sp>
+      <p:pic>
+        <p:nvPicPr>
+          <p:cNvPr id="3" name="図 2"/>
+          <p:cNvPicPr>
+            <a:picLocks noChangeAspect="1"/>
+          </p:cNvPicPr>
+          <p:nvPr/>
+        </p:nvPicPr>
+        <p:blipFill>
+          <a:blip r:embed="rId2" cstate="print">
+            <a:extLst>
+              <a:ext uri="{28A0092B-C50C-407E-A947-70E740481C1C}">
+                <a14:useLocalDpi xmlns:a14="http://schemas.microsoft.com/office/drawing/2010/main" val="0"/>
+              </a:ext>
+            </a:extLst>
+          </a:blip>
+          <a:stretch>
+            <a:fillRect/>
+          </a:stretch>
+        </p:blipFill>
+        <p:spPr>
+          <a:xfrm>
+            <a:off x="6790268" y="1787695"/>
+            <a:ext cx="3741768" cy="2191638"/>
+          </a:xfrm>
+          <a:prstGeom prst="rect">
+            <a:avLst/>
+          </a:prstGeom>
+        </p:spPr>
+      </p:pic>
+      <p:pic>
+        <p:nvPicPr>
+          <p:cNvPr id="5" name="図 4"/>
+          <p:cNvPicPr>
+            <a:picLocks noChangeAspect="1"/>
+          </p:cNvPicPr>
+          <p:nvPr/>
+        </p:nvPicPr>
+        <p:blipFill>
+          <a:blip r:embed="rId3" cstate="print">
+            <a:extLst>
+              <a:ext uri="{28A0092B-C50C-407E-A947-70E740481C1C}">
+                <a14:useLocalDpi xmlns:a14="http://schemas.microsoft.com/office/drawing/2010/main" val="0"/>
+              </a:ext>
+            </a:extLst>
+          </a:blip>
+          <a:stretch>
+            <a:fillRect/>
+          </a:stretch>
+        </p:blipFill>
+        <p:spPr>
+          <a:xfrm>
+            <a:off x="1507066" y="1787695"/>
+            <a:ext cx="3659101" cy="2191638"/>
+          </a:xfrm>
+          <a:prstGeom prst="rect">
+            <a:avLst/>
+          </a:prstGeom>
+        </p:spPr>
+      </p:pic>
+      <p:sp>
+        <p:nvSpPr>
+          <p:cNvPr id="6" name="テキスト ボックス 5"/>
+          <p:cNvSpPr txBox="1"/>
+          <p:nvPr/>
+        </p:nvSpPr>
+        <p:spPr>
+          <a:xfrm>
+            <a:off x="1668682" y="4690533"/>
+            <a:ext cx="3335867" cy="769441"/>
+          </a:xfrm>
+          <a:prstGeom prst="rect">
+            <a:avLst/>
+          </a:prstGeom>
+          <a:noFill/>
+        </p:spPr>
+        <p:txBody>
+          <a:bodyPr wrap="square" rtlCol="0">
+            <a:spAutoFit/>
+          </a:bodyPr>
+          <a:lstStyle/>
+          <a:p>
+            <a:r>
+              <a:rPr kumimoji="1" lang="ja-JP" altLang="en-US" sz="4400" dirty="0" smtClean="0"/>
+              <a:t>何もない時</a:t>
+            </a:r>
+            <a:endParaRPr kumimoji="1" lang="ja-JP" altLang="en-US" sz="4400" dirty="0"/>
+          </a:p>
+        </p:txBody>
+      </p:sp>
+      <p:sp>
+        <p:nvSpPr>
+          <p:cNvPr id="7" name="テキスト ボックス 6"/>
+          <p:cNvSpPr txBox="1"/>
+          <p:nvPr/>
+        </p:nvSpPr>
+        <p:spPr>
+          <a:xfrm>
+            <a:off x="6790268" y="4690532"/>
+            <a:ext cx="4165599" cy="1446550"/>
+          </a:xfrm>
+          <a:prstGeom prst="rect">
+            <a:avLst/>
+          </a:prstGeom>
+          <a:noFill/>
+        </p:spPr>
+        <p:txBody>
+          <a:bodyPr wrap="square" rtlCol="0">
+            <a:spAutoFit/>
+          </a:bodyPr>
+          <a:lstStyle/>
+          <a:p>
+            <a:r>
+              <a:rPr lang="ja-JP" altLang="en-US" sz="4400" dirty="0"/>
+              <a:t>アイテム</a:t>
+            </a:r>
+            <a:r>
+              <a:rPr lang="ja-JP" altLang="en-US" sz="4400" dirty="0" smtClean="0"/>
+              <a:t>が入っているとき</a:t>
+            </a:r>
+            <a:endParaRPr kumimoji="1" lang="ja-JP" altLang="en-US" sz="4400" dirty="0"/>
+          </a:p>
+        </p:txBody>
+      </p:sp>
+    </p:spTree>
+    <p:extLst>
+      <p:ext uri="{BB962C8B-B14F-4D97-AF65-F5344CB8AC3E}">
+        <p14:creationId xmlns:p14="http://schemas.microsoft.com/office/powerpoint/2010/main" val="683157770"/>
+      </p:ext>
+    </p:extLst>
+  </p:cSld>
+  <p:clrMapOvr>
+    <a:masterClrMapping/>
+  </p:clrMapOvr>
+  <p:timing>
+    <p:tnLst>
+      <p:par>
+        <p:cTn id="1" dur="indefinite" restart="never" nodeType="tmRoot"/>
+      </p:par>
+    </p:tnLst>
+  </p:timing>
+</p:sld>
+</file>
+
+<file path=ppt/slides/slide5.xml><?xml version="1.0" encoding="utf-8"?>
+<p:sld xmlns:a="http://schemas.openxmlformats.org/drawingml/2006/main" xmlns:r="http://schemas.openxmlformats.org/officeDocument/2006/relationships" xmlns:p="http://schemas.openxmlformats.org/presentationml/2006/main">
+  <p:cSld>
+    <p:spTree>
+      <p:nvGrpSpPr>
+        <p:cNvPr id="1" name=""/>
+        <p:cNvGrpSpPr/>
+        <p:nvPr/>
+      </p:nvGrpSpPr>
+      <p:grpSpPr>
+        <a:xfrm>
+          <a:off x="0" y="0"/>
+          <a:ext cx="0" cy="0"/>
+          <a:chOff x="0" y="0"/>
+          <a:chExt cx="0" cy="0"/>
+        </a:xfrm>
+      </p:grpSpPr>
+      <p:sp>
+        <p:nvSpPr>
+          <p:cNvPr id="2" name="ホームベース 1"/>
+          <p:cNvSpPr/>
+          <p:nvPr/>
+        </p:nvSpPr>
+        <p:spPr>
+          <a:xfrm>
+            <a:off x="-1" y="419100"/>
+            <a:ext cx="4360333" cy="1133475"/>
+          </a:xfrm>
+          <a:prstGeom prst="homePlate">
+            <a:avLst/>
+          </a:prstGeom>
+        </p:spPr>
+        <p:style>
+          <a:lnRef idx="3">
+            <a:schemeClr val="lt1"/>
+          </a:lnRef>
+          <a:fillRef idx="1">
+            <a:schemeClr val="accent2"/>
+          </a:fillRef>
+          <a:effectRef idx="1">
+            <a:schemeClr val="accent2"/>
+          </a:effectRef>
+          <a:fontRef idx="minor">
+            <a:schemeClr val="lt1"/>
+          </a:fontRef>
+        </p:style>
+        <p:txBody>
+          <a:bodyPr rtlCol="0" anchor="ctr"/>
+          <a:lstStyle/>
+          <a:p>
+            <a:pPr algn="ctr"/>
+            <a:r>
+              <a:rPr kumimoji="1" lang="ja-JP" altLang="en-US" sz="3600" dirty="0" smtClean="0"/>
+              <a:t>スイッチ</a:t>
+            </a:r>
+            <a:endParaRPr kumimoji="1" lang="en-US" altLang="ja-JP" sz="3600" dirty="0" smtClean="0"/>
+          </a:p>
+        </p:txBody>
+      </p:sp>
+      <p:pic>
+        <p:nvPicPr>
+          <p:cNvPr id="3" name="図 2"/>
+          <p:cNvPicPr>
+            <a:picLocks noChangeAspect="1"/>
+          </p:cNvPicPr>
+          <p:nvPr/>
+        </p:nvPicPr>
+        <p:blipFill>
+          <a:blip r:embed="rId2">
+            <a:extLst>
+              <a:ext uri="{28A0092B-C50C-407E-A947-70E740481C1C}">
+                <a14:useLocalDpi xmlns:a14="http://schemas.microsoft.com/office/drawing/2010/main" val="0"/>
+              </a:ext>
+            </a:extLst>
+          </a:blip>
+          <a:stretch>
+            <a:fillRect/>
+          </a:stretch>
+        </p:blipFill>
+        <p:spPr>
+          <a:xfrm>
+            <a:off x="1798107" y="2013478"/>
+            <a:ext cx="2562225" cy="3609975"/>
+          </a:xfrm>
+          <a:prstGeom prst="rect">
+            <a:avLst/>
+          </a:prstGeom>
+        </p:spPr>
+      </p:pic>
+      <p:sp>
+        <p:nvSpPr>
+          <p:cNvPr id="4" name="テキスト ボックス 3"/>
+          <p:cNvSpPr txBox="1"/>
+          <p:nvPr/>
+        </p:nvSpPr>
+        <p:spPr>
+          <a:xfrm>
+            <a:off x="5012267" y="2664303"/>
+            <a:ext cx="6333066" cy="1569660"/>
+          </a:xfrm>
+          <a:prstGeom prst="rect">
+            <a:avLst/>
+          </a:prstGeom>
+          <a:noFill/>
+        </p:spPr>
+        <p:txBody>
+          <a:bodyPr wrap="square" rtlCol="0">
+            <a:spAutoFit/>
+          </a:bodyPr>
+          <a:lstStyle/>
+          <a:p>
+            <a:r>
+              <a:rPr kumimoji="1" lang="ja-JP" altLang="en-US" sz="4800" dirty="0" smtClean="0"/>
+              <a:t>上に特定のアイテムを念写すると起動する</a:t>
+            </a:r>
+            <a:endParaRPr kumimoji="1" lang="ja-JP" altLang="en-US" sz="4800" dirty="0"/>
+          </a:p>
+        </p:txBody>
+      </p:sp>
+    </p:spTree>
+    <p:extLst>
+      <p:ext uri="{BB962C8B-B14F-4D97-AF65-F5344CB8AC3E}">
+        <p14:creationId xmlns:p14="http://schemas.microsoft.com/office/powerpoint/2010/main" val="1111181894"/>
+      </p:ext>
+    </p:extLst>
+  </p:cSld>
+  <p:clrMapOvr>
+    <a:masterClrMapping/>
+  </p:clrMapOvr>
+  <mc:AlternateContent xmlns:mc="http://schemas.openxmlformats.org/markup-compatibility/2006" xmlns:p14="http://schemas.microsoft.com/office/powerpoint/2010/main">
+    <mc:Choice Requires="p14">
+      <p:transition spd="slow" p14:dur="2000"/>
+    </mc:Choice>
+    <mc:Fallback xmlns="">
+      <p:transition spd="slow"/>
+    </mc:Fallback>
+  </mc:AlternateContent>
+  <p:timing>
+    <p:tnLst>
+      <p:par>
+        <p:cTn id="1" dur="indefinite" restart="never" nodeType="tmRoot"/>
+      </p:par>
+    </p:tnLst>
+  </p:timing>
+</p:sld>
+</file>
+
+<file path=ppt/slides/slide6.xml><?xml version="1.0" encoding="utf-8"?>
+<p:sld xmlns:a="http://schemas.openxmlformats.org/drawingml/2006/main" xmlns:r="http://schemas.openxmlformats.org/officeDocument/2006/relationships" xmlns:p="http://schemas.openxmlformats.org/presentationml/2006/main">
+  <p:cSld>
+    <p:spTree>
+      <p:nvGrpSpPr>
+        <p:cNvPr id="1" name=""/>
+        <p:cNvGrpSpPr/>
+        <p:nvPr/>
+      </p:nvGrpSpPr>
+      <p:grpSpPr>
+        <a:xfrm>
+          <a:off x="0" y="0"/>
+          <a:ext cx="0" cy="0"/>
+          <a:chOff x="0" y="0"/>
+          <a:chExt cx="0" cy="0"/>
+        </a:xfrm>
+      </p:grpSpPr>
+      <p:sp>
+        <p:nvSpPr>
+          <p:cNvPr id="2" name="ホームベース 1"/>
+          <p:cNvSpPr/>
+          <p:nvPr/>
+        </p:nvSpPr>
+        <p:spPr>
+          <a:xfrm>
+            <a:off x="-1" y="419100"/>
+            <a:ext cx="3843867" cy="1133475"/>
+          </a:xfrm>
+          <a:prstGeom prst="homePlate">
+            <a:avLst/>
+          </a:prstGeom>
+        </p:spPr>
+        <p:style>
+          <a:lnRef idx="3">
+            <a:schemeClr val="lt1"/>
+          </a:lnRef>
+          <a:fillRef idx="1">
+            <a:schemeClr val="accent2"/>
+          </a:fillRef>
+          <a:effectRef idx="1">
+            <a:schemeClr val="accent2"/>
+          </a:effectRef>
+          <a:fontRef idx="minor">
+            <a:schemeClr val="lt1"/>
+          </a:fontRef>
+        </p:style>
+        <p:txBody>
+          <a:bodyPr rtlCol="0" anchor="ctr"/>
+          <a:lstStyle/>
+          <a:p>
+            <a:pPr algn="ctr"/>
+            <a:r>
+              <a:rPr lang="ja-JP" altLang="en-US" sz="3600" dirty="0" smtClean="0"/>
+              <a:t>ライトギミック</a:t>
+            </a:r>
+            <a:endParaRPr kumimoji="1" lang="en-US" altLang="ja-JP" sz="3600" dirty="0" smtClean="0"/>
+          </a:p>
+        </p:txBody>
+      </p:sp>
+      <p:pic>
+        <p:nvPicPr>
+          <p:cNvPr id="3" name="図 2"/>
+          <p:cNvPicPr>
+            <a:picLocks noChangeAspect="1"/>
+          </p:cNvPicPr>
+          <p:nvPr/>
+        </p:nvPicPr>
+        <p:blipFill>
+          <a:blip r:embed="rId2" cstate="print">
+            <a:extLst>
+              <a:ext uri="{28A0092B-C50C-407E-A947-70E740481C1C}">
+                <a14:useLocalDpi xmlns:a14="http://schemas.microsoft.com/office/drawing/2010/main" val="0"/>
+              </a:ext>
+            </a:extLst>
+          </a:blip>
+          <a:stretch>
+            <a:fillRect/>
+          </a:stretch>
+        </p:blipFill>
+        <p:spPr>
+          <a:xfrm>
+            <a:off x="1350977" y="2082800"/>
+            <a:ext cx="1781160" cy="2775479"/>
+          </a:xfrm>
+          <a:prstGeom prst="rect">
+            <a:avLst/>
+          </a:prstGeom>
+        </p:spPr>
+      </p:pic>
+      <p:pic>
+        <p:nvPicPr>
+          <p:cNvPr id="5" name="図 4"/>
+          <p:cNvPicPr>
+            <a:picLocks noChangeAspect="1"/>
+          </p:cNvPicPr>
+          <p:nvPr/>
+        </p:nvPicPr>
+        <p:blipFill>
+          <a:blip r:embed="rId3">
+            <a:extLst>
+              <a:ext uri="{28A0092B-C50C-407E-A947-70E740481C1C}">
+                <a14:useLocalDpi xmlns:a14="http://schemas.microsoft.com/office/drawing/2010/main" val="0"/>
+              </a:ext>
+            </a:extLst>
+          </a:blip>
+          <a:stretch>
+            <a:fillRect/>
+          </a:stretch>
+        </p:blipFill>
+        <p:spPr>
+          <a:xfrm>
+            <a:off x="4917972" y="2082271"/>
+            <a:ext cx="2052199" cy="2775479"/>
+          </a:xfrm>
+          <a:prstGeom prst="rect">
+            <a:avLst/>
+          </a:prstGeom>
+        </p:spPr>
+      </p:pic>
+      <p:pic>
+        <p:nvPicPr>
+          <p:cNvPr id="6" name="図 5"/>
+          <p:cNvPicPr>
+            <a:picLocks noChangeAspect="1"/>
+          </p:cNvPicPr>
+          <p:nvPr/>
+        </p:nvPicPr>
+        <p:blipFill>
+          <a:blip r:embed="rId4">
+            <a:extLst>
+              <a:ext uri="{28A0092B-C50C-407E-A947-70E740481C1C}">
+                <a14:useLocalDpi xmlns:a14="http://schemas.microsoft.com/office/drawing/2010/main" val="0"/>
+              </a:ext>
+            </a:extLst>
+          </a:blip>
+          <a:stretch>
+            <a:fillRect/>
+          </a:stretch>
+        </p:blipFill>
+        <p:spPr>
+          <a:xfrm>
+            <a:off x="8710200" y="2082700"/>
+            <a:ext cx="1854613" cy="2775050"/>
+          </a:xfrm>
+          <a:prstGeom prst="rect">
+            <a:avLst/>
+          </a:prstGeom>
+        </p:spPr>
+      </p:pic>
+      <p:sp>
+        <p:nvSpPr>
+          <p:cNvPr id="7" name="テキスト ボックス 6"/>
+          <p:cNvSpPr txBox="1"/>
+          <p:nvPr/>
+        </p:nvSpPr>
+        <p:spPr>
+          <a:xfrm>
+            <a:off x="1341349" y="5266266"/>
+            <a:ext cx="9313333" cy="923330"/>
+          </a:xfrm>
+          <a:prstGeom prst="rect">
+            <a:avLst/>
+          </a:prstGeom>
+          <a:noFill/>
+        </p:spPr>
+        <p:txBody>
+          <a:bodyPr wrap="square" rtlCol="0">
+            <a:spAutoFit/>
+          </a:bodyPr>
+          <a:lstStyle/>
+          <a:p>
+            <a:r>
+              <a:rPr kumimoji="1" lang="ja-JP" altLang="en-US" sz="5400" dirty="0" smtClean="0"/>
+              <a:t>色を取得するためのアイテム</a:t>
+            </a:r>
+            <a:endParaRPr kumimoji="1" lang="ja-JP" altLang="en-US" sz="5400" dirty="0"/>
+          </a:p>
+        </p:txBody>
+      </p:sp>
     </p:spTree>
     <p:extLst>
       <p:ext uri="{BB962C8B-B14F-4D97-AF65-F5344CB8AC3E}">
@@ -10376,6 +8130,573 @@
       <p:transition spd="slow"/>
     </mc:Fallback>
   </mc:AlternateContent>
+  <p:timing>
+    <p:tnLst>
+      <p:par>
+        <p:cTn id="1" dur="indefinite" restart="never" nodeType="tmRoot"/>
+      </p:par>
+    </p:tnLst>
+  </p:timing>
+</p:sld>
+</file>
+
+<file path=ppt/slides/slide7.xml><?xml version="1.0" encoding="utf-8"?>
+<p:sld xmlns:a="http://schemas.openxmlformats.org/drawingml/2006/main" xmlns:r="http://schemas.openxmlformats.org/officeDocument/2006/relationships" xmlns:p="http://schemas.openxmlformats.org/presentationml/2006/main">
+  <p:cSld>
+    <p:spTree>
+      <p:nvGrpSpPr>
+        <p:cNvPr id="1" name=""/>
+        <p:cNvGrpSpPr/>
+        <p:nvPr/>
+      </p:nvGrpSpPr>
+      <p:grpSpPr>
+        <a:xfrm>
+          <a:off x="0" y="0"/>
+          <a:ext cx="0" cy="0"/>
+          <a:chOff x="0" y="0"/>
+          <a:chExt cx="0" cy="0"/>
+        </a:xfrm>
+      </p:grpSpPr>
+      <p:sp>
+        <p:nvSpPr>
+          <p:cNvPr id="2" name="ホームベース 1"/>
+          <p:cNvSpPr/>
+          <p:nvPr/>
+        </p:nvSpPr>
+        <p:spPr>
+          <a:xfrm>
+            <a:off x="-1" y="419100"/>
+            <a:ext cx="3843867" cy="1133475"/>
+          </a:xfrm>
+          <a:prstGeom prst="homePlate">
+            <a:avLst/>
+          </a:prstGeom>
+        </p:spPr>
+        <p:style>
+          <a:lnRef idx="3">
+            <a:schemeClr val="lt1"/>
+          </a:lnRef>
+          <a:fillRef idx="1">
+            <a:schemeClr val="accent2"/>
+          </a:fillRef>
+          <a:effectRef idx="1">
+            <a:schemeClr val="accent2"/>
+          </a:effectRef>
+          <a:fontRef idx="minor">
+            <a:schemeClr val="lt1"/>
+          </a:fontRef>
+        </p:style>
+        <p:txBody>
+          <a:bodyPr rtlCol="0" anchor="ctr"/>
+          <a:lstStyle/>
+          <a:p>
+            <a:pPr algn="ctr"/>
+            <a:r>
+              <a:rPr lang="ja-JP" altLang="en-US" sz="3600" dirty="0" smtClean="0"/>
+              <a:t>ライトギミック</a:t>
+            </a:r>
+            <a:endParaRPr kumimoji="1" lang="en-US" altLang="ja-JP" sz="3600" dirty="0" smtClean="0"/>
+          </a:p>
+        </p:txBody>
+      </p:sp>
+      <p:pic>
+        <p:nvPicPr>
+          <p:cNvPr id="3" name="図 2"/>
+          <p:cNvPicPr>
+            <a:picLocks noChangeAspect="1"/>
+          </p:cNvPicPr>
+          <p:nvPr/>
+        </p:nvPicPr>
+        <p:blipFill>
+          <a:blip r:embed="rId2">
+            <a:extLst>
+              <a:ext uri="{28A0092B-C50C-407E-A947-70E740481C1C}">
+                <a14:useLocalDpi xmlns:a14="http://schemas.microsoft.com/office/drawing/2010/main" val="0"/>
+              </a:ext>
+            </a:extLst>
+          </a:blip>
+          <a:stretch>
+            <a:fillRect/>
+          </a:stretch>
+        </p:blipFill>
+        <p:spPr>
+          <a:xfrm>
+            <a:off x="1363131" y="2145241"/>
+            <a:ext cx="4529667" cy="3114146"/>
+          </a:xfrm>
+          <a:prstGeom prst="rect">
+            <a:avLst/>
+          </a:prstGeom>
+        </p:spPr>
+      </p:pic>
+      <p:sp>
+        <p:nvSpPr>
+          <p:cNvPr id="4" name="テキスト ボックス 3"/>
+          <p:cNvSpPr txBox="1"/>
+          <p:nvPr/>
+        </p:nvSpPr>
+        <p:spPr>
+          <a:xfrm>
+            <a:off x="5232400" y="5503334"/>
+            <a:ext cx="2421467" cy="923330"/>
+          </a:xfrm>
+          <a:prstGeom prst="rect">
+            <a:avLst/>
+          </a:prstGeom>
+          <a:noFill/>
+        </p:spPr>
+        <p:txBody>
+          <a:bodyPr wrap="square" rtlCol="0">
+            <a:spAutoFit/>
+          </a:bodyPr>
+          <a:lstStyle/>
+          <a:p>
+            <a:r>
+              <a:rPr kumimoji="1" lang="ja-JP" altLang="en-US" sz="5400" dirty="0" smtClean="0"/>
+              <a:t>ヒント</a:t>
+            </a:r>
+            <a:endParaRPr kumimoji="1" lang="ja-JP" altLang="en-US" sz="5400" dirty="0"/>
+          </a:p>
+        </p:txBody>
+      </p:sp>
+      <p:pic>
+        <p:nvPicPr>
+          <p:cNvPr id="5" name="図 4"/>
+          <p:cNvPicPr>
+            <a:picLocks noChangeAspect="1"/>
+          </p:cNvPicPr>
+          <p:nvPr/>
+        </p:nvPicPr>
+        <p:blipFill>
+          <a:blip r:embed="rId3">
+            <a:extLst>
+              <a:ext uri="{28A0092B-C50C-407E-A947-70E740481C1C}">
+                <a14:useLocalDpi xmlns:a14="http://schemas.microsoft.com/office/drawing/2010/main" val="0"/>
+              </a:ext>
+            </a:extLst>
+          </a:blip>
+          <a:stretch>
+            <a:fillRect/>
+          </a:stretch>
+        </p:blipFill>
+        <p:spPr>
+          <a:xfrm>
+            <a:off x="6874932" y="2145241"/>
+            <a:ext cx="4961467" cy="586279"/>
+          </a:xfrm>
+          <a:prstGeom prst="rect">
+            <a:avLst/>
+          </a:prstGeom>
+        </p:spPr>
+      </p:pic>
+      <p:pic>
+        <p:nvPicPr>
+          <p:cNvPr id="6" name="図 5"/>
+          <p:cNvPicPr>
+            <a:picLocks noChangeAspect="1"/>
+          </p:cNvPicPr>
+          <p:nvPr/>
+        </p:nvPicPr>
+        <p:blipFill>
+          <a:blip r:embed="rId4">
+            <a:extLst>
+              <a:ext uri="{28A0092B-C50C-407E-A947-70E740481C1C}">
+                <a14:useLocalDpi xmlns:a14="http://schemas.microsoft.com/office/drawing/2010/main" val="0"/>
+              </a:ext>
+            </a:extLst>
+          </a:blip>
+          <a:stretch>
+            <a:fillRect/>
+          </a:stretch>
+        </p:blipFill>
+        <p:spPr>
+          <a:xfrm>
+            <a:off x="6874932" y="4685163"/>
+            <a:ext cx="4961467" cy="574224"/>
+          </a:xfrm>
+          <a:prstGeom prst="rect">
+            <a:avLst/>
+          </a:prstGeom>
+        </p:spPr>
+      </p:pic>
+    </p:spTree>
+    <p:extLst>
+      <p:ext uri="{BB962C8B-B14F-4D97-AF65-F5344CB8AC3E}">
+        <p14:creationId xmlns:p14="http://schemas.microsoft.com/office/powerpoint/2010/main" val="894306063"/>
+      </p:ext>
+    </p:extLst>
+  </p:cSld>
+  <p:clrMapOvr>
+    <a:masterClrMapping/>
+  </p:clrMapOvr>
+  <p:timing>
+    <p:tnLst>
+      <p:par>
+        <p:cTn id="1" dur="indefinite" restart="never" nodeType="tmRoot"/>
+      </p:par>
+    </p:tnLst>
+  </p:timing>
+</p:sld>
+</file>
+
+<file path=ppt/slides/slide8.xml><?xml version="1.0" encoding="utf-8"?>
+<p:sld xmlns:a="http://schemas.openxmlformats.org/drawingml/2006/main" xmlns:r="http://schemas.openxmlformats.org/officeDocument/2006/relationships" xmlns:p="http://schemas.openxmlformats.org/presentationml/2006/main">
+  <p:cSld>
+    <p:spTree>
+      <p:nvGrpSpPr>
+        <p:cNvPr id="1" name=""/>
+        <p:cNvGrpSpPr/>
+        <p:nvPr/>
+      </p:nvGrpSpPr>
+      <p:grpSpPr>
+        <a:xfrm>
+          <a:off x="0" y="0"/>
+          <a:ext cx="0" cy="0"/>
+          <a:chOff x="0" y="0"/>
+          <a:chExt cx="0" cy="0"/>
+        </a:xfrm>
+      </p:grpSpPr>
+      <p:sp>
+        <p:nvSpPr>
+          <p:cNvPr id="2" name="ホームベース 1"/>
+          <p:cNvSpPr/>
+          <p:nvPr/>
+        </p:nvSpPr>
+        <p:spPr>
+          <a:xfrm>
+            <a:off x="-1" y="419100"/>
+            <a:ext cx="3843867" cy="1133475"/>
+          </a:xfrm>
+          <a:prstGeom prst="homePlate">
+            <a:avLst/>
+          </a:prstGeom>
+        </p:spPr>
+        <p:style>
+          <a:lnRef idx="3">
+            <a:schemeClr val="lt1"/>
+          </a:lnRef>
+          <a:fillRef idx="1">
+            <a:schemeClr val="accent2"/>
+          </a:fillRef>
+          <a:effectRef idx="1">
+            <a:schemeClr val="accent2"/>
+          </a:effectRef>
+          <a:fontRef idx="minor">
+            <a:schemeClr val="lt1"/>
+          </a:fontRef>
+        </p:style>
+        <p:txBody>
+          <a:bodyPr rtlCol="0" anchor="ctr"/>
+          <a:lstStyle/>
+          <a:p>
+            <a:pPr algn="ctr"/>
+            <a:r>
+              <a:rPr lang="ja-JP" altLang="en-US" sz="3600" dirty="0" smtClean="0"/>
+              <a:t>ライトギミック</a:t>
+            </a:r>
+            <a:endParaRPr kumimoji="1" lang="en-US" altLang="ja-JP" sz="3600" dirty="0" smtClean="0"/>
+          </a:p>
+        </p:txBody>
+      </p:sp>
+      <p:pic>
+        <p:nvPicPr>
+          <p:cNvPr id="7" name="図 6"/>
+          <p:cNvPicPr>
+            <a:picLocks noChangeAspect="1"/>
+          </p:cNvPicPr>
+          <p:nvPr/>
+        </p:nvPicPr>
+        <p:blipFill>
+          <a:blip r:embed="rId2">
+            <a:extLst>
+              <a:ext uri="{28A0092B-C50C-407E-A947-70E740481C1C}">
+                <a14:useLocalDpi xmlns:a14="http://schemas.microsoft.com/office/drawing/2010/main" val="0"/>
+              </a:ext>
+            </a:extLst>
+          </a:blip>
+          <a:stretch>
+            <a:fillRect/>
+          </a:stretch>
+        </p:blipFill>
+        <p:spPr>
+          <a:xfrm>
+            <a:off x="1331913" y="1935692"/>
+            <a:ext cx="6796088" cy="1765404"/>
+          </a:xfrm>
+          <a:prstGeom prst="rect">
+            <a:avLst/>
+          </a:prstGeom>
+        </p:spPr>
+      </p:pic>
+      <p:pic>
+        <p:nvPicPr>
+          <p:cNvPr id="8" name="図 7"/>
+          <p:cNvPicPr>
+            <a:picLocks noChangeAspect="1"/>
+          </p:cNvPicPr>
+          <p:nvPr/>
+        </p:nvPicPr>
+        <p:blipFill>
+          <a:blip r:embed="rId3">
+            <a:extLst>
+              <a:ext uri="{28A0092B-C50C-407E-A947-70E740481C1C}">
+                <a14:useLocalDpi xmlns:a14="http://schemas.microsoft.com/office/drawing/2010/main" val="0"/>
+              </a:ext>
+            </a:extLst>
+          </a:blip>
+          <a:stretch>
+            <a:fillRect/>
+          </a:stretch>
+        </p:blipFill>
+        <p:spPr>
+          <a:xfrm>
+            <a:off x="1331913" y="4508500"/>
+            <a:ext cx="6796088" cy="1843473"/>
+          </a:xfrm>
+          <a:prstGeom prst="rect">
+            <a:avLst/>
+          </a:prstGeom>
+        </p:spPr>
+      </p:pic>
+      <p:sp>
+        <p:nvSpPr>
+          <p:cNvPr id="9" name="テキスト ボックス 8"/>
+          <p:cNvSpPr txBox="1"/>
+          <p:nvPr/>
+        </p:nvSpPr>
+        <p:spPr>
+          <a:xfrm>
+            <a:off x="8839200" y="2464451"/>
+            <a:ext cx="2777067" cy="1323439"/>
+          </a:xfrm>
+          <a:prstGeom prst="rect">
+            <a:avLst/>
+          </a:prstGeom>
+          <a:noFill/>
+        </p:spPr>
+        <p:txBody>
+          <a:bodyPr wrap="square" rtlCol="0">
+            <a:spAutoFit/>
+          </a:bodyPr>
+          <a:lstStyle/>
+          <a:p>
+            <a:r>
+              <a:rPr kumimoji="1" lang="ja-JP" altLang="en-US" sz="4000" dirty="0" smtClean="0"/>
+              <a:t>セットしていないとき</a:t>
+            </a:r>
+            <a:endParaRPr kumimoji="1" lang="ja-JP" altLang="en-US" sz="4000" dirty="0"/>
+          </a:p>
+        </p:txBody>
+      </p:sp>
+      <p:sp>
+        <p:nvSpPr>
+          <p:cNvPr id="10" name="テキスト ボックス 9"/>
+          <p:cNvSpPr txBox="1"/>
+          <p:nvPr/>
+        </p:nvSpPr>
+        <p:spPr>
+          <a:xfrm>
+            <a:off x="8839200" y="5076293"/>
+            <a:ext cx="2777067" cy="1323439"/>
+          </a:xfrm>
+          <a:prstGeom prst="rect">
+            <a:avLst/>
+          </a:prstGeom>
+          <a:noFill/>
+        </p:spPr>
+        <p:txBody>
+          <a:bodyPr wrap="square" rtlCol="0">
+            <a:spAutoFit/>
+          </a:bodyPr>
+          <a:lstStyle/>
+          <a:p>
+            <a:r>
+              <a:rPr kumimoji="1" lang="ja-JP" altLang="en-US" sz="4000" dirty="0" smtClean="0"/>
+              <a:t>セットしているとき</a:t>
+            </a:r>
+            <a:endParaRPr kumimoji="1" lang="ja-JP" altLang="en-US" sz="4000" dirty="0"/>
+          </a:p>
+        </p:txBody>
+      </p:sp>
+    </p:spTree>
+    <p:extLst>
+      <p:ext uri="{BB962C8B-B14F-4D97-AF65-F5344CB8AC3E}">
+        <p14:creationId xmlns:p14="http://schemas.microsoft.com/office/powerpoint/2010/main" val="2858451925"/>
+      </p:ext>
+    </p:extLst>
+  </p:cSld>
+  <p:clrMapOvr>
+    <a:masterClrMapping/>
+  </p:clrMapOvr>
+  <p:timing>
+    <p:tnLst>
+      <p:par>
+        <p:cTn id="1" dur="indefinite" restart="never" nodeType="tmRoot"/>
+      </p:par>
+    </p:tnLst>
+  </p:timing>
+</p:sld>
+</file>
+
+<file path=ppt/slides/slide9.xml><?xml version="1.0" encoding="utf-8"?>
+<p:sld xmlns:a="http://schemas.openxmlformats.org/drawingml/2006/main" xmlns:r="http://schemas.openxmlformats.org/officeDocument/2006/relationships" xmlns:p="http://schemas.openxmlformats.org/presentationml/2006/main">
+  <p:cSld>
+    <p:spTree>
+      <p:nvGrpSpPr>
+        <p:cNvPr id="1" name=""/>
+        <p:cNvGrpSpPr/>
+        <p:nvPr/>
+      </p:nvGrpSpPr>
+      <p:grpSpPr>
+        <a:xfrm>
+          <a:off x="0" y="0"/>
+          <a:ext cx="0" cy="0"/>
+          <a:chOff x="0" y="0"/>
+          <a:chExt cx="0" cy="0"/>
+        </a:xfrm>
+      </p:grpSpPr>
+      <p:sp>
+        <p:nvSpPr>
+          <p:cNvPr id="2" name="ホームベース 1"/>
+          <p:cNvSpPr/>
+          <p:nvPr/>
+        </p:nvSpPr>
+        <p:spPr>
+          <a:xfrm>
+            <a:off x="-1" y="419100"/>
+            <a:ext cx="3843867" cy="1133475"/>
+          </a:xfrm>
+          <a:prstGeom prst="homePlate">
+            <a:avLst/>
+          </a:prstGeom>
+        </p:spPr>
+        <p:style>
+          <a:lnRef idx="3">
+            <a:schemeClr val="lt1"/>
+          </a:lnRef>
+          <a:fillRef idx="1">
+            <a:schemeClr val="accent2"/>
+          </a:fillRef>
+          <a:effectRef idx="1">
+            <a:schemeClr val="accent2"/>
+          </a:effectRef>
+          <a:fontRef idx="minor">
+            <a:schemeClr val="lt1"/>
+          </a:fontRef>
+        </p:style>
+        <p:txBody>
+          <a:bodyPr rtlCol="0" anchor="ctr"/>
+          <a:lstStyle/>
+          <a:p>
+            <a:pPr algn="ctr"/>
+            <a:r>
+              <a:rPr lang="ja-JP" altLang="en-US" sz="3600" dirty="0" smtClean="0"/>
+              <a:t>重りギミック</a:t>
+            </a:r>
+            <a:endParaRPr kumimoji="1" lang="en-US" altLang="ja-JP" sz="3600" dirty="0" smtClean="0"/>
+          </a:p>
+        </p:txBody>
+      </p:sp>
+      <p:pic>
+        <p:nvPicPr>
+          <p:cNvPr id="3" name="図 2"/>
+          <p:cNvPicPr>
+            <a:picLocks noChangeAspect="1"/>
+          </p:cNvPicPr>
+          <p:nvPr/>
+        </p:nvPicPr>
+        <p:blipFill>
+          <a:blip r:embed="rId2">
+            <a:extLst>
+              <a:ext uri="{28A0092B-C50C-407E-A947-70E740481C1C}">
+                <a14:useLocalDpi xmlns:a14="http://schemas.microsoft.com/office/drawing/2010/main" val="0"/>
+              </a:ext>
+            </a:extLst>
+          </a:blip>
+          <a:stretch>
+            <a:fillRect/>
+          </a:stretch>
+        </p:blipFill>
+        <p:spPr>
+          <a:xfrm>
+            <a:off x="8892121" y="542417"/>
+            <a:ext cx="2603231" cy="5142970"/>
+          </a:xfrm>
+          <a:prstGeom prst="rect">
+            <a:avLst/>
+          </a:prstGeom>
+        </p:spPr>
+      </p:pic>
+      <p:pic>
+        <p:nvPicPr>
+          <p:cNvPr id="4" name="図 3"/>
+          <p:cNvPicPr>
+            <a:picLocks noChangeAspect="1"/>
+          </p:cNvPicPr>
+          <p:nvPr/>
+        </p:nvPicPr>
+        <p:blipFill>
+          <a:blip r:embed="rId3">
+            <a:extLst>
+              <a:ext uri="{28A0092B-C50C-407E-A947-70E740481C1C}">
+                <a14:useLocalDpi xmlns:a14="http://schemas.microsoft.com/office/drawing/2010/main" val="0"/>
+              </a:ext>
+            </a:extLst>
+          </a:blip>
+          <a:stretch>
+            <a:fillRect/>
+          </a:stretch>
+        </p:blipFill>
+        <p:spPr>
+          <a:xfrm>
+            <a:off x="5353055" y="419100"/>
+            <a:ext cx="2603231" cy="5142970"/>
+          </a:xfrm>
+          <a:prstGeom prst="rect">
+            <a:avLst/>
+          </a:prstGeom>
+        </p:spPr>
+      </p:pic>
+      <p:sp>
+        <p:nvSpPr>
+          <p:cNvPr id="5" name="テキスト ボックス 4"/>
+          <p:cNvSpPr txBox="1"/>
+          <p:nvPr/>
+        </p:nvSpPr>
+        <p:spPr>
+          <a:xfrm>
+            <a:off x="1202266" y="2269067"/>
+            <a:ext cx="3843867" cy="2308324"/>
+          </a:xfrm>
+          <a:prstGeom prst="rect">
+            <a:avLst/>
+          </a:prstGeom>
+          <a:noFill/>
+        </p:spPr>
+        <p:txBody>
+          <a:bodyPr wrap="square" rtlCol="0">
+            <a:spAutoFit/>
+          </a:bodyPr>
+          <a:lstStyle/>
+          <a:p>
+            <a:r>
+              <a:rPr kumimoji="1" lang="ja-JP" altLang="en-US" sz="3600" dirty="0" smtClean="0"/>
+              <a:t>上の数値に下の緑の台座に乗ってる重さの合計を表示する</a:t>
+            </a:r>
+            <a:endParaRPr kumimoji="1" lang="ja-JP" altLang="en-US" sz="3600" dirty="0"/>
+          </a:p>
+        </p:txBody>
+      </p:sp>
+    </p:spTree>
+    <p:extLst>
+      <p:ext uri="{BB962C8B-B14F-4D97-AF65-F5344CB8AC3E}">
+        <p14:creationId xmlns:p14="http://schemas.microsoft.com/office/powerpoint/2010/main" val="1560384662"/>
+      </p:ext>
+    </p:extLst>
+  </p:cSld>
+  <p:clrMapOvr>
+    <a:masterClrMapping/>
+  </p:clrMapOvr>
   <p:timing>
     <p:tnLst>
       <p:par>
